--- a/Figures/All_figs_in_text.pptx
+++ b/Figures/All_figs_in_text.pptx
@@ -2,25 +2,24 @@
 <file path=ppt/presentation.xml><?xml version="1.0" encoding="utf-8"?>
 <p:presentation xmlns:a="http://schemas.openxmlformats.org/drawingml/2006/main" xmlns:r="http://schemas.openxmlformats.org/officeDocument/2006/relationships" xmlns:p="http://schemas.openxmlformats.org/presentationml/2006/main" saveSubsetFonts="1">
   <p:sldMasterIdLst>
-    <p:sldMasterId id="2147483648" r:id="rId1"/>
-    <p:sldMasterId id="2147483660" r:id="rId2"/>
+    <p:sldMasterId id="2147483672" r:id="rId1"/>
+    <p:sldMasterId id="2147483684" r:id="rId2"/>
   </p:sldMasterIdLst>
   <p:notesMasterIdLst>
-    <p:notesMasterId r:id="rId13"/>
+    <p:notesMasterId r:id="rId12"/>
   </p:notesMasterIdLst>
   <p:sldIdLst>
     <p:sldId id="256" r:id="rId3"/>
-    <p:sldId id="264" r:id="rId4"/>
-    <p:sldId id="258" r:id="rId5"/>
-    <p:sldId id="257" r:id="rId6"/>
-    <p:sldId id="259" r:id="rId7"/>
-    <p:sldId id="260" r:id="rId8"/>
-    <p:sldId id="261" r:id="rId9"/>
-    <p:sldId id="262" r:id="rId10"/>
-    <p:sldId id="263" r:id="rId11"/>
-    <p:sldId id="265" r:id="rId12"/>
+    <p:sldId id="258" r:id="rId4"/>
+    <p:sldId id="257" r:id="rId5"/>
+    <p:sldId id="259" r:id="rId6"/>
+    <p:sldId id="260" r:id="rId7"/>
+    <p:sldId id="261" r:id="rId8"/>
+    <p:sldId id="262" r:id="rId9"/>
+    <p:sldId id="263" r:id="rId10"/>
+    <p:sldId id="265" r:id="rId11"/>
   </p:sldIdLst>
-  <p:sldSz cx="12192000" cy="6858000"/>
+  <p:sldSz cx="12192000" cy="9144000"/>
   <p:notesSz cx="6858000" cy="9144000"/>
   <p:defaultTextStyle>
     <a:defPPr>
@@ -118,24 +117,6 @@
     </a:lvl9pPr>
   </p:defaultTextStyle>
   <p:extLst>
-    <p:ext uri="{521415D9-36F7-43E2-AB2F-B90AF26B5E84}">
-      <p14:sectionLst xmlns:p14="http://schemas.microsoft.com/office/powerpoint/2010/main">
-        <p14:section name="Untitled Section" id="{53D441E8-E986-4722-93E2-CDF59A4E7487}">
-          <p14:sldIdLst>
-            <p14:sldId id="256"/>
-            <p14:sldId id="264"/>
-            <p14:sldId id="258"/>
-            <p14:sldId id="257"/>
-            <p14:sldId id="259"/>
-            <p14:sldId id="260"/>
-            <p14:sldId id="261"/>
-            <p14:sldId id="262"/>
-            <p14:sldId id="263"/>
-            <p14:sldId id="265"/>
-          </p14:sldIdLst>
-        </p14:section>
-      </p14:sectionLst>
-    </p:ext>
     <p:ext uri="{EFAFB233-063F-42B5-8137-9DF3F51BA10A}">
       <p15:sldGuideLst xmlns:p15="http://schemas.microsoft.com/office/powerpoint/2012/main"/>
     </p:ext>
@@ -225,7 +206,7 @@
           <a:p>
             <a:fld id="{8AE731BB-F939-4C66-9F0B-C29D2DEABF15}" type="datetimeFigureOut">
               <a:rPr lang="en-US" smtClean="0"/>
-              <a:t>6/23/2023</a:t>
+              <a:t>10/9/2023</a:t>
             </a:fld>
             <a:endParaRPr lang="en-US"/>
           </a:p>
@@ -243,8 +224,8 @@
         </p:nvSpPr>
         <p:spPr>
           <a:xfrm>
-            <a:off x="685800" y="1143000"/>
-            <a:ext cx="5486400" cy="3086100"/>
+            <a:off x="1371600" y="1143000"/>
+            <a:ext cx="4114800" cy="3086100"/>
           </a:xfrm>
           <a:prstGeom prst="rect">
             <a:avLst/>
@@ -521,8 +502,8 @@
         </p:nvSpPr>
         <p:spPr>
           <a:xfrm>
-            <a:off x="685800" y="1143000"/>
-            <a:ext cx="5486400" cy="3086100"/>
+            <a:off x="1371600" y="1143000"/>
+            <a:ext cx="4114800" cy="3086100"/>
           </a:xfrm>
         </p:spPr>
       </p:sp>
@@ -565,6 +546,175 @@
           </a:p>
           <a:p>
             <a:endParaRPr lang="en-US" dirty="0"/>
+          </a:p>
+        </p:txBody>
+      </p:sp>
+      <p:sp>
+        <p:nvSpPr>
+          <p:cNvPr id="4" name="Slide Number Placeholder 3"/>
+          <p:cNvSpPr>
+            <a:spLocks noGrp="1"/>
+          </p:cNvSpPr>
+          <p:nvPr>
+            <p:ph type="sldNum" sz="quarter" idx="5"/>
+          </p:nvPr>
+        </p:nvSpPr>
+        <p:spPr/>
+        <p:txBody>
+          <a:bodyPr/>
+          <a:lstStyle/>
+          <a:p>
+            <a:pPr marL="0" marR="0" lvl="0" indent="0" algn="r" defTabSz="457142" rtl="0" eaLnBrk="1" fontAlgn="auto" latinLnBrk="0" hangingPunct="1">
+              <a:lnSpc>
+                <a:spcPct val="100000"/>
+              </a:lnSpc>
+              <a:spcBef>
+                <a:spcPts val="0"/>
+              </a:spcBef>
+              <a:spcAft>
+                <a:spcPts val="0"/>
+              </a:spcAft>
+              <a:buClrTx/>
+              <a:buSzTx/>
+              <a:buFontTx/>
+              <a:buNone/>
+              <a:tabLst/>
+              <a:defRPr/>
+            </a:pPr>
+            <a:fld id="{BC3B6F55-FC2E-48E5-8C22-CC4C1D41983B}" type="slidenum">
+              <a:rPr kumimoji="0" lang="en-US" sz="1200" b="0" i="0" u="none" strike="noStrike" kern="1200" cap="none" spc="0" normalizeH="0" baseline="0" noProof="0" smtClean="0">
+                <a:ln>
+                  <a:noFill/>
+                </a:ln>
+                <a:solidFill>
+                  <a:prstClr val="black"/>
+                </a:solidFill>
+                <a:effectLst/>
+                <a:uLnTx/>
+                <a:uFillTx/>
+                <a:latin typeface="Calibri" panose="020F0502020204030204"/>
+                <a:ea typeface="+mn-ea"/>
+                <a:cs typeface="+mn-cs"/>
+              </a:rPr>
+              <a:pPr marL="0" marR="0" lvl="0" indent="0" algn="r" defTabSz="457142" rtl="0" eaLnBrk="1" fontAlgn="auto" latinLnBrk="0" hangingPunct="1">
+                <a:lnSpc>
+                  <a:spcPct val="100000"/>
+                </a:lnSpc>
+                <a:spcBef>
+                  <a:spcPts val="0"/>
+                </a:spcBef>
+                <a:spcAft>
+                  <a:spcPts val="0"/>
+                </a:spcAft>
+                <a:buClrTx/>
+                <a:buSzTx/>
+                <a:buFontTx/>
+                <a:buNone/>
+                <a:tabLst/>
+                <a:defRPr/>
+              </a:pPr>
+              <a:t>2</a:t>
+            </a:fld>
+            <a:endParaRPr kumimoji="0" lang="en-US" sz="1200" b="0" i="0" u="none" strike="noStrike" kern="1200" cap="none" spc="0" normalizeH="0" baseline="0" noProof="0">
+              <a:ln>
+                <a:noFill/>
+              </a:ln>
+              <a:solidFill>
+                <a:prstClr val="black"/>
+              </a:solidFill>
+              <a:effectLst/>
+              <a:uLnTx/>
+              <a:uFillTx/>
+              <a:latin typeface="Calibri" panose="020F0502020204030204"/>
+              <a:ea typeface="+mn-ea"/>
+              <a:cs typeface="+mn-cs"/>
+            </a:endParaRPr>
+          </a:p>
+        </p:txBody>
+      </p:sp>
+    </p:spTree>
+    <p:extLst>
+      <p:ext uri="{BB962C8B-B14F-4D97-AF65-F5344CB8AC3E}">
+        <p14:creationId xmlns:p14="http://schemas.microsoft.com/office/powerpoint/2010/main" val="770267983"/>
+      </p:ext>
+    </p:extLst>
+  </p:cSld>
+  <p:clrMapOvr>
+    <a:masterClrMapping/>
+  </p:clrMapOvr>
+</p:notes>
+</file>
+
+<file path=ppt/notesSlides/notesSlide2.xml><?xml version="1.0" encoding="utf-8"?>
+<p:notes xmlns:a="http://schemas.openxmlformats.org/drawingml/2006/main" xmlns:r="http://schemas.openxmlformats.org/officeDocument/2006/relationships" xmlns:p="http://schemas.openxmlformats.org/presentationml/2006/main">
+  <p:cSld>
+    <p:spTree>
+      <p:nvGrpSpPr>
+        <p:cNvPr id="1" name=""/>
+        <p:cNvGrpSpPr/>
+        <p:nvPr/>
+      </p:nvGrpSpPr>
+      <p:grpSpPr>
+        <a:xfrm>
+          <a:off x="0" y="0"/>
+          <a:ext cx="0" cy="0"/>
+          <a:chOff x="0" y="0"/>
+          <a:chExt cx="0" cy="0"/>
+        </a:xfrm>
+      </p:grpSpPr>
+      <p:sp>
+        <p:nvSpPr>
+          <p:cNvPr id="2" name="Slide Image Placeholder 1"/>
+          <p:cNvSpPr>
+            <a:spLocks noGrp="1" noRot="1" noChangeAspect="1"/>
+          </p:cNvSpPr>
+          <p:nvPr>
+            <p:ph type="sldImg"/>
+          </p:nvPr>
+        </p:nvSpPr>
+        <p:spPr>
+          <a:xfrm>
+            <a:off x="1371600" y="1143000"/>
+            <a:ext cx="4114800" cy="3086100"/>
+          </a:xfrm>
+        </p:spPr>
+      </p:sp>
+      <p:sp>
+        <p:nvSpPr>
+          <p:cNvPr id="3" name="Notes Placeholder 2"/>
+          <p:cNvSpPr>
+            <a:spLocks noGrp="1"/>
+          </p:cNvSpPr>
+          <p:nvPr>
+            <p:ph type="body" idx="1"/>
+          </p:nvPr>
+        </p:nvSpPr>
+        <p:spPr/>
+        <p:txBody>
+          <a:bodyPr/>
+          <a:lstStyle/>
+          <a:p>
+            <a:pPr marL="0" marR="0" lvl="0" indent="0" algn="l" defTabSz="914400" rtl="0" eaLnBrk="1" fontAlgn="auto" latinLnBrk="0" hangingPunct="1">
+              <a:lnSpc>
+                <a:spcPct val="100000"/>
+              </a:lnSpc>
+              <a:spcBef>
+                <a:spcPts val="0"/>
+              </a:spcBef>
+              <a:spcAft>
+                <a:spcPts val="0"/>
+              </a:spcAft>
+              <a:buClrTx/>
+              <a:buSzTx/>
+              <a:buFontTx/>
+              <a:buNone/>
+              <a:tabLst/>
+              <a:defRPr/>
+            </a:pPr>
+            <a:r>
+              <a:rPr lang="en-US" dirty="0"/>
+              <a:t>Full dataset of Vcmax, with TPU fitting</a:t>
+            </a:r>
           </a:p>
         </p:txBody>
       </p:sp>
@@ -654,175 +804,6 @@
     </p:spTree>
     <p:extLst>
       <p:ext uri="{BB962C8B-B14F-4D97-AF65-F5344CB8AC3E}">
-        <p14:creationId xmlns:p14="http://schemas.microsoft.com/office/powerpoint/2010/main" val="770267983"/>
-      </p:ext>
-    </p:extLst>
-  </p:cSld>
-  <p:clrMapOvr>
-    <a:masterClrMapping/>
-  </p:clrMapOvr>
-</p:notes>
-</file>
-
-<file path=ppt/notesSlides/notesSlide2.xml><?xml version="1.0" encoding="utf-8"?>
-<p:notes xmlns:a="http://schemas.openxmlformats.org/drawingml/2006/main" xmlns:r="http://schemas.openxmlformats.org/officeDocument/2006/relationships" xmlns:p="http://schemas.openxmlformats.org/presentationml/2006/main">
-  <p:cSld>
-    <p:spTree>
-      <p:nvGrpSpPr>
-        <p:cNvPr id="1" name=""/>
-        <p:cNvGrpSpPr/>
-        <p:nvPr/>
-      </p:nvGrpSpPr>
-      <p:grpSpPr>
-        <a:xfrm>
-          <a:off x="0" y="0"/>
-          <a:ext cx="0" cy="0"/>
-          <a:chOff x="0" y="0"/>
-          <a:chExt cx="0" cy="0"/>
-        </a:xfrm>
-      </p:grpSpPr>
-      <p:sp>
-        <p:nvSpPr>
-          <p:cNvPr id="2" name="Slide Image Placeholder 1"/>
-          <p:cNvSpPr>
-            <a:spLocks noGrp="1" noRot="1" noChangeAspect="1"/>
-          </p:cNvSpPr>
-          <p:nvPr>
-            <p:ph type="sldImg"/>
-          </p:nvPr>
-        </p:nvSpPr>
-        <p:spPr>
-          <a:xfrm>
-            <a:off x="685800" y="1143000"/>
-            <a:ext cx="5486400" cy="3086100"/>
-          </a:xfrm>
-        </p:spPr>
-      </p:sp>
-      <p:sp>
-        <p:nvSpPr>
-          <p:cNvPr id="3" name="Notes Placeholder 2"/>
-          <p:cNvSpPr>
-            <a:spLocks noGrp="1"/>
-          </p:cNvSpPr>
-          <p:nvPr>
-            <p:ph type="body" idx="1"/>
-          </p:nvPr>
-        </p:nvSpPr>
-        <p:spPr/>
-        <p:txBody>
-          <a:bodyPr/>
-          <a:lstStyle/>
-          <a:p>
-            <a:pPr marL="0" marR="0" lvl="0" indent="0" algn="l" defTabSz="914400" rtl="0" eaLnBrk="1" fontAlgn="auto" latinLnBrk="0" hangingPunct="1">
-              <a:lnSpc>
-                <a:spcPct val="100000"/>
-              </a:lnSpc>
-              <a:spcBef>
-                <a:spcPts val="0"/>
-              </a:spcBef>
-              <a:spcAft>
-                <a:spcPts val="0"/>
-              </a:spcAft>
-              <a:buClrTx/>
-              <a:buSzTx/>
-              <a:buFontTx/>
-              <a:buNone/>
-              <a:tabLst/>
-              <a:defRPr/>
-            </a:pPr>
-            <a:r>
-              <a:rPr lang="en-US" dirty="0"/>
-              <a:t>Full dataset of Vcmax, with TPU fitting</a:t>
-            </a:r>
-          </a:p>
-        </p:txBody>
-      </p:sp>
-      <p:sp>
-        <p:nvSpPr>
-          <p:cNvPr id="4" name="Slide Number Placeholder 3"/>
-          <p:cNvSpPr>
-            <a:spLocks noGrp="1"/>
-          </p:cNvSpPr>
-          <p:nvPr>
-            <p:ph type="sldNum" sz="quarter" idx="5"/>
-          </p:nvPr>
-        </p:nvSpPr>
-        <p:spPr/>
-        <p:txBody>
-          <a:bodyPr/>
-          <a:lstStyle/>
-          <a:p>
-            <a:pPr marL="0" marR="0" lvl="0" indent="0" algn="r" defTabSz="457142" rtl="0" eaLnBrk="1" fontAlgn="auto" latinLnBrk="0" hangingPunct="1">
-              <a:lnSpc>
-                <a:spcPct val="100000"/>
-              </a:lnSpc>
-              <a:spcBef>
-                <a:spcPts val="0"/>
-              </a:spcBef>
-              <a:spcAft>
-                <a:spcPts val="0"/>
-              </a:spcAft>
-              <a:buClrTx/>
-              <a:buSzTx/>
-              <a:buFontTx/>
-              <a:buNone/>
-              <a:tabLst/>
-              <a:defRPr/>
-            </a:pPr>
-            <a:fld id="{BC3B6F55-FC2E-48E5-8C22-CC4C1D41983B}" type="slidenum">
-              <a:rPr kumimoji="0" lang="en-US" sz="1200" b="0" i="0" u="none" strike="noStrike" kern="1200" cap="none" spc="0" normalizeH="0" baseline="0" noProof="0" smtClean="0">
-                <a:ln>
-                  <a:noFill/>
-                </a:ln>
-                <a:solidFill>
-                  <a:prstClr val="black"/>
-                </a:solidFill>
-                <a:effectLst/>
-                <a:uLnTx/>
-                <a:uFillTx/>
-                <a:latin typeface="Calibri" panose="020F0502020204030204"/>
-                <a:ea typeface="+mn-ea"/>
-                <a:cs typeface="+mn-cs"/>
-              </a:rPr>
-              <a:pPr marL="0" marR="0" lvl="0" indent="0" algn="r" defTabSz="457142" rtl="0" eaLnBrk="1" fontAlgn="auto" latinLnBrk="0" hangingPunct="1">
-                <a:lnSpc>
-                  <a:spcPct val="100000"/>
-                </a:lnSpc>
-                <a:spcBef>
-                  <a:spcPts val="0"/>
-                </a:spcBef>
-                <a:spcAft>
-                  <a:spcPts val="0"/>
-                </a:spcAft>
-                <a:buClrTx/>
-                <a:buSzTx/>
-                <a:buFontTx/>
-                <a:buNone/>
-                <a:tabLst/>
-                <a:defRPr/>
-              </a:pPr>
-              <a:t>4</a:t>
-            </a:fld>
-            <a:endParaRPr kumimoji="0" lang="en-US" sz="1200" b="0" i="0" u="none" strike="noStrike" kern="1200" cap="none" spc="0" normalizeH="0" baseline="0" noProof="0">
-              <a:ln>
-                <a:noFill/>
-              </a:ln>
-              <a:solidFill>
-                <a:prstClr val="black"/>
-              </a:solidFill>
-              <a:effectLst/>
-              <a:uLnTx/>
-              <a:uFillTx/>
-              <a:latin typeface="Calibri" panose="020F0502020204030204"/>
-              <a:ea typeface="+mn-ea"/>
-              <a:cs typeface="+mn-cs"/>
-            </a:endParaRPr>
-          </a:p>
-        </p:txBody>
-      </p:sp>
-    </p:spTree>
-    <p:extLst>
-      <p:ext uri="{BB962C8B-B14F-4D97-AF65-F5344CB8AC3E}">
         <p14:creationId xmlns:p14="http://schemas.microsoft.com/office/powerpoint/2010/main" val="102753252"/>
       </p:ext>
     </p:extLst>
@@ -862,8 +843,8 @@
         </p:nvSpPr>
         <p:spPr>
           <a:xfrm>
-            <a:off x="685800" y="1143000"/>
-            <a:ext cx="5486400" cy="3086100"/>
+            <a:off x="1371600" y="1143000"/>
+            <a:ext cx="4114800" cy="3086100"/>
           </a:xfrm>
         </p:spPr>
       </p:sp>
@@ -934,7 +915,7 @@
           <a:p>
             <a:fld id="{BC3B6F55-FC2E-48E5-8C22-CC4C1D41983B}" type="slidenum">
               <a:rPr lang="en-US" smtClean="0"/>
-              <a:t>6</a:t>
+              <a:t>5</a:t>
             </a:fld>
             <a:endParaRPr lang="en-US"/>
           </a:p>
@@ -972,13 +953,7 @@
       </p:grpSpPr>
       <p:sp>
         <p:nvSpPr>
-          <p:cNvPr id="2" name="Title 1">
-            <a:extLst>
-              <a:ext uri="{FF2B5EF4-FFF2-40B4-BE49-F238E27FC236}">
-                <a16:creationId xmlns:a16="http://schemas.microsoft.com/office/drawing/2014/main" id="{5BB84CA4-A475-E219-5014-EF4F4FDF828C}"/>
-              </a:ext>
-            </a:extLst>
-          </p:cNvPr>
+          <p:cNvPr id="2" name="Title 1"/>
           <p:cNvSpPr>
             <a:spLocks noGrp="1"/>
           </p:cNvSpPr>
@@ -988,15 +963,15 @@
         </p:nvSpPr>
         <p:spPr>
           <a:xfrm>
-            <a:off x="1524000" y="1122363"/>
-            <a:ext cx="9144000" cy="2387600"/>
+            <a:off x="914400" y="1496484"/>
+            <a:ext cx="10363200" cy="3183467"/>
           </a:xfrm>
         </p:spPr>
         <p:txBody>
           <a:bodyPr anchor="b"/>
           <a:lstStyle>
             <a:lvl1pPr algn="ctr">
-              <a:defRPr sz="6000"/>
+              <a:defRPr sz="8000"/>
             </a:lvl1pPr>
           </a:lstStyle>
           <a:p>
@@ -1004,18 +979,13 @@
               <a:rPr lang="en-US"/>
               <a:t>Click to edit Master title style</a:t>
             </a:r>
-          </a:p>
-        </p:txBody>
-      </p:sp>
-      <p:sp>
-        <p:nvSpPr>
-          <p:cNvPr id="3" name="Subtitle 2">
-            <a:extLst>
-              <a:ext uri="{FF2B5EF4-FFF2-40B4-BE49-F238E27FC236}">
-                <a16:creationId xmlns:a16="http://schemas.microsoft.com/office/drawing/2014/main" id="{625C5BE6-07C2-CEDE-0060-0E1797926DBF}"/>
-              </a:ext>
-            </a:extLst>
-          </p:cNvPr>
+            <a:endParaRPr lang="en-US" dirty="0"/>
+          </a:p>
+        </p:txBody>
+      </p:sp>
+      <p:sp>
+        <p:nvSpPr>
+          <p:cNvPr id="3" name="Subtitle 2"/>
           <p:cNvSpPr>
             <a:spLocks noGrp="1"/>
           </p:cNvSpPr>
@@ -1025,8 +995,8 @@
         </p:nvSpPr>
         <p:spPr>
           <a:xfrm>
-            <a:off x="1524000" y="3602038"/>
-            <a:ext cx="9144000" cy="1655762"/>
+            <a:off x="1524000" y="4802717"/>
+            <a:ext cx="9144000" cy="2207683"/>
           </a:xfrm>
         </p:spPr>
         <p:txBody>
@@ -1034,39 +1004,39 @@
           <a:lstStyle>
             <a:lvl1pPr marL="0" indent="0" algn="ctr">
               <a:buNone/>
+              <a:defRPr sz="3200"/>
+            </a:lvl1pPr>
+            <a:lvl2pPr marL="609585" indent="0" algn="ctr">
+              <a:buNone/>
+              <a:defRPr sz="2667"/>
+            </a:lvl2pPr>
+            <a:lvl3pPr marL="1219170" indent="0" algn="ctr">
+              <a:buNone/>
               <a:defRPr sz="2400"/>
-            </a:lvl1pPr>
-            <a:lvl2pPr marL="457200" indent="0" algn="ctr">
-              <a:buNone/>
-              <a:defRPr sz="2000"/>
-            </a:lvl2pPr>
-            <a:lvl3pPr marL="914400" indent="0" algn="ctr">
-              <a:buNone/>
-              <a:defRPr sz="1800"/>
             </a:lvl3pPr>
-            <a:lvl4pPr marL="1371600" indent="0" algn="ctr">
-              <a:buNone/>
-              <a:defRPr sz="1600"/>
+            <a:lvl4pPr marL="1828754" indent="0" algn="ctr">
+              <a:buNone/>
+              <a:defRPr sz="2133"/>
             </a:lvl4pPr>
-            <a:lvl5pPr marL="1828800" indent="0" algn="ctr">
-              <a:buNone/>
-              <a:defRPr sz="1600"/>
+            <a:lvl5pPr marL="2438339" indent="0" algn="ctr">
+              <a:buNone/>
+              <a:defRPr sz="2133"/>
             </a:lvl5pPr>
-            <a:lvl6pPr marL="2286000" indent="0" algn="ctr">
-              <a:buNone/>
-              <a:defRPr sz="1600"/>
+            <a:lvl6pPr marL="3047924" indent="0" algn="ctr">
+              <a:buNone/>
+              <a:defRPr sz="2133"/>
             </a:lvl6pPr>
-            <a:lvl7pPr marL="2743200" indent="0" algn="ctr">
-              <a:buNone/>
-              <a:defRPr sz="1600"/>
+            <a:lvl7pPr marL="3657509" indent="0" algn="ctr">
+              <a:buNone/>
+              <a:defRPr sz="2133"/>
             </a:lvl7pPr>
-            <a:lvl8pPr marL="3200400" indent="0" algn="ctr">
-              <a:buNone/>
-              <a:defRPr sz="1600"/>
+            <a:lvl8pPr marL="4267093" indent="0" algn="ctr">
+              <a:buNone/>
+              <a:defRPr sz="2133"/>
             </a:lvl8pPr>
-            <a:lvl9pPr marL="3657600" indent="0" algn="ctr">
-              <a:buNone/>
-              <a:defRPr sz="1600"/>
+            <a:lvl9pPr marL="4876678" indent="0" algn="ctr">
+              <a:buNone/>
+              <a:defRPr sz="2133"/>
             </a:lvl9pPr>
           </a:lstStyle>
           <a:p>
@@ -1074,18 +1044,13 @@
               <a:rPr lang="en-US"/>
               <a:t>Click to edit Master subtitle style</a:t>
             </a:r>
-          </a:p>
-        </p:txBody>
-      </p:sp>
-      <p:sp>
-        <p:nvSpPr>
-          <p:cNvPr id="4" name="Date Placeholder 3">
-            <a:extLst>
-              <a:ext uri="{FF2B5EF4-FFF2-40B4-BE49-F238E27FC236}">
-                <a16:creationId xmlns:a16="http://schemas.microsoft.com/office/drawing/2014/main" id="{6D5282A9-A9AB-7860-12C0-DE3A5B1D7CC5}"/>
-              </a:ext>
-            </a:extLst>
-          </p:cNvPr>
+            <a:endParaRPr lang="en-US" dirty="0"/>
+          </a:p>
+        </p:txBody>
+      </p:sp>
+      <p:sp>
+        <p:nvSpPr>
+          <p:cNvPr id="4" name="Date Placeholder 3"/>
           <p:cNvSpPr>
             <a:spLocks noGrp="1"/>
           </p:cNvSpPr>
@@ -1100,7 +1065,7 @@
           <a:p>
             <a:fld id="{6FA08D01-D69F-4A5A-AB38-D270A191E98A}" type="datetimeFigureOut">
               <a:rPr lang="en-US" smtClean="0"/>
-              <a:t>6/23/2023</a:t>
+              <a:t>10/9/2023</a:t>
             </a:fld>
             <a:endParaRPr lang="en-US"/>
           </a:p>
@@ -1108,13 +1073,7 @@
       </p:sp>
       <p:sp>
         <p:nvSpPr>
-          <p:cNvPr id="5" name="Footer Placeholder 4">
-            <a:extLst>
-              <a:ext uri="{FF2B5EF4-FFF2-40B4-BE49-F238E27FC236}">
-                <a16:creationId xmlns:a16="http://schemas.microsoft.com/office/drawing/2014/main" id="{AABDFCE6-95A5-D817-834D-DC1A8A02E9DF}"/>
-              </a:ext>
-            </a:extLst>
-          </p:cNvPr>
+          <p:cNvPr id="5" name="Footer Placeholder 4"/>
           <p:cNvSpPr>
             <a:spLocks noGrp="1"/>
           </p:cNvSpPr>
@@ -1133,13 +1092,7 @@
       </p:sp>
       <p:sp>
         <p:nvSpPr>
-          <p:cNvPr id="6" name="Slide Number Placeholder 5">
-            <a:extLst>
-              <a:ext uri="{FF2B5EF4-FFF2-40B4-BE49-F238E27FC236}">
-                <a16:creationId xmlns:a16="http://schemas.microsoft.com/office/drawing/2014/main" id="{B529940C-9F46-24E1-7EF0-643A8E87BA1C}"/>
-              </a:ext>
-            </a:extLst>
-          </p:cNvPr>
+          <p:cNvPr id="6" name="Slide Number Placeholder 5"/>
           <p:cNvSpPr>
             <a:spLocks noGrp="1"/>
           </p:cNvSpPr>
@@ -1163,7 +1116,7 @@
     </p:spTree>
     <p:extLst>
       <p:ext uri="{BB962C8B-B14F-4D97-AF65-F5344CB8AC3E}">
-        <p14:creationId xmlns:p14="http://schemas.microsoft.com/office/powerpoint/2010/main" val="1141738307"/>
+        <p14:creationId xmlns:p14="http://schemas.microsoft.com/office/powerpoint/2010/main" val="2909587618"/>
       </p:ext>
     </p:extLst>
   </p:cSld>
@@ -1192,13 +1145,7 @@
       </p:grpSpPr>
       <p:sp>
         <p:nvSpPr>
-          <p:cNvPr id="2" name="Title 1">
-            <a:extLst>
-              <a:ext uri="{FF2B5EF4-FFF2-40B4-BE49-F238E27FC236}">
-                <a16:creationId xmlns:a16="http://schemas.microsoft.com/office/drawing/2014/main" id="{6A69275E-03F1-756D-81FC-3C0E1059B036}"/>
-              </a:ext>
-            </a:extLst>
-          </p:cNvPr>
+          <p:cNvPr id="2" name="Title 1"/>
           <p:cNvSpPr>
             <a:spLocks noGrp="1"/>
           </p:cNvSpPr>
@@ -1215,18 +1162,13 @@
               <a:rPr lang="en-US"/>
               <a:t>Click to edit Master title style</a:t>
             </a:r>
-          </a:p>
-        </p:txBody>
-      </p:sp>
-      <p:sp>
-        <p:nvSpPr>
-          <p:cNvPr id="3" name="Vertical Text Placeholder 2">
-            <a:extLst>
-              <a:ext uri="{FF2B5EF4-FFF2-40B4-BE49-F238E27FC236}">
-                <a16:creationId xmlns:a16="http://schemas.microsoft.com/office/drawing/2014/main" id="{F3B49C76-5E28-3AE1-03FF-7BCEB2DE5F2A}"/>
-              </a:ext>
-            </a:extLst>
-          </p:cNvPr>
+            <a:endParaRPr lang="en-US" dirty="0"/>
+          </a:p>
+        </p:txBody>
+      </p:sp>
+      <p:sp>
+        <p:nvSpPr>
+          <p:cNvPr id="3" name="Vertical Text Placeholder 2"/>
           <p:cNvSpPr>
             <a:spLocks noGrp="1"/>
           </p:cNvSpPr>
@@ -1272,18 +1214,13 @@
               <a:rPr lang="en-US"/>
               <a:t>Fifth level</a:t>
             </a:r>
-          </a:p>
-        </p:txBody>
-      </p:sp>
-      <p:sp>
-        <p:nvSpPr>
-          <p:cNvPr id="4" name="Date Placeholder 3">
-            <a:extLst>
-              <a:ext uri="{FF2B5EF4-FFF2-40B4-BE49-F238E27FC236}">
-                <a16:creationId xmlns:a16="http://schemas.microsoft.com/office/drawing/2014/main" id="{4D3E395C-602F-8FBD-C588-3026F4213CE4}"/>
-              </a:ext>
-            </a:extLst>
-          </p:cNvPr>
+            <a:endParaRPr lang="en-US" dirty="0"/>
+          </a:p>
+        </p:txBody>
+      </p:sp>
+      <p:sp>
+        <p:nvSpPr>
+          <p:cNvPr id="4" name="Date Placeholder 3"/>
           <p:cNvSpPr>
             <a:spLocks noGrp="1"/>
           </p:cNvSpPr>
@@ -1298,7 +1235,7 @@
           <a:p>
             <a:fld id="{6FA08D01-D69F-4A5A-AB38-D270A191E98A}" type="datetimeFigureOut">
               <a:rPr lang="en-US" smtClean="0"/>
-              <a:t>6/23/2023</a:t>
+              <a:t>10/9/2023</a:t>
             </a:fld>
             <a:endParaRPr lang="en-US"/>
           </a:p>
@@ -1306,13 +1243,7 @@
       </p:sp>
       <p:sp>
         <p:nvSpPr>
-          <p:cNvPr id="5" name="Footer Placeholder 4">
-            <a:extLst>
-              <a:ext uri="{FF2B5EF4-FFF2-40B4-BE49-F238E27FC236}">
-                <a16:creationId xmlns:a16="http://schemas.microsoft.com/office/drawing/2014/main" id="{30789265-3E12-3305-68D7-8471980446CB}"/>
-              </a:ext>
-            </a:extLst>
-          </p:cNvPr>
+          <p:cNvPr id="5" name="Footer Placeholder 4"/>
           <p:cNvSpPr>
             <a:spLocks noGrp="1"/>
           </p:cNvSpPr>
@@ -1331,13 +1262,7 @@
       </p:sp>
       <p:sp>
         <p:nvSpPr>
-          <p:cNvPr id="6" name="Slide Number Placeholder 5">
-            <a:extLst>
-              <a:ext uri="{FF2B5EF4-FFF2-40B4-BE49-F238E27FC236}">
-                <a16:creationId xmlns:a16="http://schemas.microsoft.com/office/drawing/2014/main" id="{47558C8C-60CF-7C0A-4942-A2BEA4CA3653}"/>
-              </a:ext>
-            </a:extLst>
-          </p:cNvPr>
+          <p:cNvPr id="6" name="Slide Number Placeholder 5"/>
           <p:cNvSpPr>
             <a:spLocks noGrp="1"/>
           </p:cNvSpPr>
@@ -1361,7 +1286,7 @@
     </p:spTree>
     <p:extLst>
       <p:ext uri="{BB962C8B-B14F-4D97-AF65-F5344CB8AC3E}">
-        <p14:creationId xmlns:p14="http://schemas.microsoft.com/office/powerpoint/2010/main" val="1678594193"/>
+        <p14:creationId xmlns:p14="http://schemas.microsoft.com/office/powerpoint/2010/main" val="4186371367"/>
       </p:ext>
     </p:extLst>
   </p:cSld>
@@ -1390,13 +1315,7 @@
       </p:grpSpPr>
       <p:sp>
         <p:nvSpPr>
-          <p:cNvPr id="2" name="Vertical Title 1">
-            <a:extLst>
-              <a:ext uri="{FF2B5EF4-FFF2-40B4-BE49-F238E27FC236}">
-                <a16:creationId xmlns:a16="http://schemas.microsoft.com/office/drawing/2014/main" id="{A150283B-2883-C58F-15D8-E25963DB6289}"/>
-              </a:ext>
-            </a:extLst>
-          </p:cNvPr>
+          <p:cNvPr id="2" name="Vertical Title 1"/>
           <p:cNvSpPr>
             <a:spLocks noGrp="1"/>
           </p:cNvSpPr>
@@ -1406,8 +1325,8 @@
         </p:nvSpPr>
         <p:spPr>
           <a:xfrm>
-            <a:off x="8724900" y="365125"/>
-            <a:ext cx="2628900" cy="5811838"/>
+            <a:off x="8724901" y="486834"/>
+            <a:ext cx="2628900" cy="7749117"/>
           </a:xfrm>
         </p:spPr>
         <p:txBody>
@@ -1418,18 +1337,13 @@
               <a:rPr lang="en-US"/>
               <a:t>Click to edit Master title style</a:t>
             </a:r>
-          </a:p>
-        </p:txBody>
-      </p:sp>
-      <p:sp>
-        <p:nvSpPr>
-          <p:cNvPr id="3" name="Vertical Text Placeholder 2">
-            <a:extLst>
-              <a:ext uri="{FF2B5EF4-FFF2-40B4-BE49-F238E27FC236}">
-                <a16:creationId xmlns:a16="http://schemas.microsoft.com/office/drawing/2014/main" id="{F5456BE4-9540-66A8-5609-0D2D5B65E0D4}"/>
-              </a:ext>
-            </a:extLst>
-          </p:cNvPr>
+            <a:endParaRPr lang="en-US" dirty="0"/>
+          </a:p>
+        </p:txBody>
+      </p:sp>
+      <p:sp>
+        <p:nvSpPr>
+          <p:cNvPr id="3" name="Vertical Text Placeholder 2"/>
           <p:cNvSpPr>
             <a:spLocks noGrp="1"/>
           </p:cNvSpPr>
@@ -1439,8 +1353,8 @@
         </p:nvSpPr>
         <p:spPr>
           <a:xfrm>
-            <a:off x="838200" y="365125"/>
-            <a:ext cx="7734300" cy="5811838"/>
+            <a:off x="838201" y="486834"/>
+            <a:ext cx="7734300" cy="7749117"/>
           </a:xfrm>
         </p:spPr>
         <p:txBody>
@@ -1480,18 +1394,13 @@
               <a:rPr lang="en-US"/>
               <a:t>Fifth level</a:t>
             </a:r>
-          </a:p>
-        </p:txBody>
-      </p:sp>
-      <p:sp>
-        <p:nvSpPr>
-          <p:cNvPr id="4" name="Date Placeholder 3">
-            <a:extLst>
-              <a:ext uri="{FF2B5EF4-FFF2-40B4-BE49-F238E27FC236}">
-                <a16:creationId xmlns:a16="http://schemas.microsoft.com/office/drawing/2014/main" id="{9211EF3E-A63A-72BC-167A-B709DB724B13}"/>
-              </a:ext>
-            </a:extLst>
-          </p:cNvPr>
+            <a:endParaRPr lang="en-US" dirty="0"/>
+          </a:p>
+        </p:txBody>
+      </p:sp>
+      <p:sp>
+        <p:nvSpPr>
+          <p:cNvPr id="4" name="Date Placeholder 3"/>
           <p:cNvSpPr>
             <a:spLocks noGrp="1"/>
           </p:cNvSpPr>
@@ -1506,7 +1415,7 @@
           <a:p>
             <a:fld id="{6FA08D01-D69F-4A5A-AB38-D270A191E98A}" type="datetimeFigureOut">
               <a:rPr lang="en-US" smtClean="0"/>
-              <a:t>6/23/2023</a:t>
+              <a:t>10/9/2023</a:t>
             </a:fld>
             <a:endParaRPr lang="en-US"/>
           </a:p>
@@ -1514,13 +1423,7 @@
       </p:sp>
       <p:sp>
         <p:nvSpPr>
-          <p:cNvPr id="5" name="Footer Placeholder 4">
-            <a:extLst>
-              <a:ext uri="{FF2B5EF4-FFF2-40B4-BE49-F238E27FC236}">
-                <a16:creationId xmlns:a16="http://schemas.microsoft.com/office/drawing/2014/main" id="{F4ED4716-6C82-D3F5-005C-FFF5C3147E17}"/>
-              </a:ext>
-            </a:extLst>
-          </p:cNvPr>
+          <p:cNvPr id="5" name="Footer Placeholder 4"/>
           <p:cNvSpPr>
             <a:spLocks noGrp="1"/>
           </p:cNvSpPr>
@@ -1539,13 +1442,7 @@
       </p:sp>
       <p:sp>
         <p:nvSpPr>
-          <p:cNvPr id="6" name="Slide Number Placeholder 5">
-            <a:extLst>
-              <a:ext uri="{FF2B5EF4-FFF2-40B4-BE49-F238E27FC236}">
-                <a16:creationId xmlns:a16="http://schemas.microsoft.com/office/drawing/2014/main" id="{4C7BD00E-951C-32DA-915F-42FFC3C70D5A}"/>
-              </a:ext>
-            </a:extLst>
-          </p:cNvPr>
+          <p:cNvPr id="6" name="Slide Number Placeholder 5"/>
           <p:cNvSpPr>
             <a:spLocks noGrp="1"/>
           </p:cNvSpPr>
@@ -1569,7 +1466,7 @@
     </p:spTree>
     <p:extLst>
       <p:ext uri="{BB962C8B-B14F-4D97-AF65-F5344CB8AC3E}">
-        <p14:creationId xmlns:p14="http://schemas.microsoft.com/office/powerpoint/2010/main" val="2174778312"/>
+        <p14:creationId xmlns:p14="http://schemas.microsoft.com/office/powerpoint/2010/main" val="438497428"/>
       </p:ext>
     </p:extLst>
   </p:cSld>
@@ -1608,15 +1505,15 @@
         </p:nvSpPr>
         <p:spPr>
           <a:xfrm>
-            <a:off x="1524000" y="1122363"/>
-            <a:ext cx="9144000" cy="2387600"/>
+            <a:off x="914400" y="1496484"/>
+            <a:ext cx="10363200" cy="3183467"/>
           </a:xfrm>
         </p:spPr>
         <p:txBody>
           <a:bodyPr anchor="b"/>
           <a:lstStyle>
             <a:lvl1pPr algn="ctr">
-              <a:defRPr sz="6000"/>
+              <a:defRPr sz="8000"/>
             </a:lvl1pPr>
           </a:lstStyle>
           <a:p>
@@ -1640,8 +1537,8 @@
         </p:nvSpPr>
         <p:spPr>
           <a:xfrm>
-            <a:off x="1524000" y="3602038"/>
-            <a:ext cx="9144000" cy="1655762"/>
+            <a:off x="1524000" y="4802717"/>
+            <a:ext cx="9144000" cy="2207683"/>
           </a:xfrm>
         </p:spPr>
         <p:txBody>
@@ -1649,39 +1546,39 @@
           <a:lstStyle>
             <a:lvl1pPr marL="0" indent="0" algn="ctr">
               <a:buNone/>
+              <a:defRPr sz="3200"/>
+            </a:lvl1pPr>
+            <a:lvl2pPr marL="609585" indent="0" algn="ctr">
+              <a:buNone/>
+              <a:defRPr sz="2667"/>
+            </a:lvl2pPr>
+            <a:lvl3pPr marL="1219170" indent="0" algn="ctr">
+              <a:buNone/>
               <a:defRPr sz="2400"/>
-            </a:lvl1pPr>
-            <a:lvl2pPr marL="457200" indent="0" algn="ctr">
-              <a:buNone/>
-              <a:defRPr sz="2000"/>
-            </a:lvl2pPr>
-            <a:lvl3pPr marL="914400" indent="0" algn="ctr">
-              <a:buNone/>
-              <a:defRPr sz="1800"/>
             </a:lvl3pPr>
-            <a:lvl4pPr marL="1371600" indent="0" algn="ctr">
-              <a:buNone/>
-              <a:defRPr sz="1600"/>
+            <a:lvl4pPr marL="1828754" indent="0" algn="ctr">
+              <a:buNone/>
+              <a:defRPr sz="2133"/>
             </a:lvl4pPr>
-            <a:lvl5pPr marL="1828800" indent="0" algn="ctr">
-              <a:buNone/>
-              <a:defRPr sz="1600"/>
+            <a:lvl5pPr marL="2438339" indent="0" algn="ctr">
+              <a:buNone/>
+              <a:defRPr sz="2133"/>
             </a:lvl5pPr>
-            <a:lvl6pPr marL="2286000" indent="0" algn="ctr">
-              <a:buNone/>
-              <a:defRPr sz="1600"/>
+            <a:lvl6pPr marL="3047924" indent="0" algn="ctr">
+              <a:buNone/>
+              <a:defRPr sz="2133"/>
             </a:lvl6pPr>
-            <a:lvl7pPr marL="2743200" indent="0" algn="ctr">
-              <a:buNone/>
-              <a:defRPr sz="1600"/>
+            <a:lvl7pPr marL="3657509" indent="0" algn="ctr">
+              <a:buNone/>
+              <a:defRPr sz="2133"/>
             </a:lvl7pPr>
-            <a:lvl8pPr marL="3200400" indent="0" algn="ctr">
-              <a:buNone/>
-              <a:defRPr sz="1600"/>
+            <a:lvl8pPr marL="4267093" indent="0" algn="ctr">
+              <a:buNone/>
+              <a:defRPr sz="2133"/>
             </a:lvl8pPr>
-            <a:lvl9pPr marL="3657600" indent="0" algn="ctr">
-              <a:buNone/>
-              <a:defRPr sz="1600"/>
+            <a:lvl9pPr marL="4876678" indent="0" algn="ctr">
+              <a:buNone/>
+              <a:defRPr sz="2133"/>
             </a:lvl9pPr>
           </a:lstStyle>
           <a:p>
@@ -1710,7 +1607,7 @@
           <a:p>
             <a:fld id="{A8B27BE4-E27A-41D6-9DF3-963E3EE331C4}" type="datetimeFigureOut">
               <a:rPr lang="en-US" smtClean="0"/>
-              <a:t>6/23/2023</a:t>
+              <a:t>10/9/2023</a:t>
             </a:fld>
             <a:endParaRPr lang="en-US"/>
           </a:p>
@@ -1761,7 +1658,7 @@
     </p:spTree>
     <p:extLst>
       <p:ext uri="{BB962C8B-B14F-4D97-AF65-F5344CB8AC3E}">
-        <p14:creationId xmlns:p14="http://schemas.microsoft.com/office/powerpoint/2010/main" val="1079141478"/>
+        <p14:creationId xmlns:p14="http://schemas.microsoft.com/office/powerpoint/2010/main" val="3906596191"/>
       </p:ext>
     </p:extLst>
   </p:cSld>
@@ -1880,7 +1777,7 @@
           <a:p>
             <a:fld id="{A8B27BE4-E27A-41D6-9DF3-963E3EE331C4}" type="datetimeFigureOut">
               <a:rPr lang="en-US" smtClean="0"/>
-              <a:t>6/23/2023</a:t>
+              <a:t>10/9/2023</a:t>
             </a:fld>
             <a:endParaRPr lang="en-US"/>
           </a:p>
@@ -1931,7 +1828,7 @@
     </p:spTree>
     <p:extLst>
       <p:ext uri="{BB962C8B-B14F-4D97-AF65-F5344CB8AC3E}">
-        <p14:creationId xmlns:p14="http://schemas.microsoft.com/office/powerpoint/2010/main" val="1344265571"/>
+        <p14:creationId xmlns:p14="http://schemas.microsoft.com/office/powerpoint/2010/main" val="1512684817"/>
       </p:ext>
     </p:extLst>
   </p:cSld>
@@ -1970,15 +1867,15 @@
         </p:nvSpPr>
         <p:spPr>
           <a:xfrm>
-            <a:off x="831850" y="1709741"/>
-            <a:ext cx="10515600" cy="2852737"/>
+            <a:off x="831851" y="2279653"/>
+            <a:ext cx="10515600" cy="3803649"/>
           </a:xfrm>
         </p:spPr>
         <p:txBody>
           <a:bodyPr anchor="b"/>
           <a:lstStyle>
             <a:lvl1pPr>
-              <a:defRPr sz="6000"/>
+              <a:defRPr sz="8000"/>
             </a:lvl1pPr>
           </a:lstStyle>
           <a:p>
@@ -2002,14 +1899,32 @@
         </p:nvSpPr>
         <p:spPr>
           <a:xfrm>
-            <a:off x="831850" y="4589466"/>
-            <a:ext cx="10515600" cy="1500187"/>
+            <a:off x="831851" y="6119286"/>
+            <a:ext cx="10515600" cy="2000249"/>
           </a:xfrm>
         </p:spPr>
         <p:txBody>
           <a:bodyPr/>
           <a:lstStyle>
             <a:lvl1pPr marL="0" indent="0">
+              <a:buNone/>
+              <a:defRPr sz="3200">
+                <a:solidFill>
+                  <a:schemeClr val="tx1"/>
+                </a:solidFill>
+              </a:defRPr>
+            </a:lvl1pPr>
+            <a:lvl2pPr marL="609585" indent="0">
+              <a:buNone/>
+              <a:defRPr sz="2667">
+                <a:solidFill>
+                  <a:schemeClr val="tx1">
+                    <a:tint val="75000"/>
+                  </a:schemeClr>
+                </a:solidFill>
+              </a:defRPr>
+            </a:lvl2pPr>
+            <a:lvl3pPr marL="1219170" indent="0">
               <a:buNone/>
               <a:defRPr sz="2400">
                 <a:solidFill>
@@ -2018,30 +1933,10 @@
                   </a:schemeClr>
                 </a:solidFill>
               </a:defRPr>
-            </a:lvl1pPr>
-            <a:lvl2pPr marL="457200" indent="0">
-              <a:buNone/>
-              <a:defRPr sz="2000">
-                <a:solidFill>
-                  <a:schemeClr val="tx1">
-                    <a:tint val="75000"/>
-                  </a:schemeClr>
-                </a:solidFill>
-              </a:defRPr>
-            </a:lvl2pPr>
-            <a:lvl3pPr marL="914400" indent="0">
-              <a:buNone/>
-              <a:defRPr sz="1800">
-                <a:solidFill>
-                  <a:schemeClr val="tx1">
-                    <a:tint val="75000"/>
-                  </a:schemeClr>
-                </a:solidFill>
-              </a:defRPr>
             </a:lvl3pPr>
-            <a:lvl4pPr marL="1371600" indent="0">
-              <a:buNone/>
-              <a:defRPr sz="1600">
+            <a:lvl4pPr marL="1828754" indent="0">
+              <a:buNone/>
+              <a:defRPr sz="2133">
                 <a:solidFill>
                   <a:schemeClr val="tx1">
                     <a:tint val="75000"/>
@@ -2049,9 +1944,9 @@
                 </a:solidFill>
               </a:defRPr>
             </a:lvl4pPr>
-            <a:lvl5pPr marL="1828800" indent="0">
-              <a:buNone/>
-              <a:defRPr sz="1600">
+            <a:lvl5pPr marL="2438339" indent="0">
+              <a:buNone/>
+              <a:defRPr sz="2133">
                 <a:solidFill>
                   <a:schemeClr val="tx1">
                     <a:tint val="75000"/>
@@ -2059,9 +1954,9 @@
                 </a:solidFill>
               </a:defRPr>
             </a:lvl5pPr>
-            <a:lvl6pPr marL="2286000" indent="0">
-              <a:buNone/>
-              <a:defRPr sz="1600">
+            <a:lvl6pPr marL="3047924" indent="0">
+              <a:buNone/>
+              <a:defRPr sz="2133">
                 <a:solidFill>
                   <a:schemeClr val="tx1">
                     <a:tint val="75000"/>
@@ -2069,9 +1964,9 @@
                 </a:solidFill>
               </a:defRPr>
             </a:lvl6pPr>
-            <a:lvl7pPr marL="2743200" indent="0">
-              <a:buNone/>
-              <a:defRPr sz="1600">
+            <a:lvl7pPr marL="3657509" indent="0">
+              <a:buNone/>
+              <a:defRPr sz="2133">
                 <a:solidFill>
                   <a:schemeClr val="tx1">
                     <a:tint val="75000"/>
@@ -2079,9 +1974,9 @@
                 </a:solidFill>
               </a:defRPr>
             </a:lvl7pPr>
-            <a:lvl8pPr marL="3200400" indent="0">
-              <a:buNone/>
-              <a:defRPr sz="1600">
+            <a:lvl8pPr marL="4267093" indent="0">
+              <a:buNone/>
+              <a:defRPr sz="2133">
                 <a:solidFill>
                   <a:schemeClr val="tx1">
                     <a:tint val="75000"/>
@@ -2089,9 +1984,9 @@
                 </a:solidFill>
               </a:defRPr>
             </a:lvl8pPr>
-            <a:lvl9pPr marL="3657600" indent="0">
-              <a:buNone/>
-              <a:defRPr sz="1600">
+            <a:lvl9pPr marL="4876678" indent="0">
+              <a:buNone/>
+              <a:defRPr sz="2133">
                 <a:solidFill>
                   <a:schemeClr val="tx1">
                     <a:tint val="75000"/>
@@ -2126,7 +2021,7 @@
           <a:p>
             <a:fld id="{A8B27BE4-E27A-41D6-9DF3-963E3EE331C4}" type="datetimeFigureOut">
               <a:rPr lang="en-US" smtClean="0"/>
-              <a:t>6/23/2023</a:t>
+              <a:t>10/9/2023</a:t>
             </a:fld>
             <a:endParaRPr lang="en-US"/>
           </a:p>
@@ -2177,7 +2072,7 @@
     </p:spTree>
     <p:extLst>
       <p:ext uri="{BB962C8B-B14F-4D97-AF65-F5344CB8AC3E}">
-        <p14:creationId xmlns:p14="http://schemas.microsoft.com/office/powerpoint/2010/main" val="1846665164"/>
+        <p14:creationId xmlns:p14="http://schemas.microsoft.com/office/powerpoint/2010/main" val="821370139"/>
       </p:ext>
     </p:extLst>
   </p:cSld>
@@ -2239,8 +2134,8 @@
         </p:nvSpPr>
         <p:spPr>
           <a:xfrm>
-            <a:off x="838200" y="1825625"/>
-            <a:ext cx="5181600" cy="4351338"/>
+            <a:off x="838200" y="2434167"/>
+            <a:ext cx="5181600" cy="5801784"/>
           </a:xfrm>
         </p:spPr>
         <p:txBody>
@@ -2296,8 +2191,8 @@
         </p:nvSpPr>
         <p:spPr>
           <a:xfrm>
-            <a:off x="6172200" y="1825625"/>
-            <a:ext cx="5181600" cy="4351338"/>
+            <a:off x="6172200" y="2434167"/>
+            <a:ext cx="5181600" cy="5801784"/>
           </a:xfrm>
         </p:spPr>
         <p:txBody>
@@ -2358,7 +2253,7 @@
           <a:p>
             <a:fld id="{A8B27BE4-E27A-41D6-9DF3-963E3EE331C4}" type="datetimeFigureOut">
               <a:rPr lang="en-US" smtClean="0"/>
-              <a:t>6/23/2023</a:t>
+              <a:t>10/9/2023</a:t>
             </a:fld>
             <a:endParaRPr lang="en-US"/>
           </a:p>
@@ -2409,7 +2304,7 @@
     </p:spTree>
     <p:extLst>
       <p:ext uri="{BB962C8B-B14F-4D97-AF65-F5344CB8AC3E}">
-        <p14:creationId xmlns:p14="http://schemas.microsoft.com/office/powerpoint/2010/main" val="3296775383"/>
+        <p14:creationId xmlns:p14="http://schemas.microsoft.com/office/powerpoint/2010/main" val="1184467766"/>
       </p:ext>
     </p:extLst>
   </p:cSld>
@@ -2448,8 +2343,8 @@
         </p:nvSpPr>
         <p:spPr>
           <a:xfrm>
-            <a:off x="839788" y="365128"/>
-            <a:ext cx="10515600" cy="1325563"/>
+            <a:off x="839788" y="486836"/>
+            <a:ext cx="10515600" cy="1767417"/>
           </a:xfrm>
         </p:spPr>
         <p:txBody>
@@ -2476,8 +2371,8 @@
         </p:nvSpPr>
         <p:spPr>
           <a:xfrm>
-            <a:off x="839789" y="1681163"/>
-            <a:ext cx="5157787" cy="823912"/>
+            <a:off x="839789" y="2241551"/>
+            <a:ext cx="5157787" cy="1098549"/>
           </a:xfrm>
         </p:spPr>
         <p:txBody>
@@ -2485,39 +2380,39 @@
           <a:lstStyle>
             <a:lvl1pPr marL="0" indent="0">
               <a:buNone/>
+              <a:defRPr sz="3200" b="1"/>
+            </a:lvl1pPr>
+            <a:lvl2pPr marL="609585" indent="0">
+              <a:buNone/>
+              <a:defRPr sz="2667" b="1"/>
+            </a:lvl2pPr>
+            <a:lvl3pPr marL="1219170" indent="0">
+              <a:buNone/>
               <a:defRPr sz="2400" b="1"/>
-            </a:lvl1pPr>
-            <a:lvl2pPr marL="457200" indent="0">
-              <a:buNone/>
-              <a:defRPr sz="2000" b="1"/>
-            </a:lvl2pPr>
-            <a:lvl3pPr marL="914400" indent="0">
-              <a:buNone/>
-              <a:defRPr sz="1800" b="1"/>
             </a:lvl3pPr>
-            <a:lvl4pPr marL="1371600" indent="0">
-              <a:buNone/>
-              <a:defRPr sz="1600" b="1"/>
+            <a:lvl4pPr marL="1828754" indent="0">
+              <a:buNone/>
+              <a:defRPr sz="2133" b="1"/>
             </a:lvl4pPr>
-            <a:lvl5pPr marL="1828800" indent="0">
-              <a:buNone/>
-              <a:defRPr sz="1600" b="1"/>
+            <a:lvl5pPr marL="2438339" indent="0">
+              <a:buNone/>
+              <a:defRPr sz="2133" b="1"/>
             </a:lvl5pPr>
-            <a:lvl6pPr marL="2286000" indent="0">
-              <a:buNone/>
-              <a:defRPr sz="1600" b="1"/>
+            <a:lvl6pPr marL="3047924" indent="0">
+              <a:buNone/>
+              <a:defRPr sz="2133" b="1"/>
             </a:lvl6pPr>
-            <a:lvl7pPr marL="2743200" indent="0">
-              <a:buNone/>
-              <a:defRPr sz="1600" b="1"/>
+            <a:lvl7pPr marL="3657509" indent="0">
+              <a:buNone/>
+              <a:defRPr sz="2133" b="1"/>
             </a:lvl7pPr>
-            <a:lvl8pPr marL="3200400" indent="0">
-              <a:buNone/>
-              <a:defRPr sz="1600" b="1"/>
+            <a:lvl8pPr marL="4267093" indent="0">
+              <a:buNone/>
+              <a:defRPr sz="2133" b="1"/>
             </a:lvl8pPr>
-            <a:lvl9pPr marL="3657600" indent="0">
-              <a:buNone/>
-              <a:defRPr sz="1600" b="1"/>
+            <a:lvl9pPr marL="4876678" indent="0">
+              <a:buNone/>
+              <a:defRPr sz="2133" b="1"/>
             </a:lvl9pPr>
           </a:lstStyle>
           <a:p>
@@ -2541,8 +2436,8 @@
         </p:nvSpPr>
         <p:spPr>
           <a:xfrm>
-            <a:off x="839789" y="2505075"/>
-            <a:ext cx="5157787" cy="3684588"/>
+            <a:off x="839789" y="3340100"/>
+            <a:ext cx="5157787" cy="4912784"/>
           </a:xfrm>
         </p:spPr>
         <p:txBody>
@@ -2598,8 +2493,8 @@
         </p:nvSpPr>
         <p:spPr>
           <a:xfrm>
-            <a:off x="6172202" y="1681163"/>
-            <a:ext cx="5183188" cy="823912"/>
+            <a:off x="6172201" y="2241551"/>
+            <a:ext cx="5183188" cy="1098549"/>
           </a:xfrm>
         </p:spPr>
         <p:txBody>
@@ -2607,39 +2502,39 @@
           <a:lstStyle>
             <a:lvl1pPr marL="0" indent="0">
               <a:buNone/>
+              <a:defRPr sz="3200" b="1"/>
+            </a:lvl1pPr>
+            <a:lvl2pPr marL="609585" indent="0">
+              <a:buNone/>
+              <a:defRPr sz="2667" b="1"/>
+            </a:lvl2pPr>
+            <a:lvl3pPr marL="1219170" indent="0">
+              <a:buNone/>
               <a:defRPr sz="2400" b="1"/>
-            </a:lvl1pPr>
-            <a:lvl2pPr marL="457200" indent="0">
-              <a:buNone/>
-              <a:defRPr sz="2000" b="1"/>
-            </a:lvl2pPr>
-            <a:lvl3pPr marL="914400" indent="0">
-              <a:buNone/>
-              <a:defRPr sz="1800" b="1"/>
             </a:lvl3pPr>
-            <a:lvl4pPr marL="1371600" indent="0">
-              <a:buNone/>
-              <a:defRPr sz="1600" b="1"/>
+            <a:lvl4pPr marL="1828754" indent="0">
+              <a:buNone/>
+              <a:defRPr sz="2133" b="1"/>
             </a:lvl4pPr>
-            <a:lvl5pPr marL="1828800" indent="0">
-              <a:buNone/>
-              <a:defRPr sz="1600" b="1"/>
+            <a:lvl5pPr marL="2438339" indent="0">
+              <a:buNone/>
+              <a:defRPr sz="2133" b="1"/>
             </a:lvl5pPr>
-            <a:lvl6pPr marL="2286000" indent="0">
-              <a:buNone/>
-              <a:defRPr sz="1600" b="1"/>
+            <a:lvl6pPr marL="3047924" indent="0">
+              <a:buNone/>
+              <a:defRPr sz="2133" b="1"/>
             </a:lvl6pPr>
-            <a:lvl7pPr marL="2743200" indent="0">
-              <a:buNone/>
-              <a:defRPr sz="1600" b="1"/>
+            <a:lvl7pPr marL="3657509" indent="0">
+              <a:buNone/>
+              <a:defRPr sz="2133" b="1"/>
             </a:lvl7pPr>
-            <a:lvl8pPr marL="3200400" indent="0">
-              <a:buNone/>
-              <a:defRPr sz="1600" b="1"/>
+            <a:lvl8pPr marL="4267093" indent="0">
+              <a:buNone/>
+              <a:defRPr sz="2133" b="1"/>
             </a:lvl8pPr>
-            <a:lvl9pPr marL="3657600" indent="0">
-              <a:buNone/>
-              <a:defRPr sz="1600" b="1"/>
+            <a:lvl9pPr marL="4876678" indent="0">
+              <a:buNone/>
+              <a:defRPr sz="2133" b="1"/>
             </a:lvl9pPr>
           </a:lstStyle>
           <a:p>
@@ -2663,8 +2558,8 @@
         </p:nvSpPr>
         <p:spPr>
           <a:xfrm>
-            <a:off x="6172202" y="2505075"/>
-            <a:ext cx="5183188" cy="3684588"/>
+            <a:off x="6172201" y="3340100"/>
+            <a:ext cx="5183188" cy="4912784"/>
           </a:xfrm>
         </p:spPr>
         <p:txBody>
@@ -2725,7 +2620,7 @@
           <a:p>
             <a:fld id="{A8B27BE4-E27A-41D6-9DF3-963E3EE331C4}" type="datetimeFigureOut">
               <a:rPr lang="en-US" smtClean="0"/>
-              <a:t>6/23/2023</a:t>
+              <a:t>10/9/2023</a:t>
             </a:fld>
             <a:endParaRPr lang="en-US"/>
           </a:p>
@@ -2776,7 +2671,7 @@
     </p:spTree>
     <p:extLst>
       <p:ext uri="{BB962C8B-B14F-4D97-AF65-F5344CB8AC3E}">
-        <p14:creationId xmlns:p14="http://schemas.microsoft.com/office/powerpoint/2010/main" val="1572795004"/>
+        <p14:creationId xmlns:p14="http://schemas.microsoft.com/office/powerpoint/2010/main" val="2853341150"/>
       </p:ext>
     </p:extLst>
   </p:cSld>
@@ -2843,7 +2738,7 @@
           <a:p>
             <a:fld id="{A8B27BE4-E27A-41D6-9DF3-963E3EE331C4}" type="datetimeFigureOut">
               <a:rPr lang="en-US" smtClean="0"/>
-              <a:t>6/23/2023</a:t>
+              <a:t>10/9/2023</a:t>
             </a:fld>
             <a:endParaRPr lang="en-US"/>
           </a:p>
@@ -2894,7 +2789,7 @@
     </p:spTree>
     <p:extLst>
       <p:ext uri="{BB962C8B-B14F-4D97-AF65-F5344CB8AC3E}">
-        <p14:creationId xmlns:p14="http://schemas.microsoft.com/office/powerpoint/2010/main" val="613221941"/>
+        <p14:creationId xmlns:p14="http://schemas.microsoft.com/office/powerpoint/2010/main" val="3703437780"/>
       </p:ext>
     </p:extLst>
   </p:cSld>
@@ -2938,7 +2833,7 @@
           <a:p>
             <a:fld id="{A8B27BE4-E27A-41D6-9DF3-963E3EE331C4}" type="datetimeFigureOut">
               <a:rPr lang="en-US" smtClean="0"/>
-              <a:t>6/23/2023</a:t>
+              <a:t>10/9/2023</a:t>
             </a:fld>
             <a:endParaRPr lang="en-US"/>
           </a:p>
@@ -2989,7 +2884,7 @@
     </p:spTree>
     <p:extLst>
       <p:ext uri="{BB962C8B-B14F-4D97-AF65-F5344CB8AC3E}">
-        <p14:creationId xmlns:p14="http://schemas.microsoft.com/office/powerpoint/2010/main" val="1054612744"/>
+        <p14:creationId xmlns:p14="http://schemas.microsoft.com/office/powerpoint/2010/main" val="2164796241"/>
       </p:ext>
     </p:extLst>
   </p:cSld>
@@ -3028,15 +2923,15 @@
         </p:nvSpPr>
         <p:spPr>
           <a:xfrm>
-            <a:off x="839791" y="457200"/>
-            <a:ext cx="3932237" cy="1600200"/>
+            <a:off x="839788" y="609600"/>
+            <a:ext cx="3932237" cy="2133600"/>
           </a:xfrm>
         </p:spPr>
         <p:txBody>
           <a:bodyPr anchor="b"/>
           <a:lstStyle>
             <a:lvl1pPr>
-              <a:defRPr sz="3200"/>
+              <a:defRPr sz="4267"/>
             </a:lvl1pPr>
           </a:lstStyle>
           <a:p>
@@ -3060,39 +2955,39 @@
         </p:nvSpPr>
         <p:spPr>
           <a:xfrm>
-            <a:off x="5183190" y="987428"/>
-            <a:ext cx="6172200" cy="4873625"/>
+            <a:off x="5183188" y="1316569"/>
+            <a:ext cx="6172200" cy="6498167"/>
           </a:xfrm>
         </p:spPr>
         <p:txBody>
           <a:bodyPr/>
           <a:lstStyle>
             <a:lvl1pPr>
-              <a:defRPr sz="3200"/>
+              <a:defRPr sz="4267"/>
             </a:lvl1pPr>
             <a:lvl2pPr>
-              <a:defRPr sz="2800"/>
+              <a:defRPr sz="3733"/>
             </a:lvl2pPr>
             <a:lvl3pPr>
-              <a:defRPr sz="2400"/>
+              <a:defRPr sz="3200"/>
             </a:lvl3pPr>
             <a:lvl4pPr>
-              <a:defRPr sz="2000"/>
+              <a:defRPr sz="2667"/>
             </a:lvl4pPr>
             <a:lvl5pPr>
-              <a:defRPr sz="2000"/>
+              <a:defRPr sz="2667"/>
             </a:lvl5pPr>
             <a:lvl6pPr>
-              <a:defRPr sz="2000"/>
+              <a:defRPr sz="2667"/>
             </a:lvl6pPr>
             <a:lvl7pPr>
-              <a:defRPr sz="2000"/>
+              <a:defRPr sz="2667"/>
             </a:lvl7pPr>
             <a:lvl8pPr>
-              <a:defRPr sz="2000"/>
+              <a:defRPr sz="2667"/>
             </a:lvl8pPr>
             <a:lvl9pPr>
-              <a:defRPr sz="2000"/>
+              <a:defRPr sz="2667"/>
             </a:lvl9pPr>
           </a:lstStyle>
           <a:p>
@@ -3145,8 +3040,8 @@
         </p:nvSpPr>
         <p:spPr>
           <a:xfrm>
-            <a:off x="839791" y="2057400"/>
-            <a:ext cx="3932237" cy="3811588"/>
+            <a:off x="839788" y="2743200"/>
+            <a:ext cx="3932237" cy="5082117"/>
           </a:xfrm>
         </p:spPr>
         <p:txBody>
@@ -3154,39 +3049,39 @@
           <a:lstStyle>
             <a:lvl1pPr marL="0" indent="0">
               <a:buNone/>
+              <a:defRPr sz="2133"/>
+            </a:lvl1pPr>
+            <a:lvl2pPr marL="609585" indent="0">
+              <a:buNone/>
+              <a:defRPr sz="1867"/>
+            </a:lvl2pPr>
+            <a:lvl3pPr marL="1219170" indent="0">
+              <a:buNone/>
               <a:defRPr sz="1600"/>
-            </a:lvl1pPr>
-            <a:lvl2pPr marL="457200" indent="0">
-              <a:buNone/>
-              <a:defRPr sz="1400"/>
-            </a:lvl2pPr>
-            <a:lvl3pPr marL="914400" indent="0">
-              <a:buNone/>
-              <a:defRPr sz="1200"/>
             </a:lvl3pPr>
-            <a:lvl4pPr marL="1371600" indent="0">
-              <a:buNone/>
-              <a:defRPr sz="1000"/>
+            <a:lvl4pPr marL="1828754" indent="0">
+              <a:buNone/>
+              <a:defRPr sz="1333"/>
             </a:lvl4pPr>
-            <a:lvl5pPr marL="1828800" indent="0">
-              <a:buNone/>
-              <a:defRPr sz="1000"/>
+            <a:lvl5pPr marL="2438339" indent="0">
+              <a:buNone/>
+              <a:defRPr sz="1333"/>
             </a:lvl5pPr>
-            <a:lvl6pPr marL="2286000" indent="0">
-              <a:buNone/>
-              <a:defRPr sz="1000"/>
+            <a:lvl6pPr marL="3047924" indent="0">
+              <a:buNone/>
+              <a:defRPr sz="1333"/>
             </a:lvl6pPr>
-            <a:lvl7pPr marL="2743200" indent="0">
-              <a:buNone/>
-              <a:defRPr sz="1000"/>
+            <a:lvl7pPr marL="3657509" indent="0">
+              <a:buNone/>
+              <a:defRPr sz="1333"/>
             </a:lvl7pPr>
-            <a:lvl8pPr marL="3200400" indent="0">
-              <a:buNone/>
-              <a:defRPr sz="1000"/>
+            <a:lvl8pPr marL="4267093" indent="0">
+              <a:buNone/>
+              <a:defRPr sz="1333"/>
             </a:lvl8pPr>
-            <a:lvl9pPr marL="3657600" indent="0">
-              <a:buNone/>
-              <a:defRPr sz="1000"/>
+            <a:lvl9pPr marL="4876678" indent="0">
+              <a:buNone/>
+              <a:defRPr sz="1333"/>
             </a:lvl9pPr>
           </a:lstStyle>
           <a:p>
@@ -3215,7 +3110,7 @@
           <a:p>
             <a:fld id="{A8B27BE4-E27A-41D6-9DF3-963E3EE331C4}" type="datetimeFigureOut">
               <a:rPr lang="en-US" smtClean="0"/>
-              <a:t>6/23/2023</a:t>
+              <a:t>10/9/2023</a:t>
             </a:fld>
             <a:endParaRPr lang="en-US"/>
           </a:p>
@@ -3266,7 +3161,7 @@
     </p:spTree>
     <p:extLst>
       <p:ext uri="{BB962C8B-B14F-4D97-AF65-F5344CB8AC3E}">
-        <p14:creationId xmlns:p14="http://schemas.microsoft.com/office/powerpoint/2010/main" val="2476104367"/>
+        <p14:creationId xmlns:p14="http://schemas.microsoft.com/office/powerpoint/2010/main" val="4263349538"/>
       </p:ext>
     </p:extLst>
   </p:cSld>
@@ -3295,13 +3190,7 @@
       </p:grpSpPr>
       <p:sp>
         <p:nvSpPr>
-          <p:cNvPr id="2" name="Title 1">
-            <a:extLst>
-              <a:ext uri="{FF2B5EF4-FFF2-40B4-BE49-F238E27FC236}">
-                <a16:creationId xmlns:a16="http://schemas.microsoft.com/office/drawing/2014/main" id="{895B6601-1941-9A50-F2CB-6A78B232A527}"/>
-              </a:ext>
-            </a:extLst>
-          </p:cNvPr>
+          <p:cNvPr id="2" name="Title 1"/>
           <p:cNvSpPr>
             <a:spLocks noGrp="1"/>
           </p:cNvSpPr>
@@ -3318,18 +3207,13 @@
               <a:rPr lang="en-US"/>
               <a:t>Click to edit Master title style</a:t>
             </a:r>
-          </a:p>
-        </p:txBody>
-      </p:sp>
-      <p:sp>
-        <p:nvSpPr>
-          <p:cNvPr id="3" name="Content Placeholder 2">
-            <a:extLst>
-              <a:ext uri="{FF2B5EF4-FFF2-40B4-BE49-F238E27FC236}">
-                <a16:creationId xmlns:a16="http://schemas.microsoft.com/office/drawing/2014/main" id="{56F8EBF7-C87D-3B0D-B365-1D4A30DDAA9B}"/>
-              </a:ext>
-            </a:extLst>
-          </p:cNvPr>
+            <a:endParaRPr lang="en-US" dirty="0"/>
+          </a:p>
+        </p:txBody>
+      </p:sp>
+      <p:sp>
+        <p:nvSpPr>
+          <p:cNvPr id="3" name="Content Placeholder 2"/>
           <p:cNvSpPr>
             <a:spLocks noGrp="1"/>
           </p:cNvSpPr>
@@ -3375,18 +3259,13 @@
               <a:rPr lang="en-US"/>
               <a:t>Fifth level</a:t>
             </a:r>
-          </a:p>
-        </p:txBody>
-      </p:sp>
-      <p:sp>
-        <p:nvSpPr>
-          <p:cNvPr id="4" name="Date Placeholder 3">
-            <a:extLst>
-              <a:ext uri="{FF2B5EF4-FFF2-40B4-BE49-F238E27FC236}">
-                <a16:creationId xmlns:a16="http://schemas.microsoft.com/office/drawing/2014/main" id="{F9C7081B-9B8E-ECD6-2EAA-C5815314AFC9}"/>
-              </a:ext>
-            </a:extLst>
-          </p:cNvPr>
+            <a:endParaRPr lang="en-US" dirty="0"/>
+          </a:p>
+        </p:txBody>
+      </p:sp>
+      <p:sp>
+        <p:nvSpPr>
+          <p:cNvPr id="4" name="Date Placeholder 3"/>
           <p:cNvSpPr>
             <a:spLocks noGrp="1"/>
           </p:cNvSpPr>
@@ -3401,7 +3280,7 @@
           <a:p>
             <a:fld id="{6FA08D01-D69F-4A5A-AB38-D270A191E98A}" type="datetimeFigureOut">
               <a:rPr lang="en-US" smtClean="0"/>
-              <a:t>6/23/2023</a:t>
+              <a:t>10/9/2023</a:t>
             </a:fld>
             <a:endParaRPr lang="en-US"/>
           </a:p>
@@ -3409,13 +3288,7 @@
       </p:sp>
       <p:sp>
         <p:nvSpPr>
-          <p:cNvPr id="5" name="Footer Placeholder 4">
-            <a:extLst>
-              <a:ext uri="{FF2B5EF4-FFF2-40B4-BE49-F238E27FC236}">
-                <a16:creationId xmlns:a16="http://schemas.microsoft.com/office/drawing/2014/main" id="{6197B9B3-AB59-DD8A-E1B9-C5AC926CF30B}"/>
-              </a:ext>
-            </a:extLst>
-          </p:cNvPr>
+          <p:cNvPr id="5" name="Footer Placeholder 4"/>
           <p:cNvSpPr>
             <a:spLocks noGrp="1"/>
           </p:cNvSpPr>
@@ -3434,13 +3307,7 @@
       </p:sp>
       <p:sp>
         <p:nvSpPr>
-          <p:cNvPr id="6" name="Slide Number Placeholder 5">
-            <a:extLst>
-              <a:ext uri="{FF2B5EF4-FFF2-40B4-BE49-F238E27FC236}">
-                <a16:creationId xmlns:a16="http://schemas.microsoft.com/office/drawing/2014/main" id="{E44B4D44-804B-C65C-F594-BF404B2A5E84}"/>
-              </a:ext>
-            </a:extLst>
-          </p:cNvPr>
+          <p:cNvPr id="6" name="Slide Number Placeholder 5"/>
           <p:cNvSpPr>
             <a:spLocks noGrp="1"/>
           </p:cNvSpPr>
@@ -3464,7 +3331,7 @@
     </p:spTree>
     <p:extLst>
       <p:ext uri="{BB962C8B-B14F-4D97-AF65-F5344CB8AC3E}">
-        <p14:creationId xmlns:p14="http://schemas.microsoft.com/office/powerpoint/2010/main" val="2358909280"/>
+        <p14:creationId xmlns:p14="http://schemas.microsoft.com/office/powerpoint/2010/main" val="4024990766"/>
       </p:ext>
     </p:extLst>
   </p:cSld>
@@ -3503,15 +3370,15 @@
         </p:nvSpPr>
         <p:spPr>
           <a:xfrm>
-            <a:off x="839791" y="457200"/>
-            <a:ext cx="3932237" cy="1600200"/>
+            <a:off x="839788" y="609600"/>
+            <a:ext cx="3932237" cy="2133600"/>
           </a:xfrm>
         </p:spPr>
         <p:txBody>
           <a:bodyPr anchor="b"/>
           <a:lstStyle>
             <a:lvl1pPr>
-              <a:defRPr sz="3200"/>
+              <a:defRPr sz="4267"/>
             </a:lvl1pPr>
           </a:lstStyle>
           <a:p>
@@ -3535,8 +3402,8 @@
         </p:nvSpPr>
         <p:spPr>
           <a:xfrm>
-            <a:off x="5183190" y="987428"/>
-            <a:ext cx="6172200" cy="4873625"/>
+            <a:off x="5183188" y="1316569"/>
+            <a:ext cx="6172200" cy="6498167"/>
           </a:xfrm>
         </p:spPr>
         <p:txBody>
@@ -3544,39 +3411,39 @@
           <a:lstStyle>
             <a:lvl1pPr marL="0" indent="0">
               <a:buNone/>
+              <a:defRPr sz="4267"/>
+            </a:lvl1pPr>
+            <a:lvl2pPr marL="609585" indent="0">
+              <a:buNone/>
+              <a:defRPr sz="3733"/>
+            </a:lvl2pPr>
+            <a:lvl3pPr marL="1219170" indent="0">
+              <a:buNone/>
               <a:defRPr sz="3200"/>
-            </a:lvl1pPr>
-            <a:lvl2pPr marL="457200" indent="0">
-              <a:buNone/>
-              <a:defRPr sz="2800"/>
-            </a:lvl2pPr>
-            <a:lvl3pPr marL="914400" indent="0">
-              <a:buNone/>
-              <a:defRPr sz="2400"/>
             </a:lvl3pPr>
-            <a:lvl4pPr marL="1371600" indent="0">
-              <a:buNone/>
-              <a:defRPr sz="2000"/>
+            <a:lvl4pPr marL="1828754" indent="0">
+              <a:buNone/>
+              <a:defRPr sz="2667"/>
             </a:lvl4pPr>
-            <a:lvl5pPr marL="1828800" indent="0">
-              <a:buNone/>
-              <a:defRPr sz="2000"/>
+            <a:lvl5pPr marL="2438339" indent="0">
+              <a:buNone/>
+              <a:defRPr sz="2667"/>
             </a:lvl5pPr>
-            <a:lvl6pPr marL="2286000" indent="0">
-              <a:buNone/>
-              <a:defRPr sz="2000"/>
+            <a:lvl6pPr marL="3047924" indent="0">
+              <a:buNone/>
+              <a:defRPr sz="2667"/>
             </a:lvl6pPr>
-            <a:lvl7pPr marL="2743200" indent="0">
-              <a:buNone/>
-              <a:defRPr sz="2000"/>
+            <a:lvl7pPr marL="3657509" indent="0">
+              <a:buNone/>
+              <a:defRPr sz="2667"/>
             </a:lvl7pPr>
-            <a:lvl8pPr marL="3200400" indent="0">
-              <a:buNone/>
-              <a:defRPr sz="2000"/>
+            <a:lvl8pPr marL="4267093" indent="0">
+              <a:buNone/>
+              <a:defRPr sz="2667"/>
             </a:lvl8pPr>
-            <a:lvl9pPr marL="3657600" indent="0">
-              <a:buNone/>
-              <a:defRPr sz="2000"/>
+            <a:lvl9pPr marL="4876678" indent="0">
+              <a:buNone/>
+              <a:defRPr sz="2667"/>
             </a:lvl9pPr>
           </a:lstStyle>
           <a:p>
@@ -3600,8 +3467,8 @@
         </p:nvSpPr>
         <p:spPr>
           <a:xfrm>
-            <a:off x="839791" y="2057400"/>
-            <a:ext cx="3932237" cy="3811588"/>
+            <a:off x="839788" y="2743200"/>
+            <a:ext cx="3932237" cy="5082117"/>
           </a:xfrm>
         </p:spPr>
         <p:txBody>
@@ -3609,39 +3476,39 @@
           <a:lstStyle>
             <a:lvl1pPr marL="0" indent="0">
               <a:buNone/>
+              <a:defRPr sz="2133"/>
+            </a:lvl1pPr>
+            <a:lvl2pPr marL="609585" indent="0">
+              <a:buNone/>
+              <a:defRPr sz="1867"/>
+            </a:lvl2pPr>
+            <a:lvl3pPr marL="1219170" indent="0">
+              <a:buNone/>
               <a:defRPr sz="1600"/>
-            </a:lvl1pPr>
-            <a:lvl2pPr marL="457200" indent="0">
-              <a:buNone/>
-              <a:defRPr sz="1400"/>
-            </a:lvl2pPr>
-            <a:lvl3pPr marL="914400" indent="0">
-              <a:buNone/>
-              <a:defRPr sz="1200"/>
             </a:lvl3pPr>
-            <a:lvl4pPr marL="1371600" indent="0">
-              <a:buNone/>
-              <a:defRPr sz="1000"/>
+            <a:lvl4pPr marL="1828754" indent="0">
+              <a:buNone/>
+              <a:defRPr sz="1333"/>
             </a:lvl4pPr>
-            <a:lvl5pPr marL="1828800" indent="0">
-              <a:buNone/>
-              <a:defRPr sz="1000"/>
+            <a:lvl5pPr marL="2438339" indent="0">
+              <a:buNone/>
+              <a:defRPr sz="1333"/>
             </a:lvl5pPr>
-            <a:lvl6pPr marL="2286000" indent="0">
-              <a:buNone/>
-              <a:defRPr sz="1000"/>
+            <a:lvl6pPr marL="3047924" indent="0">
+              <a:buNone/>
+              <a:defRPr sz="1333"/>
             </a:lvl6pPr>
-            <a:lvl7pPr marL="2743200" indent="0">
-              <a:buNone/>
-              <a:defRPr sz="1000"/>
+            <a:lvl7pPr marL="3657509" indent="0">
+              <a:buNone/>
+              <a:defRPr sz="1333"/>
             </a:lvl7pPr>
-            <a:lvl8pPr marL="3200400" indent="0">
-              <a:buNone/>
-              <a:defRPr sz="1000"/>
+            <a:lvl8pPr marL="4267093" indent="0">
+              <a:buNone/>
+              <a:defRPr sz="1333"/>
             </a:lvl8pPr>
-            <a:lvl9pPr marL="3657600" indent="0">
-              <a:buNone/>
-              <a:defRPr sz="1000"/>
+            <a:lvl9pPr marL="4876678" indent="0">
+              <a:buNone/>
+              <a:defRPr sz="1333"/>
             </a:lvl9pPr>
           </a:lstStyle>
           <a:p>
@@ -3670,7 +3537,7 @@
           <a:p>
             <a:fld id="{A8B27BE4-E27A-41D6-9DF3-963E3EE331C4}" type="datetimeFigureOut">
               <a:rPr lang="en-US" smtClean="0"/>
-              <a:t>6/23/2023</a:t>
+              <a:t>10/9/2023</a:t>
             </a:fld>
             <a:endParaRPr lang="en-US"/>
           </a:p>
@@ -3721,7 +3588,7 @@
     </p:spTree>
     <p:extLst>
       <p:ext uri="{BB962C8B-B14F-4D97-AF65-F5344CB8AC3E}">
-        <p14:creationId xmlns:p14="http://schemas.microsoft.com/office/powerpoint/2010/main" val="599545859"/>
+        <p14:creationId xmlns:p14="http://schemas.microsoft.com/office/powerpoint/2010/main" val="1336610957"/>
       </p:ext>
     </p:extLst>
   </p:cSld>
@@ -3840,7 +3707,7 @@
           <a:p>
             <a:fld id="{A8B27BE4-E27A-41D6-9DF3-963E3EE331C4}" type="datetimeFigureOut">
               <a:rPr lang="en-US" smtClean="0"/>
-              <a:t>6/23/2023</a:t>
+              <a:t>10/9/2023</a:t>
             </a:fld>
             <a:endParaRPr lang="en-US"/>
           </a:p>
@@ -3891,7 +3758,7 @@
     </p:spTree>
     <p:extLst>
       <p:ext uri="{BB962C8B-B14F-4D97-AF65-F5344CB8AC3E}">
-        <p14:creationId xmlns:p14="http://schemas.microsoft.com/office/powerpoint/2010/main" val="4118605869"/>
+        <p14:creationId xmlns:p14="http://schemas.microsoft.com/office/powerpoint/2010/main" val="3960402650"/>
       </p:ext>
     </p:extLst>
   </p:cSld>
@@ -3930,8 +3797,8 @@
         </p:nvSpPr>
         <p:spPr>
           <a:xfrm>
-            <a:off x="8724900" y="365125"/>
-            <a:ext cx="2628900" cy="5811838"/>
+            <a:off x="8724901" y="486834"/>
+            <a:ext cx="2628900" cy="7749117"/>
           </a:xfrm>
         </p:spPr>
         <p:txBody>
@@ -3958,8 +3825,8 @@
         </p:nvSpPr>
         <p:spPr>
           <a:xfrm>
-            <a:off x="838200" y="365125"/>
-            <a:ext cx="7734300" cy="5811838"/>
+            <a:off x="838201" y="486834"/>
+            <a:ext cx="7734300" cy="7749117"/>
           </a:xfrm>
         </p:spPr>
         <p:txBody>
@@ -4020,7 +3887,7 @@
           <a:p>
             <a:fld id="{A8B27BE4-E27A-41D6-9DF3-963E3EE331C4}" type="datetimeFigureOut">
               <a:rPr lang="en-US" smtClean="0"/>
-              <a:t>6/23/2023</a:t>
+              <a:t>10/9/2023</a:t>
             </a:fld>
             <a:endParaRPr lang="en-US"/>
           </a:p>
@@ -4071,7 +3938,7 @@
     </p:spTree>
     <p:extLst>
       <p:ext uri="{BB962C8B-B14F-4D97-AF65-F5344CB8AC3E}">
-        <p14:creationId xmlns:p14="http://schemas.microsoft.com/office/powerpoint/2010/main" val="1686492042"/>
+        <p14:creationId xmlns:p14="http://schemas.microsoft.com/office/powerpoint/2010/main" val="3221811166"/>
       </p:ext>
     </p:extLst>
   </p:cSld>
@@ -4100,13 +3967,7 @@
       </p:grpSpPr>
       <p:sp>
         <p:nvSpPr>
-          <p:cNvPr id="2" name="Title 1">
-            <a:extLst>
-              <a:ext uri="{FF2B5EF4-FFF2-40B4-BE49-F238E27FC236}">
-                <a16:creationId xmlns:a16="http://schemas.microsoft.com/office/drawing/2014/main" id="{4BEE09E2-416E-6AB5-1FB1-BECB432E00CD}"/>
-              </a:ext>
-            </a:extLst>
-          </p:cNvPr>
+          <p:cNvPr id="2" name="Title 1"/>
           <p:cNvSpPr>
             <a:spLocks noGrp="1"/>
           </p:cNvSpPr>
@@ -4116,15 +3977,15 @@
         </p:nvSpPr>
         <p:spPr>
           <a:xfrm>
-            <a:off x="831850" y="1709738"/>
-            <a:ext cx="10515600" cy="2852737"/>
+            <a:off x="831851" y="2279653"/>
+            <a:ext cx="10515600" cy="3803649"/>
           </a:xfrm>
         </p:spPr>
         <p:txBody>
           <a:bodyPr anchor="b"/>
           <a:lstStyle>
             <a:lvl1pPr>
-              <a:defRPr sz="6000"/>
+              <a:defRPr sz="8000"/>
             </a:lvl1pPr>
           </a:lstStyle>
           <a:p>
@@ -4132,18 +3993,13 @@
               <a:rPr lang="en-US"/>
               <a:t>Click to edit Master title style</a:t>
             </a:r>
-          </a:p>
-        </p:txBody>
-      </p:sp>
-      <p:sp>
-        <p:nvSpPr>
-          <p:cNvPr id="3" name="Text Placeholder 2">
-            <a:extLst>
-              <a:ext uri="{FF2B5EF4-FFF2-40B4-BE49-F238E27FC236}">
-                <a16:creationId xmlns:a16="http://schemas.microsoft.com/office/drawing/2014/main" id="{99B1EEC4-0548-948A-F256-6E832465970B}"/>
-              </a:ext>
-            </a:extLst>
-          </p:cNvPr>
+            <a:endParaRPr lang="en-US" dirty="0"/>
+          </a:p>
+        </p:txBody>
+      </p:sp>
+      <p:sp>
+        <p:nvSpPr>
+          <p:cNvPr id="3" name="Text Placeholder 2"/>
           <p:cNvSpPr>
             <a:spLocks noGrp="1"/>
           </p:cNvSpPr>
@@ -4153,14 +4009,32 @@
         </p:nvSpPr>
         <p:spPr>
           <a:xfrm>
-            <a:off x="831850" y="4589463"/>
-            <a:ext cx="10515600" cy="1500187"/>
+            <a:off x="831851" y="6119286"/>
+            <a:ext cx="10515600" cy="2000249"/>
           </a:xfrm>
         </p:spPr>
         <p:txBody>
           <a:bodyPr/>
           <a:lstStyle>
             <a:lvl1pPr marL="0" indent="0">
+              <a:buNone/>
+              <a:defRPr sz="3200">
+                <a:solidFill>
+                  <a:schemeClr val="tx1"/>
+                </a:solidFill>
+              </a:defRPr>
+            </a:lvl1pPr>
+            <a:lvl2pPr marL="609585" indent="0">
+              <a:buNone/>
+              <a:defRPr sz="2667">
+                <a:solidFill>
+                  <a:schemeClr val="tx1">
+                    <a:tint val="75000"/>
+                  </a:schemeClr>
+                </a:solidFill>
+              </a:defRPr>
+            </a:lvl2pPr>
+            <a:lvl3pPr marL="1219170" indent="0">
               <a:buNone/>
               <a:defRPr sz="2400">
                 <a:solidFill>
@@ -4169,30 +4043,10 @@
                   </a:schemeClr>
                 </a:solidFill>
               </a:defRPr>
-            </a:lvl1pPr>
-            <a:lvl2pPr marL="457200" indent="0">
-              <a:buNone/>
-              <a:defRPr sz="2000">
-                <a:solidFill>
-                  <a:schemeClr val="tx1">
-                    <a:tint val="75000"/>
-                  </a:schemeClr>
-                </a:solidFill>
-              </a:defRPr>
-            </a:lvl2pPr>
-            <a:lvl3pPr marL="914400" indent="0">
-              <a:buNone/>
-              <a:defRPr sz="1800">
-                <a:solidFill>
-                  <a:schemeClr val="tx1">
-                    <a:tint val="75000"/>
-                  </a:schemeClr>
-                </a:solidFill>
-              </a:defRPr>
             </a:lvl3pPr>
-            <a:lvl4pPr marL="1371600" indent="0">
-              <a:buNone/>
-              <a:defRPr sz="1600">
+            <a:lvl4pPr marL="1828754" indent="0">
+              <a:buNone/>
+              <a:defRPr sz="2133">
                 <a:solidFill>
                   <a:schemeClr val="tx1">
                     <a:tint val="75000"/>
@@ -4200,9 +4054,9 @@
                 </a:solidFill>
               </a:defRPr>
             </a:lvl4pPr>
-            <a:lvl5pPr marL="1828800" indent="0">
-              <a:buNone/>
-              <a:defRPr sz="1600">
+            <a:lvl5pPr marL="2438339" indent="0">
+              <a:buNone/>
+              <a:defRPr sz="2133">
                 <a:solidFill>
                   <a:schemeClr val="tx1">
                     <a:tint val="75000"/>
@@ -4210,9 +4064,9 @@
                 </a:solidFill>
               </a:defRPr>
             </a:lvl5pPr>
-            <a:lvl6pPr marL="2286000" indent="0">
-              <a:buNone/>
-              <a:defRPr sz="1600">
+            <a:lvl6pPr marL="3047924" indent="0">
+              <a:buNone/>
+              <a:defRPr sz="2133">
                 <a:solidFill>
                   <a:schemeClr val="tx1">
                     <a:tint val="75000"/>
@@ -4220,9 +4074,9 @@
                 </a:solidFill>
               </a:defRPr>
             </a:lvl6pPr>
-            <a:lvl7pPr marL="2743200" indent="0">
-              <a:buNone/>
-              <a:defRPr sz="1600">
+            <a:lvl7pPr marL="3657509" indent="0">
+              <a:buNone/>
+              <a:defRPr sz="2133">
                 <a:solidFill>
                   <a:schemeClr val="tx1">
                     <a:tint val="75000"/>
@@ -4230,9 +4084,9 @@
                 </a:solidFill>
               </a:defRPr>
             </a:lvl7pPr>
-            <a:lvl8pPr marL="3200400" indent="0">
-              <a:buNone/>
-              <a:defRPr sz="1600">
+            <a:lvl8pPr marL="4267093" indent="0">
+              <a:buNone/>
+              <a:defRPr sz="2133">
                 <a:solidFill>
                   <a:schemeClr val="tx1">
                     <a:tint val="75000"/>
@@ -4240,9 +4094,9 @@
                 </a:solidFill>
               </a:defRPr>
             </a:lvl8pPr>
-            <a:lvl9pPr marL="3657600" indent="0">
-              <a:buNone/>
-              <a:defRPr sz="1600">
+            <a:lvl9pPr marL="4876678" indent="0">
+              <a:buNone/>
+              <a:defRPr sz="2133">
                 <a:solidFill>
                   <a:schemeClr val="tx1">
                     <a:tint val="75000"/>
@@ -4262,13 +4116,7 @@
       </p:sp>
       <p:sp>
         <p:nvSpPr>
-          <p:cNvPr id="4" name="Date Placeholder 3">
-            <a:extLst>
-              <a:ext uri="{FF2B5EF4-FFF2-40B4-BE49-F238E27FC236}">
-                <a16:creationId xmlns:a16="http://schemas.microsoft.com/office/drawing/2014/main" id="{4F6B3FCD-4BAF-DF0C-0E29-FBE05063A546}"/>
-              </a:ext>
-            </a:extLst>
-          </p:cNvPr>
+          <p:cNvPr id="4" name="Date Placeholder 3"/>
           <p:cNvSpPr>
             <a:spLocks noGrp="1"/>
           </p:cNvSpPr>
@@ -4283,7 +4131,7 @@
           <a:p>
             <a:fld id="{6FA08D01-D69F-4A5A-AB38-D270A191E98A}" type="datetimeFigureOut">
               <a:rPr lang="en-US" smtClean="0"/>
-              <a:t>6/23/2023</a:t>
+              <a:t>10/9/2023</a:t>
             </a:fld>
             <a:endParaRPr lang="en-US"/>
           </a:p>
@@ -4291,13 +4139,7 @@
       </p:sp>
       <p:sp>
         <p:nvSpPr>
-          <p:cNvPr id="5" name="Footer Placeholder 4">
-            <a:extLst>
-              <a:ext uri="{FF2B5EF4-FFF2-40B4-BE49-F238E27FC236}">
-                <a16:creationId xmlns:a16="http://schemas.microsoft.com/office/drawing/2014/main" id="{83451271-01D7-1E62-513C-ADDB64C41AF0}"/>
-              </a:ext>
-            </a:extLst>
-          </p:cNvPr>
+          <p:cNvPr id="5" name="Footer Placeholder 4"/>
           <p:cNvSpPr>
             <a:spLocks noGrp="1"/>
           </p:cNvSpPr>
@@ -4316,13 +4158,7 @@
       </p:sp>
       <p:sp>
         <p:nvSpPr>
-          <p:cNvPr id="6" name="Slide Number Placeholder 5">
-            <a:extLst>
-              <a:ext uri="{FF2B5EF4-FFF2-40B4-BE49-F238E27FC236}">
-                <a16:creationId xmlns:a16="http://schemas.microsoft.com/office/drawing/2014/main" id="{4234AAE2-267E-768D-E086-52CD550F8D40}"/>
-              </a:ext>
-            </a:extLst>
-          </p:cNvPr>
+          <p:cNvPr id="6" name="Slide Number Placeholder 5"/>
           <p:cNvSpPr>
             <a:spLocks noGrp="1"/>
           </p:cNvSpPr>
@@ -4346,7 +4182,7 @@
     </p:spTree>
     <p:extLst>
       <p:ext uri="{BB962C8B-B14F-4D97-AF65-F5344CB8AC3E}">
-        <p14:creationId xmlns:p14="http://schemas.microsoft.com/office/powerpoint/2010/main" val="1893483874"/>
+        <p14:creationId xmlns:p14="http://schemas.microsoft.com/office/powerpoint/2010/main" val="3165224268"/>
       </p:ext>
     </p:extLst>
   </p:cSld>
@@ -4375,13 +4211,7 @@
       </p:grpSpPr>
       <p:sp>
         <p:nvSpPr>
-          <p:cNvPr id="2" name="Title 1">
-            <a:extLst>
-              <a:ext uri="{FF2B5EF4-FFF2-40B4-BE49-F238E27FC236}">
-                <a16:creationId xmlns:a16="http://schemas.microsoft.com/office/drawing/2014/main" id="{6891F13B-C76F-BFD0-B5FD-81E128E2F1A9}"/>
-              </a:ext>
-            </a:extLst>
-          </p:cNvPr>
+          <p:cNvPr id="2" name="Title 1"/>
           <p:cNvSpPr>
             <a:spLocks noGrp="1"/>
           </p:cNvSpPr>
@@ -4398,18 +4228,13 @@
               <a:rPr lang="en-US"/>
               <a:t>Click to edit Master title style</a:t>
             </a:r>
-          </a:p>
-        </p:txBody>
-      </p:sp>
-      <p:sp>
-        <p:nvSpPr>
-          <p:cNvPr id="3" name="Content Placeholder 2">
-            <a:extLst>
-              <a:ext uri="{FF2B5EF4-FFF2-40B4-BE49-F238E27FC236}">
-                <a16:creationId xmlns:a16="http://schemas.microsoft.com/office/drawing/2014/main" id="{FA390968-C239-3A8A-6D4F-41110D14F545}"/>
-              </a:ext>
-            </a:extLst>
-          </p:cNvPr>
+            <a:endParaRPr lang="en-US" dirty="0"/>
+          </a:p>
+        </p:txBody>
+      </p:sp>
+      <p:sp>
+        <p:nvSpPr>
+          <p:cNvPr id="3" name="Content Placeholder 2"/>
           <p:cNvSpPr>
             <a:spLocks noGrp="1"/>
           </p:cNvSpPr>
@@ -4419,8 +4244,8 @@
         </p:nvSpPr>
         <p:spPr>
           <a:xfrm>
-            <a:off x="838200" y="1825625"/>
-            <a:ext cx="5181600" cy="4351338"/>
+            <a:off x="838200" y="2434167"/>
+            <a:ext cx="5181600" cy="5801784"/>
           </a:xfrm>
         </p:spPr>
         <p:txBody>
@@ -4460,18 +4285,13 @@
               <a:rPr lang="en-US"/>
               <a:t>Fifth level</a:t>
             </a:r>
-          </a:p>
-        </p:txBody>
-      </p:sp>
-      <p:sp>
-        <p:nvSpPr>
-          <p:cNvPr id="4" name="Content Placeholder 3">
-            <a:extLst>
-              <a:ext uri="{FF2B5EF4-FFF2-40B4-BE49-F238E27FC236}">
-                <a16:creationId xmlns:a16="http://schemas.microsoft.com/office/drawing/2014/main" id="{BC2137CD-6006-5F45-86AE-363787A5E675}"/>
-              </a:ext>
-            </a:extLst>
-          </p:cNvPr>
+            <a:endParaRPr lang="en-US" dirty="0"/>
+          </a:p>
+        </p:txBody>
+      </p:sp>
+      <p:sp>
+        <p:nvSpPr>
+          <p:cNvPr id="4" name="Content Placeholder 3"/>
           <p:cNvSpPr>
             <a:spLocks noGrp="1"/>
           </p:cNvSpPr>
@@ -4481,8 +4301,8 @@
         </p:nvSpPr>
         <p:spPr>
           <a:xfrm>
-            <a:off x="6172200" y="1825625"/>
-            <a:ext cx="5181600" cy="4351338"/>
+            <a:off x="6172200" y="2434167"/>
+            <a:ext cx="5181600" cy="5801784"/>
           </a:xfrm>
         </p:spPr>
         <p:txBody>
@@ -4522,18 +4342,13 @@
               <a:rPr lang="en-US"/>
               <a:t>Fifth level</a:t>
             </a:r>
-          </a:p>
-        </p:txBody>
-      </p:sp>
-      <p:sp>
-        <p:nvSpPr>
-          <p:cNvPr id="5" name="Date Placeholder 4">
-            <a:extLst>
-              <a:ext uri="{FF2B5EF4-FFF2-40B4-BE49-F238E27FC236}">
-                <a16:creationId xmlns:a16="http://schemas.microsoft.com/office/drawing/2014/main" id="{668BDCA7-86B5-F960-AF48-5487CDCDBAF6}"/>
-              </a:ext>
-            </a:extLst>
-          </p:cNvPr>
+            <a:endParaRPr lang="en-US" dirty="0"/>
+          </a:p>
+        </p:txBody>
+      </p:sp>
+      <p:sp>
+        <p:nvSpPr>
+          <p:cNvPr id="5" name="Date Placeholder 4"/>
           <p:cNvSpPr>
             <a:spLocks noGrp="1"/>
           </p:cNvSpPr>
@@ -4548,7 +4363,7 @@
           <a:p>
             <a:fld id="{6FA08D01-D69F-4A5A-AB38-D270A191E98A}" type="datetimeFigureOut">
               <a:rPr lang="en-US" smtClean="0"/>
-              <a:t>6/23/2023</a:t>
+              <a:t>10/9/2023</a:t>
             </a:fld>
             <a:endParaRPr lang="en-US"/>
           </a:p>
@@ -4556,13 +4371,7 @@
       </p:sp>
       <p:sp>
         <p:nvSpPr>
-          <p:cNvPr id="6" name="Footer Placeholder 5">
-            <a:extLst>
-              <a:ext uri="{FF2B5EF4-FFF2-40B4-BE49-F238E27FC236}">
-                <a16:creationId xmlns:a16="http://schemas.microsoft.com/office/drawing/2014/main" id="{07FA115B-60D6-FCC9-F00A-739E007F836E}"/>
-              </a:ext>
-            </a:extLst>
-          </p:cNvPr>
+          <p:cNvPr id="6" name="Footer Placeholder 5"/>
           <p:cNvSpPr>
             <a:spLocks noGrp="1"/>
           </p:cNvSpPr>
@@ -4581,13 +4390,7 @@
       </p:sp>
       <p:sp>
         <p:nvSpPr>
-          <p:cNvPr id="7" name="Slide Number Placeholder 6">
-            <a:extLst>
-              <a:ext uri="{FF2B5EF4-FFF2-40B4-BE49-F238E27FC236}">
-                <a16:creationId xmlns:a16="http://schemas.microsoft.com/office/drawing/2014/main" id="{A6B44B43-AE86-D69C-D0D2-8EF9B27E346D}"/>
-              </a:ext>
-            </a:extLst>
-          </p:cNvPr>
+          <p:cNvPr id="7" name="Slide Number Placeholder 6"/>
           <p:cNvSpPr>
             <a:spLocks noGrp="1"/>
           </p:cNvSpPr>
@@ -4611,7 +4414,7 @@
     </p:spTree>
     <p:extLst>
       <p:ext uri="{BB962C8B-B14F-4D97-AF65-F5344CB8AC3E}">
-        <p14:creationId xmlns:p14="http://schemas.microsoft.com/office/powerpoint/2010/main" val="3052089554"/>
+        <p14:creationId xmlns:p14="http://schemas.microsoft.com/office/powerpoint/2010/main" val="4105368908"/>
       </p:ext>
     </p:extLst>
   </p:cSld>
@@ -4640,13 +4443,7 @@
       </p:grpSpPr>
       <p:sp>
         <p:nvSpPr>
-          <p:cNvPr id="2" name="Title 1">
-            <a:extLst>
-              <a:ext uri="{FF2B5EF4-FFF2-40B4-BE49-F238E27FC236}">
-                <a16:creationId xmlns:a16="http://schemas.microsoft.com/office/drawing/2014/main" id="{2E205B96-EFD6-04A5-3847-342471195AC9}"/>
-              </a:ext>
-            </a:extLst>
-          </p:cNvPr>
+          <p:cNvPr id="2" name="Title 1"/>
           <p:cNvSpPr>
             <a:spLocks noGrp="1"/>
           </p:cNvSpPr>
@@ -4656,8 +4453,8 @@
         </p:nvSpPr>
         <p:spPr>
           <a:xfrm>
-            <a:off x="839788" y="365125"/>
-            <a:ext cx="10515600" cy="1325563"/>
+            <a:off x="839788" y="486836"/>
+            <a:ext cx="10515600" cy="1767417"/>
           </a:xfrm>
         </p:spPr>
         <p:txBody>
@@ -4668,18 +4465,13 @@
               <a:rPr lang="en-US"/>
               <a:t>Click to edit Master title style</a:t>
             </a:r>
-          </a:p>
-        </p:txBody>
-      </p:sp>
-      <p:sp>
-        <p:nvSpPr>
-          <p:cNvPr id="3" name="Text Placeholder 2">
-            <a:extLst>
-              <a:ext uri="{FF2B5EF4-FFF2-40B4-BE49-F238E27FC236}">
-                <a16:creationId xmlns:a16="http://schemas.microsoft.com/office/drawing/2014/main" id="{91BD2EBF-040E-C1D0-A5E7-0DAA38D09BE9}"/>
-              </a:ext>
-            </a:extLst>
-          </p:cNvPr>
+            <a:endParaRPr lang="en-US" dirty="0"/>
+          </a:p>
+        </p:txBody>
+      </p:sp>
+      <p:sp>
+        <p:nvSpPr>
+          <p:cNvPr id="3" name="Text Placeholder 2"/>
           <p:cNvSpPr>
             <a:spLocks noGrp="1"/>
           </p:cNvSpPr>
@@ -4689,8 +4481,8 @@
         </p:nvSpPr>
         <p:spPr>
           <a:xfrm>
-            <a:off x="839788" y="1681163"/>
-            <a:ext cx="5157787" cy="823912"/>
+            <a:off x="839789" y="2241551"/>
+            <a:ext cx="5157787" cy="1098549"/>
           </a:xfrm>
         </p:spPr>
         <p:txBody>
@@ -4698,39 +4490,39 @@
           <a:lstStyle>
             <a:lvl1pPr marL="0" indent="0">
               <a:buNone/>
+              <a:defRPr sz="3200" b="1"/>
+            </a:lvl1pPr>
+            <a:lvl2pPr marL="609585" indent="0">
+              <a:buNone/>
+              <a:defRPr sz="2667" b="1"/>
+            </a:lvl2pPr>
+            <a:lvl3pPr marL="1219170" indent="0">
+              <a:buNone/>
               <a:defRPr sz="2400" b="1"/>
-            </a:lvl1pPr>
-            <a:lvl2pPr marL="457200" indent="0">
-              <a:buNone/>
-              <a:defRPr sz="2000" b="1"/>
-            </a:lvl2pPr>
-            <a:lvl3pPr marL="914400" indent="0">
-              <a:buNone/>
-              <a:defRPr sz="1800" b="1"/>
             </a:lvl3pPr>
-            <a:lvl4pPr marL="1371600" indent="0">
-              <a:buNone/>
-              <a:defRPr sz="1600" b="1"/>
+            <a:lvl4pPr marL="1828754" indent="0">
+              <a:buNone/>
+              <a:defRPr sz="2133" b="1"/>
             </a:lvl4pPr>
-            <a:lvl5pPr marL="1828800" indent="0">
-              <a:buNone/>
-              <a:defRPr sz="1600" b="1"/>
+            <a:lvl5pPr marL="2438339" indent="0">
+              <a:buNone/>
+              <a:defRPr sz="2133" b="1"/>
             </a:lvl5pPr>
-            <a:lvl6pPr marL="2286000" indent="0">
-              <a:buNone/>
-              <a:defRPr sz="1600" b="1"/>
+            <a:lvl6pPr marL="3047924" indent="0">
+              <a:buNone/>
+              <a:defRPr sz="2133" b="1"/>
             </a:lvl6pPr>
-            <a:lvl7pPr marL="2743200" indent="0">
-              <a:buNone/>
-              <a:defRPr sz="1600" b="1"/>
+            <a:lvl7pPr marL="3657509" indent="0">
+              <a:buNone/>
+              <a:defRPr sz="2133" b="1"/>
             </a:lvl7pPr>
-            <a:lvl8pPr marL="3200400" indent="0">
-              <a:buNone/>
-              <a:defRPr sz="1600" b="1"/>
+            <a:lvl8pPr marL="4267093" indent="0">
+              <a:buNone/>
+              <a:defRPr sz="2133" b="1"/>
             </a:lvl8pPr>
-            <a:lvl9pPr marL="3657600" indent="0">
-              <a:buNone/>
-              <a:defRPr sz="1600" b="1"/>
+            <a:lvl9pPr marL="4876678" indent="0">
+              <a:buNone/>
+              <a:defRPr sz="2133" b="1"/>
             </a:lvl9pPr>
           </a:lstStyle>
           <a:p>
@@ -4744,13 +4536,7 @@
       </p:sp>
       <p:sp>
         <p:nvSpPr>
-          <p:cNvPr id="4" name="Content Placeholder 3">
-            <a:extLst>
-              <a:ext uri="{FF2B5EF4-FFF2-40B4-BE49-F238E27FC236}">
-                <a16:creationId xmlns:a16="http://schemas.microsoft.com/office/drawing/2014/main" id="{7B0F5CFC-2F61-F223-87EA-9C21A67F083A}"/>
-              </a:ext>
-            </a:extLst>
-          </p:cNvPr>
+          <p:cNvPr id="4" name="Content Placeholder 3"/>
           <p:cNvSpPr>
             <a:spLocks noGrp="1"/>
           </p:cNvSpPr>
@@ -4760,8 +4546,8 @@
         </p:nvSpPr>
         <p:spPr>
           <a:xfrm>
-            <a:off x="839788" y="2505075"/>
-            <a:ext cx="5157787" cy="3684588"/>
+            <a:off x="839789" y="3340100"/>
+            <a:ext cx="5157787" cy="4912784"/>
           </a:xfrm>
         </p:spPr>
         <p:txBody>
@@ -4801,18 +4587,13 @@
               <a:rPr lang="en-US"/>
               <a:t>Fifth level</a:t>
             </a:r>
-          </a:p>
-        </p:txBody>
-      </p:sp>
-      <p:sp>
-        <p:nvSpPr>
-          <p:cNvPr id="5" name="Text Placeholder 4">
-            <a:extLst>
-              <a:ext uri="{FF2B5EF4-FFF2-40B4-BE49-F238E27FC236}">
-                <a16:creationId xmlns:a16="http://schemas.microsoft.com/office/drawing/2014/main" id="{B6E323A5-5EEA-7857-63CC-ECC0EB4B3528}"/>
-              </a:ext>
-            </a:extLst>
-          </p:cNvPr>
+            <a:endParaRPr lang="en-US" dirty="0"/>
+          </a:p>
+        </p:txBody>
+      </p:sp>
+      <p:sp>
+        <p:nvSpPr>
+          <p:cNvPr id="5" name="Text Placeholder 4"/>
           <p:cNvSpPr>
             <a:spLocks noGrp="1"/>
           </p:cNvSpPr>
@@ -4822,8 +4603,8 @@
         </p:nvSpPr>
         <p:spPr>
           <a:xfrm>
-            <a:off x="6172200" y="1681163"/>
-            <a:ext cx="5183188" cy="823912"/>
+            <a:off x="6172201" y="2241551"/>
+            <a:ext cx="5183188" cy="1098549"/>
           </a:xfrm>
         </p:spPr>
         <p:txBody>
@@ -4831,39 +4612,39 @@
           <a:lstStyle>
             <a:lvl1pPr marL="0" indent="0">
               <a:buNone/>
+              <a:defRPr sz="3200" b="1"/>
+            </a:lvl1pPr>
+            <a:lvl2pPr marL="609585" indent="0">
+              <a:buNone/>
+              <a:defRPr sz="2667" b="1"/>
+            </a:lvl2pPr>
+            <a:lvl3pPr marL="1219170" indent="0">
+              <a:buNone/>
               <a:defRPr sz="2400" b="1"/>
-            </a:lvl1pPr>
-            <a:lvl2pPr marL="457200" indent="0">
-              <a:buNone/>
-              <a:defRPr sz="2000" b="1"/>
-            </a:lvl2pPr>
-            <a:lvl3pPr marL="914400" indent="0">
-              <a:buNone/>
-              <a:defRPr sz="1800" b="1"/>
             </a:lvl3pPr>
-            <a:lvl4pPr marL="1371600" indent="0">
-              <a:buNone/>
-              <a:defRPr sz="1600" b="1"/>
+            <a:lvl4pPr marL="1828754" indent="0">
+              <a:buNone/>
+              <a:defRPr sz="2133" b="1"/>
             </a:lvl4pPr>
-            <a:lvl5pPr marL="1828800" indent="0">
-              <a:buNone/>
-              <a:defRPr sz="1600" b="1"/>
+            <a:lvl5pPr marL="2438339" indent="0">
+              <a:buNone/>
+              <a:defRPr sz="2133" b="1"/>
             </a:lvl5pPr>
-            <a:lvl6pPr marL="2286000" indent="0">
-              <a:buNone/>
-              <a:defRPr sz="1600" b="1"/>
+            <a:lvl6pPr marL="3047924" indent="0">
+              <a:buNone/>
+              <a:defRPr sz="2133" b="1"/>
             </a:lvl6pPr>
-            <a:lvl7pPr marL="2743200" indent="0">
-              <a:buNone/>
-              <a:defRPr sz="1600" b="1"/>
+            <a:lvl7pPr marL="3657509" indent="0">
+              <a:buNone/>
+              <a:defRPr sz="2133" b="1"/>
             </a:lvl7pPr>
-            <a:lvl8pPr marL="3200400" indent="0">
-              <a:buNone/>
-              <a:defRPr sz="1600" b="1"/>
+            <a:lvl8pPr marL="4267093" indent="0">
+              <a:buNone/>
+              <a:defRPr sz="2133" b="1"/>
             </a:lvl8pPr>
-            <a:lvl9pPr marL="3657600" indent="0">
-              <a:buNone/>
-              <a:defRPr sz="1600" b="1"/>
+            <a:lvl9pPr marL="4876678" indent="0">
+              <a:buNone/>
+              <a:defRPr sz="2133" b="1"/>
             </a:lvl9pPr>
           </a:lstStyle>
           <a:p>
@@ -4877,13 +4658,7 @@
       </p:sp>
       <p:sp>
         <p:nvSpPr>
-          <p:cNvPr id="6" name="Content Placeholder 5">
-            <a:extLst>
-              <a:ext uri="{FF2B5EF4-FFF2-40B4-BE49-F238E27FC236}">
-                <a16:creationId xmlns:a16="http://schemas.microsoft.com/office/drawing/2014/main" id="{2CDA9272-5D22-CD0F-FB20-334FE41EB114}"/>
-              </a:ext>
-            </a:extLst>
-          </p:cNvPr>
+          <p:cNvPr id="6" name="Content Placeholder 5"/>
           <p:cNvSpPr>
             <a:spLocks noGrp="1"/>
           </p:cNvSpPr>
@@ -4893,8 +4668,8 @@
         </p:nvSpPr>
         <p:spPr>
           <a:xfrm>
-            <a:off x="6172200" y="2505075"/>
-            <a:ext cx="5183188" cy="3684588"/>
+            <a:off x="6172201" y="3340100"/>
+            <a:ext cx="5183188" cy="4912784"/>
           </a:xfrm>
         </p:spPr>
         <p:txBody>
@@ -4934,18 +4709,13 @@
               <a:rPr lang="en-US"/>
               <a:t>Fifth level</a:t>
             </a:r>
-          </a:p>
-        </p:txBody>
-      </p:sp>
-      <p:sp>
-        <p:nvSpPr>
-          <p:cNvPr id="7" name="Date Placeholder 6">
-            <a:extLst>
-              <a:ext uri="{FF2B5EF4-FFF2-40B4-BE49-F238E27FC236}">
-                <a16:creationId xmlns:a16="http://schemas.microsoft.com/office/drawing/2014/main" id="{7B6FFC94-3969-5812-C4BC-CDE4BDF1C4D8}"/>
-              </a:ext>
-            </a:extLst>
-          </p:cNvPr>
+            <a:endParaRPr lang="en-US" dirty="0"/>
+          </a:p>
+        </p:txBody>
+      </p:sp>
+      <p:sp>
+        <p:nvSpPr>
+          <p:cNvPr id="7" name="Date Placeholder 6"/>
           <p:cNvSpPr>
             <a:spLocks noGrp="1"/>
           </p:cNvSpPr>
@@ -4960,7 +4730,7 @@
           <a:p>
             <a:fld id="{6FA08D01-D69F-4A5A-AB38-D270A191E98A}" type="datetimeFigureOut">
               <a:rPr lang="en-US" smtClean="0"/>
-              <a:t>6/23/2023</a:t>
+              <a:t>10/9/2023</a:t>
             </a:fld>
             <a:endParaRPr lang="en-US"/>
           </a:p>
@@ -4968,13 +4738,7 @@
       </p:sp>
       <p:sp>
         <p:nvSpPr>
-          <p:cNvPr id="8" name="Footer Placeholder 7">
-            <a:extLst>
-              <a:ext uri="{FF2B5EF4-FFF2-40B4-BE49-F238E27FC236}">
-                <a16:creationId xmlns:a16="http://schemas.microsoft.com/office/drawing/2014/main" id="{7D69FFEB-7096-81FC-B268-07E5A292CF81}"/>
-              </a:ext>
-            </a:extLst>
-          </p:cNvPr>
+          <p:cNvPr id="8" name="Footer Placeholder 7"/>
           <p:cNvSpPr>
             <a:spLocks noGrp="1"/>
           </p:cNvSpPr>
@@ -4993,13 +4757,7 @@
       </p:sp>
       <p:sp>
         <p:nvSpPr>
-          <p:cNvPr id="9" name="Slide Number Placeholder 8">
-            <a:extLst>
-              <a:ext uri="{FF2B5EF4-FFF2-40B4-BE49-F238E27FC236}">
-                <a16:creationId xmlns:a16="http://schemas.microsoft.com/office/drawing/2014/main" id="{43C405C7-170C-FFF2-F153-624787143286}"/>
-              </a:ext>
-            </a:extLst>
-          </p:cNvPr>
+          <p:cNvPr id="9" name="Slide Number Placeholder 8"/>
           <p:cNvSpPr>
             <a:spLocks noGrp="1"/>
           </p:cNvSpPr>
@@ -5023,7 +4781,7 @@
     </p:spTree>
     <p:extLst>
       <p:ext uri="{BB962C8B-B14F-4D97-AF65-F5344CB8AC3E}">
-        <p14:creationId xmlns:p14="http://schemas.microsoft.com/office/powerpoint/2010/main" val="4233801399"/>
+        <p14:creationId xmlns:p14="http://schemas.microsoft.com/office/powerpoint/2010/main" val="41258063"/>
       </p:ext>
     </p:extLst>
   </p:cSld>
@@ -5052,13 +4810,7 @@
       </p:grpSpPr>
       <p:sp>
         <p:nvSpPr>
-          <p:cNvPr id="2" name="Title 1">
-            <a:extLst>
-              <a:ext uri="{FF2B5EF4-FFF2-40B4-BE49-F238E27FC236}">
-                <a16:creationId xmlns:a16="http://schemas.microsoft.com/office/drawing/2014/main" id="{B5C83B1D-2A7A-DF82-720D-839AA401BE4C}"/>
-              </a:ext>
-            </a:extLst>
-          </p:cNvPr>
+          <p:cNvPr id="2" name="Title 1"/>
           <p:cNvSpPr>
             <a:spLocks noGrp="1"/>
           </p:cNvSpPr>
@@ -5075,18 +4827,13 @@
               <a:rPr lang="en-US"/>
               <a:t>Click to edit Master title style</a:t>
             </a:r>
-          </a:p>
-        </p:txBody>
-      </p:sp>
-      <p:sp>
-        <p:nvSpPr>
-          <p:cNvPr id="3" name="Date Placeholder 2">
-            <a:extLst>
-              <a:ext uri="{FF2B5EF4-FFF2-40B4-BE49-F238E27FC236}">
-                <a16:creationId xmlns:a16="http://schemas.microsoft.com/office/drawing/2014/main" id="{A02B9D01-A5B5-A05F-F3DD-BFC346D6455A}"/>
-              </a:ext>
-            </a:extLst>
-          </p:cNvPr>
+            <a:endParaRPr lang="en-US" dirty="0"/>
+          </a:p>
+        </p:txBody>
+      </p:sp>
+      <p:sp>
+        <p:nvSpPr>
+          <p:cNvPr id="3" name="Date Placeholder 2"/>
           <p:cNvSpPr>
             <a:spLocks noGrp="1"/>
           </p:cNvSpPr>
@@ -5101,7 +4848,7 @@
           <a:p>
             <a:fld id="{6FA08D01-D69F-4A5A-AB38-D270A191E98A}" type="datetimeFigureOut">
               <a:rPr lang="en-US" smtClean="0"/>
-              <a:t>6/23/2023</a:t>
+              <a:t>10/9/2023</a:t>
             </a:fld>
             <a:endParaRPr lang="en-US"/>
           </a:p>
@@ -5109,13 +4856,7 @@
       </p:sp>
       <p:sp>
         <p:nvSpPr>
-          <p:cNvPr id="4" name="Footer Placeholder 3">
-            <a:extLst>
-              <a:ext uri="{FF2B5EF4-FFF2-40B4-BE49-F238E27FC236}">
-                <a16:creationId xmlns:a16="http://schemas.microsoft.com/office/drawing/2014/main" id="{BDE076E5-4FE8-5CC6-B2C4-2BA15FC03471}"/>
-              </a:ext>
-            </a:extLst>
-          </p:cNvPr>
+          <p:cNvPr id="4" name="Footer Placeholder 3"/>
           <p:cNvSpPr>
             <a:spLocks noGrp="1"/>
           </p:cNvSpPr>
@@ -5134,13 +4875,7 @@
       </p:sp>
       <p:sp>
         <p:nvSpPr>
-          <p:cNvPr id="5" name="Slide Number Placeholder 4">
-            <a:extLst>
-              <a:ext uri="{FF2B5EF4-FFF2-40B4-BE49-F238E27FC236}">
-                <a16:creationId xmlns:a16="http://schemas.microsoft.com/office/drawing/2014/main" id="{A87B75F7-12B5-9EC9-8E91-B08C3535A50A}"/>
-              </a:ext>
-            </a:extLst>
-          </p:cNvPr>
+          <p:cNvPr id="5" name="Slide Number Placeholder 4"/>
           <p:cNvSpPr>
             <a:spLocks noGrp="1"/>
           </p:cNvSpPr>
@@ -5164,7 +4899,7 @@
     </p:spTree>
     <p:extLst>
       <p:ext uri="{BB962C8B-B14F-4D97-AF65-F5344CB8AC3E}">
-        <p14:creationId xmlns:p14="http://schemas.microsoft.com/office/powerpoint/2010/main" val="3355887491"/>
+        <p14:creationId xmlns:p14="http://schemas.microsoft.com/office/powerpoint/2010/main" val="2355628477"/>
       </p:ext>
     </p:extLst>
   </p:cSld>
@@ -5193,13 +4928,7 @@
       </p:grpSpPr>
       <p:sp>
         <p:nvSpPr>
-          <p:cNvPr id="2" name="Date Placeholder 1">
-            <a:extLst>
-              <a:ext uri="{FF2B5EF4-FFF2-40B4-BE49-F238E27FC236}">
-                <a16:creationId xmlns:a16="http://schemas.microsoft.com/office/drawing/2014/main" id="{DACF7DD3-9664-BE87-4C0F-32173740604A}"/>
-              </a:ext>
-            </a:extLst>
-          </p:cNvPr>
+          <p:cNvPr id="2" name="Date Placeholder 1"/>
           <p:cNvSpPr>
             <a:spLocks noGrp="1"/>
           </p:cNvSpPr>
@@ -5214,7 +4943,7 @@
           <a:p>
             <a:fld id="{6FA08D01-D69F-4A5A-AB38-D270A191E98A}" type="datetimeFigureOut">
               <a:rPr lang="en-US" smtClean="0"/>
-              <a:t>6/23/2023</a:t>
+              <a:t>10/9/2023</a:t>
             </a:fld>
             <a:endParaRPr lang="en-US"/>
           </a:p>
@@ -5222,13 +4951,7 @@
       </p:sp>
       <p:sp>
         <p:nvSpPr>
-          <p:cNvPr id="3" name="Footer Placeholder 2">
-            <a:extLst>
-              <a:ext uri="{FF2B5EF4-FFF2-40B4-BE49-F238E27FC236}">
-                <a16:creationId xmlns:a16="http://schemas.microsoft.com/office/drawing/2014/main" id="{D47AB1F2-3B5E-109B-2AEF-E0ED7C1E8CAC}"/>
-              </a:ext>
-            </a:extLst>
-          </p:cNvPr>
+          <p:cNvPr id="3" name="Footer Placeholder 2"/>
           <p:cNvSpPr>
             <a:spLocks noGrp="1"/>
           </p:cNvSpPr>
@@ -5247,13 +4970,7 @@
       </p:sp>
       <p:sp>
         <p:nvSpPr>
-          <p:cNvPr id="4" name="Slide Number Placeholder 3">
-            <a:extLst>
-              <a:ext uri="{FF2B5EF4-FFF2-40B4-BE49-F238E27FC236}">
-                <a16:creationId xmlns:a16="http://schemas.microsoft.com/office/drawing/2014/main" id="{E63F6A1B-5A1F-B8CE-3287-4246C0F6448B}"/>
-              </a:ext>
-            </a:extLst>
-          </p:cNvPr>
+          <p:cNvPr id="4" name="Slide Number Placeholder 3"/>
           <p:cNvSpPr>
             <a:spLocks noGrp="1"/>
           </p:cNvSpPr>
@@ -5277,7 +4994,7 @@
     </p:spTree>
     <p:extLst>
       <p:ext uri="{BB962C8B-B14F-4D97-AF65-F5344CB8AC3E}">
-        <p14:creationId xmlns:p14="http://schemas.microsoft.com/office/powerpoint/2010/main" val="310127584"/>
+        <p14:creationId xmlns:p14="http://schemas.microsoft.com/office/powerpoint/2010/main" val="2919976719"/>
       </p:ext>
     </p:extLst>
   </p:cSld>
@@ -5306,13 +5023,7 @@
       </p:grpSpPr>
       <p:sp>
         <p:nvSpPr>
-          <p:cNvPr id="2" name="Title 1">
-            <a:extLst>
-              <a:ext uri="{FF2B5EF4-FFF2-40B4-BE49-F238E27FC236}">
-                <a16:creationId xmlns:a16="http://schemas.microsoft.com/office/drawing/2014/main" id="{7E5E587C-2545-E92C-BC9D-33F4C6644F2A}"/>
-              </a:ext>
-            </a:extLst>
-          </p:cNvPr>
+          <p:cNvPr id="2" name="Title 1"/>
           <p:cNvSpPr>
             <a:spLocks noGrp="1"/>
           </p:cNvSpPr>
@@ -5322,15 +5033,15 @@
         </p:nvSpPr>
         <p:spPr>
           <a:xfrm>
-            <a:off x="839788" y="457200"/>
-            <a:ext cx="3932237" cy="1600200"/>
+            <a:off x="839788" y="609600"/>
+            <a:ext cx="3932237" cy="2133600"/>
           </a:xfrm>
         </p:spPr>
         <p:txBody>
           <a:bodyPr anchor="b"/>
           <a:lstStyle>
             <a:lvl1pPr>
-              <a:defRPr sz="3200"/>
+              <a:defRPr sz="4267"/>
             </a:lvl1pPr>
           </a:lstStyle>
           <a:p>
@@ -5338,18 +5049,13 @@
               <a:rPr lang="en-US"/>
               <a:t>Click to edit Master title style</a:t>
             </a:r>
-          </a:p>
-        </p:txBody>
-      </p:sp>
-      <p:sp>
-        <p:nvSpPr>
-          <p:cNvPr id="3" name="Content Placeholder 2">
-            <a:extLst>
-              <a:ext uri="{FF2B5EF4-FFF2-40B4-BE49-F238E27FC236}">
-                <a16:creationId xmlns:a16="http://schemas.microsoft.com/office/drawing/2014/main" id="{51E7B047-DF5F-C6C4-970A-9F05E3A9FBE0}"/>
-              </a:ext>
-            </a:extLst>
-          </p:cNvPr>
+            <a:endParaRPr lang="en-US" dirty="0"/>
+          </a:p>
+        </p:txBody>
+      </p:sp>
+      <p:sp>
+        <p:nvSpPr>
+          <p:cNvPr id="3" name="Content Placeholder 2"/>
           <p:cNvSpPr>
             <a:spLocks noGrp="1"/>
           </p:cNvSpPr>
@@ -5359,39 +5065,39 @@
         </p:nvSpPr>
         <p:spPr>
           <a:xfrm>
-            <a:off x="5183188" y="987425"/>
-            <a:ext cx="6172200" cy="4873625"/>
+            <a:off x="5183188" y="1316569"/>
+            <a:ext cx="6172200" cy="6498167"/>
           </a:xfrm>
         </p:spPr>
         <p:txBody>
           <a:bodyPr/>
           <a:lstStyle>
             <a:lvl1pPr>
-              <a:defRPr sz="3200"/>
+              <a:defRPr sz="4267"/>
             </a:lvl1pPr>
             <a:lvl2pPr>
-              <a:defRPr sz="2800"/>
+              <a:defRPr sz="3733"/>
             </a:lvl2pPr>
             <a:lvl3pPr>
-              <a:defRPr sz="2400"/>
+              <a:defRPr sz="3200"/>
             </a:lvl3pPr>
             <a:lvl4pPr>
-              <a:defRPr sz="2000"/>
+              <a:defRPr sz="2667"/>
             </a:lvl4pPr>
             <a:lvl5pPr>
-              <a:defRPr sz="2000"/>
+              <a:defRPr sz="2667"/>
             </a:lvl5pPr>
             <a:lvl6pPr>
-              <a:defRPr sz="2000"/>
+              <a:defRPr sz="2667"/>
             </a:lvl6pPr>
             <a:lvl7pPr>
-              <a:defRPr sz="2000"/>
+              <a:defRPr sz="2667"/>
             </a:lvl7pPr>
             <a:lvl8pPr>
-              <a:defRPr sz="2000"/>
+              <a:defRPr sz="2667"/>
             </a:lvl8pPr>
             <a:lvl9pPr>
-              <a:defRPr sz="2000"/>
+              <a:defRPr sz="2667"/>
             </a:lvl9pPr>
           </a:lstStyle>
           <a:p>
@@ -5428,18 +5134,13 @@
               <a:rPr lang="en-US"/>
               <a:t>Fifth level</a:t>
             </a:r>
-          </a:p>
-        </p:txBody>
-      </p:sp>
-      <p:sp>
-        <p:nvSpPr>
-          <p:cNvPr id="4" name="Text Placeholder 3">
-            <a:extLst>
-              <a:ext uri="{FF2B5EF4-FFF2-40B4-BE49-F238E27FC236}">
-                <a16:creationId xmlns:a16="http://schemas.microsoft.com/office/drawing/2014/main" id="{3FF10C44-B18F-E471-0424-B7997D8BA8B4}"/>
-              </a:ext>
-            </a:extLst>
-          </p:cNvPr>
+            <a:endParaRPr lang="en-US" dirty="0"/>
+          </a:p>
+        </p:txBody>
+      </p:sp>
+      <p:sp>
+        <p:nvSpPr>
+          <p:cNvPr id="4" name="Text Placeholder 3"/>
           <p:cNvSpPr>
             <a:spLocks noGrp="1"/>
           </p:cNvSpPr>
@@ -5449,8 +5150,8 @@
         </p:nvSpPr>
         <p:spPr>
           <a:xfrm>
-            <a:off x="839788" y="2057400"/>
-            <a:ext cx="3932237" cy="3811588"/>
+            <a:off x="839788" y="2743200"/>
+            <a:ext cx="3932237" cy="5082117"/>
           </a:xfrm>
         </p:spPr>
         <p:txBody>
@@ -5458,39 +5159,39 @@
           <a:lstStyle>
             <a:lvl1pPr marL="0" indent="0">
               <a:buNone/>
+              <a:defRPr sz="2133"/>
+            </a:lvl1pPr>
+            <a:lvl2pPr marL="609585" indent="0">
+              <a:buNone/>
+              <a:defRPr sz="1867"/>
+            </a:lvl2pPr>
+            <a:lvl3pPr marL="1219170" indent="0">
+              <a:buNone/>
               <a:defRPr sz="1600"/>
-            </a:lvl1pPr>
-            <a:lvl2pPr marL="457200" indent="0">
-              <a:buNone/>
-              <a:defRPr sz="1400"/>
-            </a:lvl2pPr>
-            <a:lvl3pPr marL="914400" indent="0">
-              <a:buNone/>
-              <a:defRPr sz="1200"/>
             </a:lvl3pPr>
-            <a:lvl4pPr marL="1371600" indent="0">
-              <a:buNone/>
-              <a:defRPr sz="1000"/>
+            <a:lvl4pPr marL="1828754" indent="0">
+              <a:buNone/>
+              <a:defRPr sz="1333"/>
             </a:lvl4pPr>
-            <a:lvl5pPr marL="1828800" indent="0">
-              <a:buNone/>
-              <a:defRPr sz="1000"/>
+            <a:lvl5pPr marL="2438339" indent="0">
+              <a:buNone/>
+              <a:defRPr sz="1333"/>
             </a:lvl5pPr>
-            <a:lvl6pPr marL="2286000" indent="0">
-              <a:buNone/>
-              <a:defRPr sz="1000"/>
+            <a:lvl6pPr marL="3047924" indent="0">
+              <a:buNone/>
+              <a:defRPr sz="1333"/>
             </a:lvl6pPr>
-            <a:lvl7pPr marL="2743200" indent="0">
-              <a:buNone/>
-              <a:defRPr sz="1000"/>
+            <a:lvl7pPr marL="3657509" indent="0">
+              <a:buNone/>
+              <a:defRPr sz="1333"/>
             </a:lvl7pPr>
-            <a:lvl8pPr marL="3200400" indent="0">
-              <a:buNone/>
-              <a:defRPr sz="1000"/>
+            <a:lvl8pPr marL="4267093" indent="0">
+              <a:buNone/>
+              <a:defRPr sz="1333"/>
             </a:lvl8pPr>
-            <a:lvl9pPr marL="3657600" indent="0">
-              <a:buNone/>
-              <a:defRPr sz="1000"/>
+            <a:lvl9pPr marL="4876678" indent="0">
+              <a:buNone/>
+              <a:defRPr sz="1333"/>
             </a:lvl9pPr>
           </a:lstStyle>
           <a:p>
@@ -5504,13 +5205,7 @@
       </p:sp>
       <p:sp>
         <p:nvSpPr>
-          <p:cNvPr id="5" name="Date Placeholder 4">
-            <a:extLst>
-              <a:ext uri="{FF2B5EF4-FFF2-40B4-BE49-F238E27FC236}">
-                <a16:creationId xmlns:a16="http://schemas.microsoft.com/office/drawing/2014/main" id="{A164C59E-848E-FABC-B2F2-03DE90E50077}"/>
-              </a:ext>
-            </a:extLst>
-          </p:cNvPr>
+          <p:cNvPr id="5" name="Date Placeholder 4"/>
           <p:cNvSpPr>
             <a:spLocks noGrp="1"/>
           </p:cNvSpPr>
@@ -5525,7 +5220,7 @@
           <a:p>
             <a:fld id="{6FA08D01-D69F-4A5A-AB38-D270A191E98A}" type="datetimeFigureOut">
               <a:rPr lang="en-US" smtClean="0"/>
-              <a:t>6/23/2023</a:t>
+              <a:t>10/9/2023</a:t>
             </a:fld>
             <a:endParaRPr lang="en-US"/>
           </a:p>
@@ -5533,13 +5228,7 @@
       </p:sp>
       <p:sp>
         <p:nvSpPr>
-          <p:cNvPr id="6" name="Footer Placeholder 5">
-            <a:extLst>
-              <a:ext uri="{FF2B5EF4-FFF2-40B4-BE49-F238E27FC236}">
-                <a16:creationId xmlns:a16="http://schemas.microsoft.com/office/drawing/2014/main" id="{8DFF6AD3-BED4-CF05-5686-AC30D7D44625}"/>
-              </a:ext>
-            </a:extLst>
-          </p:cNvPr>
+          <p:cNvPr id="6" name="Footer Placeholder 5"/>
           <p:cNvSpPr>
             <a:spLocks noGrp="1"/>
           </p:cNvSpPr>
@@ -5558,13 +5247,7 @@
       </p:sp>
       <p:sp>
         <p:nvSpPr>
-          <p:cNvPr id="7" name="Slide Number Placeholder 6">
-            <a:extLst>
-              <a:ext uri="{FF2B5EF4-FFF2-40B4-BE49-F238E27FC236}">
-                <a16:creationId xmlns:a16="http://schemas.microsoft.com/office/drawing/2014/main" id="{E994FF56-07F1-39EE-E347-A4C66A4B71F2}"/>
-              </a:ext>
-            </a:extLst>
-          </p:cNvPr>
+          <p:cNvPr id="7" name="Slide Number Placeholder 6"/>
           <p:cNvSpPr>
             <a:spLocks noGrp="1"/>
           </p:cNvSpPr>
@@ -5588,7 +5271,7 @@
     </p:spTree>
     <p:extLst>
       <p:ext uri="{BB962C8B-B14F-4D97-AF65-F5344CB8AC3E}">
-        <p14:creationId xmlns:p14="http://schemas.microsoft.com/office/powerpoint/2010/main" val="2586634748"/>
+        <p14:creationId xmlns:p14="http://schemas.microsoft.com/office/powerpoint/2010/main" val="3832808486"/>
       </p:ext>
     </p:extLst>
   </p:cSld>
@@ -5617,13 +5300,7 @@
       </p:grpSpPr>
       <p:sp>
         <p:nvSpPr>
-          <p:cNvPr id="2" name="Title 1">
-            <a:extLst>
-              <a:ext uri="{FF2B5EF4-FFF2-40B4-BE49-F238E27FC236}">
-                <a16:creationId xmlns:a16="http://schemas.microsoft.com/office/drawing/2014/main" id="{1CD3D635-BE83-EC23-C78B-89B36925C899}"/>
-              </a:ext>
-            </a:extLst>
-          </p:cNvPr>
+          <p:cNvPr id="2" name="Title 1"/>
           <p:cNvSpPr>
             <a:spLocks noGrp="1"/>
           </p:cNvSpPr>
@@ -5633,15 +5310,15 @@
         </p:nvSpPr>
         <p:spPr>
           <a:xfrm>
-            <a:off x="839788" y="457200"/>
-            <a:ext cx="3932237" cy="1600200"/>
+            <a:off x="839788" y="609600"/>
+            <a:ext cx="3932237" cy="2133600"/>
           </a:xfrm>
         </p:spPr>
         <p:txBody>
           <a:bodyPr anchor="b"/>
           <a:lstStyle>
             <a:lvl1pPr>
-              <a:defRPr sz="3200"/>
+              <a:defRPr sz="4267"/>
             </a:lvl1pPr>
           </a:lstStyle>
           <a:p>
@@ -5649,20 +5326,15 @@
               <a:rPr lang="en-US"/>
               <a:t>Click to edit Master title style</a:t>
             </a:r>
-          </a:p>
-        </p:txBody>
-      </p:sp>
-      <p:sp>
-        <p:nvSpPr>
-          <p:cNvPr id="3" name="Picture Placeholder 2">
-            <a:extLst>
-              <a:ext uri="{FF2B5EF4-FFF2-40B4-BE49-F238E27FC236}">
-                <a16:creationId xmlns:a16="http://schemas.microsoft.com/office/drawing/2014/main" id="{944A8B92-E422-53B8-665B-490F70A850A1}"/>
-              </a:ext>
-            </a:extLst>
-          </p:cNvPr>
-          <p:cNvSpPr>
-            <a:spLocks noGrp="1"/>
+            <a:endParaRPr lang="en-US" dirty="0"/>
+          </a:p>
+        </p:txBody>
+      </p:sp>
+      <p:sp>
+        <p:nvSpPr>
+          <p:cNvPr id="3" name="Picture Placeholder 2"/>
+          <p:cNvSpPr>
+            <a:spLocks noGrp="1" noChangeAspect="1"/>
           </p:cNvSpPr>
           <p:nvPr>
             <p:ph type="pic" idx="1"/>
@@ -5670,64 +5342,62 @@
         </p:nvSpPr>
         <p:spPr>
           <a:xfrm>
-            <a:off x="5183188" y="987425"/>
-            <a:ext cx="6172200" cy="4873625"/>
+            <a:off x="5183188" y="1316569"/>
+            <a:ext cx="6172200" cy="6498167"/>
           </a:xfrm>
         </p:spPr>
         <p:txBody>
-          <a:bodyPr/>
+          <a:bodyPr anchor="t"/>
           <a:lstStyle>
             <a:lvl1pPr marL="0" indent="0">
               <a:buNone/>
+              <a:defRPr sz="4267"/>
+            </a:lvl1pPr>
+            <a:lvl2pPr marL="609585" indent="0">
+              <a:buNone/>
+              <a:defRPr sz="3733"/>
+            </a:lvl2pPr>
+            <a:lvl3pPr marL="1219170" indent="0">
+              <a:buNone/>
               <a:defRPr sz="3200"/>
-            </a:lvl1pPr>
-            <a:lvl2pPr marL="457200" indent="0">
-              <a:buNone/>
-              <a:defRPr sz="2800"/>
-            </a:lvl2pPr>
-            <a:lvl3pPr marL="914400" indent="0">
-              <a:buNone/>
-              <a:defRPr sz="2400"/>
             </a:lvl3pPr>
-            <a:lvl4pPr marL="1371600" indent="0">
-              <a:buNone/>
-              <a:defRPr sz="2000"/>
+            <a:lvl4pPr marL="1828754" indent="0">
+              <a:buNone/>
+              <a:defRPr sz="2667"/>
             </a:lvl4pPr>
-            <a:lvl5pPr marL="1828800" indent="0">
-              <a:buNone/>
-              <a:defRPr sz="2000"/>
+            <a:lvl5pPr marL="2438339" indent="0">
+              <a:buNone/>
+              <a:defRPr sz="2667"/>
             </a:lvl5pPr>
-            <a:lvl6pPr marL="2286000" indent="0">
-              <a:buNone/>
-              <a:defRPr sz="2000"/>
+            <a:lvl6pPr marL="3047924" indent="0">
+              <a:buNone/>
+              <a:defRPr sz="2667"/>
             </a:lvl6pPr>
-            <a:lvl7pPr marL="2743200" indent="0">
-              <a:buNone/>
-              <a:defRPr sz="2000"/>
+            <a:lvl7pPr marL="3657509" indent="0">
+              <a:buNone/>
+              <a:defRPr sz="2667"/>
             </a:lvl7pPr>
-            <a:lvl8pPr marL="3200400" indent="0">
-              <a:buNone/>
-              <a:defRPr sz="2000"/>
+            <a:lvl8pPr marL="4267093" indent="0">
+              <a:buNone/>
+              <a:defRPr sz="2667"/>
             </a:lvl8pPr>
-            <a:lvl9pPr marL="3657600" indent="0">
-              <a:buNone/>
-              <a:defRPr sz="2000"/>
+            <a:lvl9pPr marL="4876678" indent="0">
+              <a:buNone/>
+              <a:defRPr sz="2667"/>
             </a:lvl9pPr>
           </a:lstStyle>
           <a:p>
-            <a:endParaRPr lang="en-US"/>
-          </a:p>
-        </p:txBody>
-      </p:sp>
-      <p:sp>
-        <p:nvSpPr>
-          <p:cNvPr id="4" name="Text Placeholder 3">
-            <a:extLst>
-              <a:ext uri="{FF2B5EF4-FFF2-40B4-BE49-F238E27FC236}">
-                <a16:creationId xmlns:a16="http://schemas.microsoft.com/office/drawing/2014/main" id="{D517BD93-F6CE-897F-81C1-4290EBC813F6}"/>
-              </a:ext>
-            </a:extLst>
-          </p:cNvPr>
+            <a:r>
+              <a:rPr lang="en-US"/>
+              <a:t>Click icon to add picture</a:t>
+            </a:r>
+            <a:endParaRPr lang="en-US" dirty="0"/>
+          </a:p>
+        </p:txBody>
+      </p:sp>
+      <p:sp>
+        <p:nvSpPr>
+          <p:cNvPr id="4" name="Text Placeholder 3"/>
           <p:cNvSpPr>
             <a:spLocks noGrp="1"/>
           </p:cNvSpPr>
@@ -5737,8 +5407,8 @@
         </p:nvSpPr>
         <p:spPr>
           <a:xfrm>
-            <a:off x="839788" y="2057400"/>
-            <a:ext cx="3932237" cy="3811588"/>
+            <a:off x="839788" y="2743200"/>
+            <a:ext cx="3932237" cy="5082117"/>
           </a:xfrm>
         </p:spPr>
         <p:txBody>
@@ -5746,39 +5416,39 @@
           <a:lstStyle>
             <a:lvl1pPr marL="0" indent="0">
               <a:buNone/>
+              <a:defRPr sz="2133"/>
+            </a:lvl1pPr>
+            <a:lvl2pPr marL="609585" indent="0">
+              <a:buNone/>
+              <a:defRPr sz="1867"/>
+            </a:lvl2pPr>
+            <a:lvl3pPr marL="1219170" indent="0">
+              <a:buNone/>
               <a:defRPr sz="1600"/>
-            </a:lvl1pPr>
-            <a:lvl2pPr marL="457200" indent="0">
-              <a:buNone/>
-              <a:defRPr sz="1400"/>
-            </a:lvl2pPr>
-            <a:lvl3pPr marL="914400" indent="0">
-              <a:buNone/>
-              <a:defRPr sz="1200"/>
             </a:lvl3pPr>
-            <a:lvl4pPr marL="1371600" indent="0">
-              <a:buNone/>
-              <a:defRPr sz="1000"/>
+            <a:lvl4pPr marL="1828754" indent="0">
+              <a:buNone/>
+              <a:defRPr sz="1333"/>
             </a:lvl4pPr>
-            <a:lvl5pPr marL="1828800" indent="0">
-              <a:buNone/>
-              <a:defRPr sz="1000"/>
+            <a:lvl5pPr marL="2438339" indent="0">
+              <a:buNone/>
+              <a:defRPr sz="1333"/>
             </a:lvl5pPr>
-            <a:lvl6pPr marL="2286000" indent="0">
-              <a:buNone/>
-              <a:defRPr sz="1000"/>
+            <a:lvl6pPr marL="3047924" indent="0">
+              <a:buNone/>
+              <a:defRPr sz="1333"/>
             </a:lvl6pPr>
-            <a:lvl7pPr marL="2743200" indent="0">
-              <a:buNone/>
-              <a:defRPr sz="1000"/>
+            <a:lvl7pPr marL="3657509" indent="0">
+              <a:buNone/>
+              <a:defRPr sz="1333"/>
             </a:lvl7pPr>
-            <a:lvl8pPr marL="3200400" indent="0">
-              <a:buNone/>
-              <a:defRPr sz="1000"/>
+            <a:lvl8pPr marL="4267093" indent="0">
+              <a:buNone/>
+              <a:defRPr sz="1333"/>
             </a:lvl8pPr>
-            <a:lvl9pPr marL="3657600" indent="0">
-              <a:buNone/>
-              <a:defRPr sz="1000"/>
+            <a:lvl9pPr marL="4876678" indent="0">
+              <a:buNone/>
+              <a:defRPr sz="1333"/>
             </a:lvl9pPr>
           </a:lstStyle>
           <a:p>
@@ -5792,13 +5462,7 @@
       </p:sp>
       <p:sp>
         <p:nvSpPr>
-          <p:cNvPr id="5" name="Date Placeholder 4">
-            <a:extLst>
-              <a:ext uri="{FF2B5EF4-FFF2-40B4-BE49-F238E27FC236}">
-                <a16:creationId xmlns:a16="http://schemas.microsoft.com/office/drawing/2014/main" id="{79119D89-8382-E77C-9DD4-7CA0D8006ED9}"/>
-              </a:ext>
-            </a:extLst>
-          </p:cNvPr>
+          <p:cNvPr id="5" name="Date Placeholder 4"/>
           <p:cNvSpPr>
             <a:spLocks noGrp="1"/>
           </p:cNvSpPr>
@@ -5813,7 +5477,7 @@
           <a:p>
             <a:fld id="{6FA08D01-D69F-4A5A-AB38-D270A191E98A}" type="datetimeFigureOut">
               <a:rPr lang="en-US" smtClean="0"/>
-              <a:t>6/23/2023</a:t>
+              <a:t>10/9/2023</a:t>
             </a:fld>
             <a:endParaRPr lang="en-US"/>
           </a:p>
@@ -5821,13 +5485,7 @@
       </p:sp>
       <p:sp>
         <p:nvSpPr>
-          <p:cNvPr id="6" name="Footer Placeholder 5">
-            <a:extLst>
-              <a:ext uri="{FF2B5EF4-FFF2-40B4-BE49-F238E27FC236}">
-                <a16:creationId xmlns:a16="http://schemas.microsoft.com/office/drawing/2014/main" id="{A3BADBD3-45B4-49CA-9ACF-C5E32E639DB7}"/>
-              </a:ext>
-            </a:extLst>
-          </p:cNvPr>
+          <p:cNvPr id="6" name="Footer Placeholder 5"/>
           <p:cNvSpPr>
             <a:spLocks noGrp="1"/>
           </p:cNvSpPr>
@@ -5846,13 +5504,7 @@
       </p:sp>
       <p:sp>
         <p:nvSpPr>
-          <p:cNvPr id="7" name="Slide Number Placeholder 6">
-            <a:extLst>
-              <a:ext uri="{FF2B5EF4-FFF2-40B4-BE49-F238E27FC236}">
-                <a16:creationId xmlns:a16="http://schemas.microsoft.com/office/drawing/2014/main" id="{889B6407-6C2C-F96A-7DAA-85634C50AAFB}"/>
-              </a:ext>
-            </a:extLst>
-          </p:cNvPr>
+          <p:cNvPr id="7" name="Slide Number Placeholder 6"/>
           <p:cNvSpPr>
             <a:spLocks noGrp="1"/>
           </p:cNvSpPr>
@@ -5876,7 +5528,7 @@
     </p:spTree>
     <p:extLst>
       <p:ext uri="{BB962C8B-B14F-4D97-AF65-F5344CB8AC3E}">
-        <p14:creationId xmlns:p14="http://schemas.microsoft.com/office/powerpoint/2010/main" val="1676024662"/>
+        <p14:creationId xmlns:p14="http://schemas.microsoft.com/office/powerpoint/2010/main" val="1605137282"/>
       </p:ext>
     </p:extLst>
   </p:cSld>
@@ -5910,13 +5562,7 @@
       </p:grpSpPr>
       <p:sp>
         <p:nvSpPr>
-          <p:cNvPr id="2" name="Title Placeholder 1">
-            <a:extLst>
-              <a:ext uri="{FF2B5EF4-FFF2-40B4-BE49-F238E27FC236}">
-                <a16:creationId xmlns:a16="http://schemas.microsoft.com/office/drawing/2014/main" id="{82BE9C5B-05E0-370B-D886-D8DB142EE0C8}"/>
-              </a:ext>
-            </a:extLst>
-          </p:cNvPr>
+          <p:cNvPr id="2" name="Title Placeholder 1"/>
           <p:cNvSpPr>
             <a:spLocks noGrp="1"/>
           </p:cNvSpPr>
@@ -5926,8 +5572,8 @@
         </p:nvSpPr>
         <p:spPr>
           <a:xfrm>
-            <a:off x="838200" y="365125"/>
-            <a:ext cx="10515600" cy="1325563"/>
+            <a:off x="838200" y="486836"/>
+            <a:ext cx="10515600" cy="1767417"/>
           </a:xfrm>
           <a:prstGeom prst="rect">
             <a:avLst/>
@@ -5943,18 +5589,13 @@
               <a:rPr lang="en-US"/>
               <a:t>Click to edit Master title style</a:t>
             </a:r>
-          </a:p>
-        </p:txBody>
-      </p:sp>
-      <p:sp>
-        <p:nvSpPr>
-          <p:cNvPr id="3" name="Text Placeholder 2">
-            <a:extLst>
-              <a:ext uri="{FF2B5EF4-FFF2-40B4-BE49-F238E27FC236}">
-                <a16:creationId xmlns:a16="http://schemas.microsoft.com/office/drawing/2014/main" id="{613D0BF7-A774-2DFB-F2FB-D6C44623C0AF}"/>
-              </a:ext>
-            </a:extLst>
-          </p:cNvPr>
+            <a:endParaRPr lang="en-US" dirty="0"/>
+          </a:p>
+        </p:txBody>
+      </p:sp>
+      <p:sp>
+        <p:nvSpPr>
+          <p:cNvPr id="3" name="Text Placeholder 2"/>
           <p:cNvSpPr>
             <a:spLocks noGrp="1"/>
           </p:cNvSpPr>
@@ -5964,8 +5605,8 @@
         </p:nvSpPr>
         <p:spPr>
           <a:xfrm>
-            <a:off x="838200" y="1825625"/>
-            <a:ext cx="10515600" cy="4351338"/>
+            <a:off x="838200" y="2434167"/>
+            <a:ext cx="10515600" cy="5801784"/>
           </a:xfrm>
           <a:prstGeom prst="rect">
             <a:avLst/>
@@ -6010,18 +5651,13 @@
               <a:rPr lang="en-US"/>
               <a:t>Fifth level</a:t>
             </a:r>
-          </a:p>
-        </p:txBody>
-      </p:sp>
-      <p:sp>
-        <p:nvSpPr>
-          <p:cNvPr id="4" name="Date Placeholder 3">
-            <a:extLst>
-              <a:ext uri="{FF2B5EF4-FFF2-40B4-BE49-F238E27FC236}">
-                <a16:creationId xmlns:a16="http://schemas.microsoft.com/office/drawing/2014/main" id="{9532D941-EEC4-65E3-985A-A38CB29F5D43}"/>
-              </a:ext>
-            </a:extLst>
-          </p:cNvPr>
+            <a:endParaRPr lang="en-US" dirty="0"/>
+          </a:p>
+        </p:txBody>
+      </p:sp>
+      <p:sp>
+        <p:nvSpPr>
+          <p:cNvPr id="4" name="Date Placeholder 3"/>
           <p:cNvSpPr>
             <a:spLocks noGrp="1"/>
           </p:cNvSpPr>
@@ -6031,8 +5667,8 @@
         </p:nvSpPr>
         <p:spPr>
           <a:xfrm>
-            <a:off x="838200" y="6356350"/>
-            <a:ext cx="2743200" cy="365125"/>
+            <a:off x="838200" y="8475136"/>
+            <a:ext cx="2743200" cy="486833"/>
           </a:xfrm>
           <a:prstGeom prst="rect">
             <a:avLst/>
@@ -6042,7 +5678,7 @@
           <a:bodyPr vert="horz" lIns="91440" tIns="45720" rIns="91440" bIns="45720" rtlCol="0" anchor="ctr"/>
           <a:lstStyle>
             <a:lvl1pPr algn="l">
-              <a:defRPr sz="1200">
+              <a:defRPr sz="1600">
                 <a:solidFill>
                   <a:schemeClr val="tx1">
                     <a:tint val="75000"/>
@@ -6054,7 +5690,7 @@
           <a:p>
             <a:fld id="{6FA08D01-D69F-4A5A-AB38-D270A191E98A}" type="datetimeFigureOut">
               <a:rPr lang="en-US" smtClean="0"/>
-              <a:t>6/23/2023</a:t>
+              <a:t>10/9/2023</a:t>
             </a:fld>
             <a:endParaRPr lang="en-US"/>
           </a:p>
@@ -6062,13 +5698,7 @@
       </p:sp>
       <p:sp>
         <p:nvSpPr>
-          <p:cNvPr id="5" name="Footer Placeholder 4">
-            <a:extLst>
-              <a:ext uri="{FF2B5EF4-FFF2-40B4-BE49-F238E27FC236}">
-                <a16:creationId xmlns:a16="http://schemas.microsoft.com/office/drawing/2014/main" id="{35E640D5-7319-5100-0183-278EE0AFCABA}"/>
-              </a:ext>
-            </a:extLst>
-          </p:cNvPr>
+          <p:cNvPr id="5" name="Footer Placeholder 4"/>
           <p:cNvSpPr>
             <a:spLocks noGrp="1"/>
           </p:cNvSpPr>
@@ -6078,8 +5708,8 @@
         </p:nvSpPr>
         <p:spPr>
           <a:xfrm>
-            <a:off x="4038600" y="6356350"/>
-            <a:ext cx="4114800" cy="365125"/>
+            <a:off x="4038600" y="8475136"/>
+            <a:ext cx="4114800" cy="486833"/>
           </a:xfrm>
           <a:prstGeom prst="rect">
             <a:avLst/>
@@ -6089,7 +5719,7 @@
           <a:bodyPr vert="horz" lIns="91440" tIns="45720" rIns="91440" bIns="45720" rtlCol="0" anchor="ctr"/>
           <a:lstStyle>
             <a:lvl1pPr algn="ctr">
-              <a:defRPr sz="1200">
+              <a:defRPr sz="1600">
                 <a:solidFill>
                   <a:schemeClr val="tx1">
                     <a:tint val="75000"/>
@@ -6105,13 +5735,7 @@
       </p:sp>
       <p:sp>
         <p:nvSpPr>
-          <p:cNvPr id="6" name="Slide Number Placeholder 5">
-            <a:extLst>
-              <a:ext uri="{FF2B5EF4-FFF2-40B4-BE49-F238E27FC236}">
-                <a16:creationId xmlns:a16="http://schemas.microsoft.com/office/drawing/2014/main" id="{BF0509BD-31B8-E63F-24F8-34E0F3180FC0}"/>
-              </a:ext>
-            </a:extLst>
-          </p:cNvPr>
+          <p:cNvPr id="6" name="Slide Number Placeholder 5"/>
           <p:cNvSpPr>
             <a:spLocks noGrp="1"/>
           </p:cNvSpPr>
@@ -6121,8 +5745,8 @@
         </p:nvSpPr>
         <p:spPr>
           <a:xfrm>
-            <a:off x="8610600" y="6356350"/>
-            <a:ext cx="2743200" cy="365125"/>
+            <a:off x="8610600" y="8475136"/>
+            <a:ext cx="2743200" cy="486833"/>
           </a:xfrm>
           <a:prstGeom prst="rect">
             <a:avLst/>
@@ -6132,7 +5756,7 @@
           <a:bodyPr vert="horz" lIns="91440" tIns="45720" rIns="91440" bIns="45720" rtlCol="0" anchor="ctr"/>
           <a:lstStyle>
             <a:lvl1pPr algn="r">
-              <a:defRPr sz="1200">
+              <a:defRPr sz="1600">
                 <a:solidFill>
                   <a:schemeClr val="tx1">
                     <a:tint val="75000"/>
@@ -6153,27 +5777,27 @@
     </p:spTree>
     <p:extLst>
       <p:ext uri="{BB962C8B-B14F-4D97-AF65-F5344CB8AC3E}">
-        <p14:creationId xmlns:p14="http://schemas.microsoft.com/office/powerpoint/2010/main" val="2717433050"/>
+        <p14:creationId xmlns:p14="http://schemas.microsoft.com/office/powerpoint/2010/main" val="3836030590"/>
       </p:ext>
     </p:extLst>
   </p:cSld>
   <p:clrMap bg1="lt1" tx1="dk1" bg2="lt2" tx2="dk2" accent1="accent1" accent2="accent2" accent3="accent3" accent4="accent4" accent5="accent5" accent6="accent6" hlink="hlink" folHlink="folHlink"/>
   <p:sldLayoutIdLst>
-    <p:sldLayoutId id="2147483649" r:id="rId1"/>
-    <p:sldLayoutId id="2147483650" r:id="rId2"/>
-    <p:sldLayoutId id="2147483651" r:id="rId3"/>
-    <p:sldLayoutId id="2147483652" r:id="rId4"/>
-    <p:sldLayoutId id="2147483653" r:id="rId5"/>
-    <p:sldLayoutId id="2147483654" r:id="rId6"/>
-    <p:sldLayoutId id="2147483655" r:id="rId7"/>
-    <p:sldLayoutId id="2147483656" r:id="rId8"/>
-    <p:sldLayoutId id="2147483657" r:id="rId9"/>
-    <p:sldLayoutId id="2147483658" r:id="rId10"/>
-    <p:sldLayoutId id="2147483659" r:id="rId11"/>
+    <p:sldLayoutId id="2147483673" r:id="rId1"/>
+    <p:sldLayoutId id="2147483674" r:id="rId2"/>
+    <p:sldLayoutId id="2147483675" r:id="rId3"/>
+    <p:sldLayoutId id="2147483676" r:id="rId4"/>
+    <p:sldLayoutId id="2147483677" r:id="rId5"/>
+    <p:sldLayoutId id="2147483678" r:id="rId6"/>
+    <p:sldLayoutId id="2147483679" r:id="rId7"/>
+    <p:sldLayoutId id="2147483680" r:id="rId8"/>
+    <p:sldLayoutId id="2147483681" r:id="rId9"/>
+    <p:sldLayoutId id="2147483682" r:id="rId10"/>
+    <p:sldLayoutId id="2147483683" r:id="rId11"/>
   </p:sldLayoutIdLst>
   <p:txStyles>
     <p:titleStyle>
-      <a:lvl1pPr algn="l" defTabSz="914400" rtl="0" eaLnBrk="1" latinLnBrk="0" hangingPunct="1">
+      <a:lvl1pPr algn="l" defTabSz="1219170" rtl="0" eaLnBrk="1" latinLnBrk="0" hangingPunct="1">
         <a:lnSpc>
           <a:spcPct val="90000"/>
         </a:lnSpc>
@@ -6181,7 +5805,7 @@
           <a:spcPct val="0"/>
         </a:spcBef>
         <a:buNone/>
-        <a:defRPr sz="4400" kern="1200">
+        <a:defRPr sz="5867" kern="1200">
           <a:solidFill>
             <a:schemeClr val="tx1"/>
           </a:solidFill>
@@ -6192,16 +5816,16 @@
       </a:lvl1pPr>
     </p:titleStyle>
     <p:bodyStyle>
-      <a:lvl1pPr marL="228600" indent="-228600" algn="l" defTabSz="914400" rtl="0" eaLnBrk="1" latinLnBrk="0" hangingPunct="1">
+      <a:lvl1pPr marL="304792" indent="-304792" algn="l" defTabSz="1219170" rtl="0" eaLnBrk="1" latinLnBrk="0" hangingPunct="1">
         <a:lnSpc>
           <a:spcPct val="90000"/>
         </a:lnSpc>
         <a:spcBef>
-          <a:spcPts val="1000"/>
+          <a:spcPts val="1333"/>
         </a:spcBef>
         <a:buFont typeface="Arial" panose="020B0604020202020204" pitchFamily="34" charset="0"/>
         <a:buChar char="•"/>
-        <a:defRPr sz="2800" kern="1200">
+        <a:defRPr sz="3733" kern="1200">
           <a:solidFill>
             <a:schemeClr val="tx1"/>
           </a:solidFill>
@@ -6210,12 +5834,48 @@
           <a:cs typeface="+mn-cs"/>
         </a:defRPr>
       </a:lvl1pPr>
-      <a:lvl2pPr marL="685800" indent="-228600" algn="l" defTabSz="914400" rtl="0" eaLnBrk="1" latinLnBrk="0" hangingPunct="1">
+      <a:lvl2pPr marL="914377" indent="-304792" algn="l" defTabSz="1219170" rtl="0" eaLnBrk="1" latinLnBrk="0" hangingPunct="1">
         <a:lnSpc>
           <a:spcPct val="90000"/>
         </a:lnSpc>
         <a:spcBef>
-          <a:spcPts val="500"/>
+          <a:spcPts val="667"/>
+        </a:spcBef>
+        <a:buFont typeface="Arial" panose="020B0604020202020204" pitchFamily="34" charset="0"/>
+        <a:buChar char="•"/>
+        <a:defRPr sz="3200" kern="1200">
+          <a:solidFill>
+            <a:schemeClr val="tx1"/>
+          </a:solidFill>
+          <a:latin typeface="+mn-lt"/>
+          <a:ea typeface="+mn-ea"/>
+          <a:cs typeface="+mn-cs"/>
+        </a:defRPr>
+      </a:lvl2pPr>
+      <a:lvl3pPr marL="1523962" indent="-304792" algn="l" defTabSz="1219170" rtl="0" eaLnBrk="1" latinLnBrk="0" hangingPunct="1">
+        <a:lnSpc>
+          <a:spcPct val="90000"/>
+        </a:lnSpc>
+        <a:spcBef>
+          <a:spcPts val="667"/>
+        </a:spcBef>
+        <a:buFont typeface="Arial" panose="020B0604020202020204" pitchFamily="34" charset="0"/>
+        <a:buChar char="•"/>
+        <a:defRPr sz="2667" kern="1200">
+          <a:solidFill>
+            <a:schemeClr val="tx1"/>
+          </a:solidFill>
+          <a:latin typeface="+mn-lt"/>
+          <a:ea typeface="+mn-ea"/>
+          <a:cs typeface="+mn-cs"/>
+        </a:defRPr>
+      </a:lvl3pPr>
+      <a:lvl4pPr marL="2133547" indent="-304792" algn="l" defTabSz="1219170" rtl="0" eaLnBrk="1" latinLnBrk="0" hangingPunct="1">
+        <a:lnSpc>
+          <a:spcPct val="90000"/>
+        </a:lnSpc>
+        <a:spcBef>
+          <a:spcPts val="667"/>
         </a:spcBef>
         <a:buFont typeface="Arial" panose="020B0604020202020204" pitchFamily="34" charset="0"/>
         <a:buChar char="•"/>
@@ -6227,53 +5887,17 @@
           <a:ea typeface="+mn-ea"/>
           <a:cs typeface="+mn-cs"/>
         </a:defRPr>
-      </a:lvl2pPr>
-      <a:lvl3pPr marL="1143000" indent="-228600" algn="l" defTabSz="914400" rtl="0" eaLnBrk="1" latinLnBrk="0" hangingPunct="1">
+      </a:lvl4pPr>
+      <a:lvl5pPr marL="2743131" indent="-304792" algn="l" defTabSz="1219170" rtl="0" eaLnBrk="1" latinLnBrk="0" hangingPunct="1">
         <a:lnSpc>
           <a:spcPct val="90000"/>
         </a:lnSpc>
         <a:spcBef>
-          <a:spcPts val="500"/>
+          <a:spcPts val="667"/>
         </a:spcBef>
         <a:buFont typeface="Arial" panose="020B0604020202020204" pitchFamily="34" charset="0"/>
         <a:buChar char="•"/>
-        <a:defRPr sz="2000" kern="1200">
-          <a:solidFill>
-            <a:schemeClr val="tx1"/>
-          </a:solidFill>
-          <a:latin typeface="+mn-lt"/>
-          <a:ea typeface="+mn-ea"/>
-          <a:cs typeface="+mn-cs"/>
-        </a:defRPr>
-      </a:lvl3pPr>
-      <a:lvl4pPr marL="1600200" indent="-228600" algn="l" defTabSz="914400" rtl="0" eaLnBrk="1" latinLnBrk="0" hangingPunct="1">
-        <a:lnSpc>
-          <a:spcPct val="90000"/>
-        </a:lnSpc>
-        <a:spcBef>
-          <a:spcPts val="500"/>
-        </a:spcBef>
-        <a:buFont typeface="Arial" panose="020B0604020202020204" pitchFamily="34" charset="0"/>
-        <a:buChar char="•"/>
-        <a:defRPr sz="1800" kern="1200">
-          <a:solidFill>
-            <a:schemeClr val="tx1"/>
-          </a:solidFill>
-          <a:latin typeface="+mn-lt"/>
-          <a:ea typeface="+mn-ea"/>
-          <a:cs typeface="+mn-cs"/>
-        </a:defRPr>
-      </a:lvl4pPr>
-      <a:lvl5pPr marL="2057400" indent="-228600" algn="l" defTabSz="914400" rtl="0" eaLnBrk="1" latinLnBrk="0" hangingPunct="1">
-        <a:lnSpc>
-          <a:spcPct val="90000"/>
-        </a:lnSpc>
-        <a:spcBef>
-          <a:spcPts val="500"/>
-        </a:spcBef>
-        <a:buFont typeface="Arial" panose="020B0604020202020204" pitchFamily="34" charset="0"/>
-        <a:buChar char="•"/>
-        <a:defRPr sz="1800" kern="1200">
+        <a:defRPr sz="2400" kern="1200">
           <a:solidFill>
             <a:schemeClr val="tx1"/>
           </a:solidFill>
@@ -6282,16 +5906,16 @@
           <a:cs typeface="+mn-cs"/>
         </a:defRPr>
       </a:lvl5pPr>
-      <a:lvl6pPr marL="2514600" indent="-228600" algn="l" defTabSz="914400" rtl="0" eaLnBrk="1" latinLnBrk="0" hangingPunct="1">
+      <a:lvl6pPr marL="3352716" indent="-304792" algn="l" defTabSz="1219170" rtl="0" eaLnBrk="1" latinLnBrk="0" hangingPunct="1">
         <a:lnSpc>
           <a:spcPct val="90000"/>
         </a:lnSpc>
         <a:spcBef>
-          <a:spcPts val="500"/>
+          <a:spcPts val="667"/>
         </a:spcBef>
         <a:buFont typeface="Arial" panose="020B0604020202020204" pitchFamily="34" charset="0"/>
         <a:buChar char="•"/>
-        <a:defRPr sz="1800" kern="1200">
+        <a:defRPr sz="2400" kern="1200">
           <a:solidFill>
             <a:schemeClr val="tx1"/>
           </a:solidFill>
@@ -6300,16 +5924,16 @@
           <a:cs typeface="+mn-cs"/>
         </a:defRPr>
       </a:lvl6pPr>
-      <a:lvl7pPr marL="2971800" indent="-228600" algn="l" defTabSz="914400" rtl="0" eaLnBrk="1" latinLnBrk="0" hangingPunct="1">
+      <a:lvl7pPr marL="3962301" indent="-304792" algn="l" defTabSz="1219170" rtl="0" eaLnBrk="1" latinLnBrk="0" hangingPunct="1">
         <a:lnSpc>
           <a:spcPct val="90000"/>
         </a:lnSpc>
         <a:spcBef>
-          <a:spcPts val="500"/>
+          <a:spcPts val="667"/>
         </a:spcBef>
         <a:buFont typeface="Arial" panose="020B0604020202020204" pitchFamily="34" charset="0"/>
         <a:buChar char="•"/>
-        <a:defRPr sz="1800" kern="1200">
+        <a:defRPr sz="2400" kern="1200">
           <a:solidFill>
             <a:schemeClr val="tx1"/>
           </a:solidFill>
@@ -6318,16 +5942,16 @@
           <a:cs typeface="+mn-cs"/>
         </a:defRPr>
       </a:lvl7pPr>
-      <a:lvl8pPr marL="3429000" indent="-228600" algn="l" defTabSz="914400" rtl="0" eaLnBrk="1" latinLnBrk="0" hangingPunct="1">
+      <a:lvl8pPr marL="4571886" indent="-304792" algn="l" defTabSz="1219170" rtl="0" eaLnBrk="1" latinLnBrk="0" hangingPunct="1">
         <a:lnSpc>
           <a:spcPct val="90000"/>
         </a:lnSpc>
         <a:spcBef>
-          <a:spcPts val="500"/>
+          <a:spcPts val="667"/>
         </a:spcBef>
         <a:buFont typeface="Arial" panose="020B0604020202020204" pitchFamily="34" charset="0"/>
         <a:buChar char="•"/>
-        <a:defRPr sz="1800" kern="1200">
+        <a:defRPr sz="2400" kern="1200">
           <a:solidFill>
             <a:schemeClr val="tx1"/>
           </a:solidFill>
@@ -6336,16 +5960,16 @@
           <a:cs typeface="+mn-cs"/>
         </a:defRPr>
       </a:lvl8pPr>
-      <a:lvl9pPr marL="3886200" indent="-228600" algn="l" defTabSz="914400" rtl="0" eaLnBrk="1" latinLnBrk="0" hangingPunct="1">
+      <a:lvl9pPr marL="5181470" indent="-304792" algn="l" defTabSz="1219170" rtl="0" eaLnBrk="1" latinLnBrk="0" hangingPunct="1">
         <a:lnSpc>
           <a:spcPct val="90000"/>
         </a:lnSpc>
         <a:spcBef>
-          <a:spcPts val="500"/>
+          <a:spcPts val="667"/>
         </a:spcBef>
         <a:buFont typeface="Arial" panose="020B0604020202020204" pitchFamily="34" charset="0"/>
         <a:buChar char="•"/>
-        <a:defRPr sz="1800" kern="1200">
+        <a:defRPr sz="2400" kern="1200">
           <a:solidFill>
             <a:schemeClr val="tx1"/>
           </a:solidFill>
@@ -6359,8 +5983,8 @@
       <a:defPPr>
         <a:defRPr lang="en-US"/>
       </a:defPPr>
-      <a:lvl1pPr marL="0" algn="l" defTabSz="914400" rtl="0" eaLnBrk="1" latinLnBrk="0" hangingPunct="1">
-        <a:defRPr sz="1800" kern="1200">
+      <a:lvl1pPr marL="0" algn="l" defTabSz="1219170" rtl="0" eaLnBrk="1" latinLnBrk="0" hangingPunct="1">
+        <a:defRPr sz="2400" kern="1200">
           <a:solidFill>
             <a:schemeClr val="tx1"/>
           </a:solidFill>
@@ -6369,8 +5993,8 @@
           <a:cs typeface="+mn-cs"/>
         </a:defRPr>
       </a:lvl1pPr>
-      <a:lvl2pPr marL="457200" algn="l" defTabSz="914400" rtl="0" eaLnBrk="1" latinLnBrk="0" hangingPunct="1">
-        <a:defRPr sz="1800" kern="1200">
+      <a:lvl2pPr marL="609585" algn="l" defTabSz="1219170" rtl="0" eaLnBrk="1" latinLnBrk="0" hangingPunct="1">
+        <a:defRPr sz="2400" kern="1200">
           <a:solidFill>
             <a:schemeClr val="tx1"/>
           </a:solidFill>
@@ -6379,8 +6003,8 @@
           <a:cs typeface="+mn-cs"/>
         </a:defRPr>
       </a:lvl2pPr>
-      <a:lvl3pPr marL="914400" algn="l" defTabSz="914400" rtl="0" eaLnBrk="1" latinLnBrk="0" hangingPunct="1">
-        <a:defRPr sz="1800" kern="1200">
+      <a:lvl3pPr marL="1219170" algn="l" defTabSz="1219170" rtl="0" eaLnBrk="1" latinLnBrk="0" hangingPunct="1">
+        <a:defRPr sz="2400" kern="1200">
           <a:solidFill>
             <a:schemeClr val="tx1"/>
           </a:solidFill>
@@ -6389,8 +6013,8 @@
           <a:cs typeface="+mn-cs"/>
         </a:defRPr>
       </a:lvl3pPr>
-      <a:lvl4pPr marL="1371600" algn="l" defTabSz="914400" rtl="0" eaLnBrk="1" latinLnBrk="0" hangingPunct="1">
-        <a:defRPr sz="1800" kern="1200">
+      <a:lvl4pPr marL="1828754" algn="l" defTabSz="1219170" rtl="0" eaLnBrk="1" latinLnBrk="0" hangingPunct="1">
+        <a:defRPr sz="2400" kern="1200">
           <a:solidFill>
             <a:schemeClr val="tx1"/>
           </a:solidFill>
@@ -6399,8 +6023,8 @@
           <a:cs typeface="+mn-cs"/>
         </a:defRPr>
       </a:lvl4pPr>
-      <a:lvl5pPr marL="1828800" algn="l" defTabSz="914400" rtl="0" eaLnBrk="1" latinLnBrk="0" hangingPunct="1">
-        <a:defRPr sz="1800" kern="1200">
+      <a:lvl5pPr marL="2438339" algn="l" defTabSz="1219170" rtl="0" eaLnBrk="1" latinLnBrk="0" hangingPunct="1">
+        <a:defRPr sz="2400" kern="1200">
           <a:solidFill>
             <a:schemeClr val="tx1"/>
           </a:solidFill>
@@ -6409,8 +6033,8 @@
           <a:cs typeface="+mn-cs"/>
         </a:defRPr>
       </a:lvl5pPr>
-      <a:lvl6pPr marL="2286000" algn="l" defTabSz="914400" rtl="0" eaLnBrk="1" latinLnBrk="0" hangingPunct="1">
-        <a:defRPr sz="1800" kern="1200">
+      <a:lvl6pPr marL="3047924" algn="l" defTabSz="1219170" rtl="0" eaLnBrk="1" latinLnBrk="0" hangingPunct="1">
+        <a:defRPr sz="2400" kern="1200">
           <a:solidFill>
             <a:schemeClr val="tx1"/>
           </a:solidFill>
@@ -6419,8 +6043,8 @@
           <a:cs typeface="+mn-cs"/>
         </a:defRPr>
       </a:lvl6pPr>
-      <a:lvl7pPr marL="2743200" algn="l" defTabSz="914400" rtl="0" eaLnBrk="1" latinLnBrk="0" hangingPunct="1">
-        <a:defRPr sz="1800" kern="1200">
+      <a:lvl7pPr marL="3657509" algn="l" defTabSz="1219170" rtl="0" eaLnBrk="1" latinLnBrk="0" hangingPunct="1">
+        <a:defRPr sz="2400" kern="1200">
           <a:solidFill>
             <a:schemeClr val="tx1"/>
           </a:solidFill>
@@ -6429,8 +6053,8 @@
           <a:cs typeface="+mn-cs"/>
         </a:defRPr>
       </a:lvl7pPr>
-      <a:lvl8pPr marL="3200400" algn="l" defTabSz="914400" rtl="0" eaLnBrk="1" latinLnBrk="0" hangingPunct="1">
-        <a:defRPr sz="1800" kern="1200">
+      <a:lvl8pPr marL="4267093" algn="l" defTabSz="1219170" rtl="0" eaLnBrk="1" latinLnBrk="0" hangingPunct="1">
+        <a:defRPr sz="2400" kern="1200">
           <a:solidFill>
             <a:schemeClr val="tx1"/>
           </a:solidFill>
@@ -6439,8 +6063,8 @@
           <a:cs typeface="+mn-cs"/>
         </a:defRPr>
       </a:lvl8pPr>
-      <a:lvl9pPr marL="3657600" algn="l" defTabSz="914400" rtl="0" eaLnBrk="1" latinLnBrk="0" hangingPunct="1">
-        <a:defRPr sz="1800" kern="1200">
+      <a:lvl9pPr marL="4876678" algn="l" defTabSz="1219170" rtl="0" eaLnBrk="1" latinLnBrk="0" hangingPunct="1">
+        <a:defRPr sz="2400" kern="1200">
           <a:solidFill>
             <a:schemeClr val="tx1"/>
           </a:solidFill>
@@ -6488,8 +6112,8 @@
         </p:nvSpPr>
         <p:spPr>
           <a:xfrm>
-            <a:off x="838200" y="365128"/>
-            <a:ext cx="10515600" cy="1325563"/>
+            <a:off x="838200" y="486836"/>
+            <a:ext cx="10515600" cy="1767417"/>
           </a:xfrm>
           <a:prstGeom prst="rect">
             <a:avLst/>
@@ -6521,8 +6145,8 @@
         </p:nvSpPr>
         <p:spPr>
           <a:xfrm>
-            <a:off x="838200" y="1825625"/>
-            <a:ext cx="10515600" cy="4351338"/>
+            <a:off x="838200" y="2434167"/>
+            <a:ext cx="10515600" cy="5801784"/>
           </a:xfrm>
           <a:prstGeom prst="rect">
             <a:avLst/>
@@ -6583,8 +6207,8 @@
         </p:nvSpPr>
         <p:spPr>
           <a:xfrm>
-            <a:off x="838200" y="6356353"/>
-            <a:ext cx="2743200" cy="365125"/>
+            <a:off x="838200" y="8475136"/>
+            <a:ext cx="2743200" cy="486833"/>
           </a:xfrm>
           <a:prstGeom prst="rect">
             <a:avLst/>
@@ -6594,7 +6218,7 @@
           <a:bodyPr vert="horz" lIns="91440" tIns="45720" rIns="91440" bIns="45720" rtlCol="0" anchor="ctr"/>
           <a:lstStyle>
             <a:lvl1pPr algn="l">
-              <a:defRPr sz="1200">
+              <a:defRPr sz="1600">
                 <a:solidFill>
                   <a:schemeClr val="tx1">
                     <a:tint val="75000"/>
@@ -6606,7 +6230,7 @@
           <a:p>
             <a:fld id="{A8B27BE4-E27A-41D6-9DF3-963E3EE331C4}" type="datetimeFigureOut">
               <a:rPr lang="en-US" smtClean="0"/>
-              <a:t>6/23/2023</a:t>
+              <a:t>10/9/2023</a:t>
             </a:fld>
             <a:endParaRPr lang="en-US"/>
           </a:p>
@@ -6624,8 +6248,8 @@
         </p:nvSpPr>
         <p:spPr>
           <a:xfrm>
-            <a:off x="4038600" y="6356353"/>
-            <a:ext cx="4114800" cy="365125"/>
+            <a:off x="4038600" y="8475136"/>
+            <a:ext cx="4114800" cy="486833"/>
           </a:xfrm>
           <a:prstGeom prst="rect">
             <a:avLst/>
@@ -6635,7 +6259,7 @@
           <a:bodyPr vert="horz" lIns="91440" tIns="45720" rIns="91440" bIns="45720" rtlCol="0" anchor="ctr"/>
           <a:lstStyle>
             <a:lvl1pPr algn="ctr">
-              <a:defRPr sz="1200">
+              <a:defRPr sz="1600">
                 <a:solidFill>
                   <a:schemeClr val="tx1">
                     <a:tint val="75000"/>
@@ -6661,8 +6285,8 @@
         </p:nvSpPr>
         <p:spPr>
           <a:xfrm>
-            <a:off x="8610600" y="6356353"/>
-            <a:ext cx="2743200" cy="365125"/>
+            <a:off x="8610600" y="8475136"/>
+            <a:ext cx="2743200" cy="486833"/>
           </a:xfrm>
           <a:prstGeom prst="rect">
             <a:avLst/>
@@ -6672,7 +6296,7 @@
           <a:bodyPr vert="horz" lIns="91440" tIns="45720" rIns="91440" bIns="45720" rtlCol="0" anchor="ctr"/>
           <a:lstStyle>
             <a:lvl1pPr algn="r">
-              <a:defRPr sz="1200">
+              <a:defRPr sz="1600">
                 <a:solidFill>
                   <a:schemeClr val="tx1">
                     <a:tint val="75000"/>
@@ -6693,27 +6317,27 @@
     </p:spTree>
     <p:extLst>
       <p:ext uri="{BB962C8B-B14F-4D97-AF65-F5344CB8AC3E}">
-        <p14:creationId xmlns:p14="http://schemas.microsoft.com/office/powerpoint/2010/main" val="201895810"/>
+        <p14:creationId xmlns:p14="http://schemas.microsoft.com/office/powerpoint/2010/main" val="3122652644"/>
       </p:ext>
     </p:extLst>
   </p:cSld>
   <p:clrMap bg1="lt1" tx1="dk1" bg2="lt2" tx2="dk2" accent1="accent1" accent2="accent2" accent3="accent3" accent4="accent4" accent5="accent5" accent6="accent6" hlink="hlink" folHlink="folHlink"/>
   <p:sldLayoutIdLst>
-    <p:sldLayoutId id="2147483661" r:id="rId1"/>
-    <p:sldLayoutId id="2147483662" r:id="rId2"/>
-    <p:sldLayoutId id="2147483663" r:id="rId3"/>
-    <p:sldLayoutId id="2147483664" r:id="rId4"/>
-    <p:sldLayoutId id="2147483665" r:id="rId5"/>
-    <p:sldLayoutId id="2147483666" r:id="rId6"/>
-    <p:sldLayoutId id="2147483667" r:id="rId7"/>
-    <p:sldLayoutId id="2147483668" r:id="rId8"/>
-    <p:sldLayoutId id="2147483669" r:id="rId9"/>
-    <p:sldLayoutId id="2147483670" r:id="rId10"/>
-    <p:sldLayoutId id="2147483671" r:id="rId11"/>
+    <p:sldLayoutId id="2147483685" r:id="rId1"/>
+    <p:sldLayoutId id="2147483686" r:id="rId2"/>
+    <p:sldLayoutId id="2147483687" r:id="rId3"/>
+    <p:sldLayoutId id="2147483688" r:id="rId4"/>
+    <p:sldLayoutId id="2147483689" r:id="rId5"/>
+    <p:sldLayoutId id="2147483690" r:id="rId6"/>
+    <p:sldLayoutId id="2147483691" r:id="rId7"/>
+    <p:sldLayoutId id="2147483692" r:id="rId8"/>
+    <p:sldLayoutId id="2147483693" r:id="rId9"/>
+    <p:sldLayoutId id="2147483694" r:id="rId10"/>
+    <p:sldLayoutId id="2147483695" r:id="rId11"/>
   </p:sldLayoutIdLst>
   <p:txStyles>
     <p:titleStyle>
-      <a:lvl1pPr algn="l" defTabSz="914400" rtl="0" eaLnBrk="1" latinLnBrk="0" hangingPunct="1">
+      <a:lvl1pPr algn="l" defTabSz="1219170" rtl="0" eaLnBrk="1" latinLnBrk="0" hangingPunct="1">
         <a:lnSpc>
           <a:spcPct val="90000"/>
         </a:lnSpc>
@@ -6721,7 +6345,7 @@
           <a:spcPct val="0"/>
         </a:spcBef>
         <a:buNone/>
-        <a:defRPr sz="4400" kern="1200">
+        <a:defRPr sz="5867" kern="1200">
           <a:solidFill>
             <a:schemeClr val="tx1"/>
           </a:solidFill>
@@ -6732,16 +6356,16 @@
       </a:lvl1pPr>
     </p:titleStyle>
     <p:bodyStyle>
-      <a:lvl1pPr marL="228600" indent="-228600" algn="l" defTabSz="914400" rtl="0" eaLnBrk="1" latinLnBrk="0" hangingPunct="1">
+      <a:lvl1pPr marL="304792" indent="-304792" algn="l" defTabSz="1219170" rtl="0" eaLnBrk="1" latinLnBrk="0" hangingPunct="1">
         <a:lnSpc>
           <a:spcPct val="90000"/>
         </a:lnSpc>
         <a:spcBef>
-          <a:spcPts val="1000"/>
+          <a:spcPts val="1333"/>
         </a:spcBef>
         <a:buFont typeface="Arial" panose="020B0604020202020204" pitchFamily="34" charset="0"/>
         <a:buChar char="•"/>
-        <a:defRPr sz="2800" kern="1200">
+        <a:defRPr sz="3733" kern="1200">
           <a:solidFill>
             <a:schemeClr val="tx1"/>
           </a:solidFill>
@@ -6750,12 +6374,48 @@
           <a:cs typeface="+mn-cs"/>
         </a:defRPr>
       </a:lvl1pPr>
-      <a:lvl2pPr marL="685800" indent="-228600" algn="l" defTabSz="914400" rtl="0" eaLnBrk="1" latinLnBrk="0" hangingPunct="1">
+      <a:lvl2pPr marL="914377" indent="-304792" algn="l" defTabSz="1219170" rtl="0" eaLnBrk="1" latinLnBrk="0" hangingPunct="1">
         <a:lnSpc>
           <a:spcPct val="90000"/>
         </a:lnSpc>
         <a:spcBef>
-          <a:spcPts val="500"/>
+          <a:spcPts val="667"/>
+        </a:spcBef>
+        <a:buFont typeface="Arial" panose="020B0604020202020204" pitchFamily="34" charset="0"/>
+        <a:buChar char="•"/>
+        <a:defRPr sz="3200" kern="1200">
+          <a:solidFill>
+            <a:schemeClr val="tx1"/>
+          </a:solidFill>
+          <a:latin typeface="+mn-lt"/>
+          <a:ea typeface="+mn-ea"/>
+          <a:cs typeface="+mn-cs"/>
+        </a:defRPr>
+      </a:lvl2pPr>
+      <a:lvl3pPr marL="1523962" indent="-304792" algn="l" defTabSz="1219170" rtl="0" eaLnBrk="1" latinLnBrk="0" hangingPunct="1">
+        <a:lnSpc>
+          <a:spcPct val="90000"/>
+        </a:lnSpc>
+        <a:spcBef>
+          <a:spcPts val="667"/>
+        </a:spcBef>
+        <a:buFont typeface="Arial" panose="020B0604020202020204" pitchFamily="34" charset="0"/>
+        <a:buChar char="•"/>
+        <a:defRPr sz="2667" kern="1200">
+          <a:solidFill>
+            <a:schemeClr val="tx1"/>
+          </a:solidFill>
+          <a:latin typeface="+mn-lt"/>
+          <a:ea typeface="+mn-ea"/>
+          <a:cs typeface="+mn-cs"/>
+        </a:defRPr>
+      </a:lvl3pPr>
+      <a:lvl4pPr marL="2133547" indent="-304792" algn="l" defTabSz="1219170" rtl="0" eaLnBrk="1" latinLnBrk="0" hangingPunct="1">
+        <a:lnSpc>
+          <a:spcPct val="90000"/>
+        </a:lnSpc>
+        <a:spcBef>
+          <a:spcPts val="667"/>
         </a:spcBef>
         <a:buFont typeface="Arial" panose="020B0604020202020204" pitchFamily="34" charset="0"/>
         <a:buChar char="•"/>
@@ -6767,53 +6427,17 @@
           <a:ea typeface="+mn-ea"/>
           <a:cs typeface="+mn-cs"/>
         </a:defRPr>
-      </a:lvl2pPr>
-      <a:lvl3pPr marL="1143000" indent="-228600" algn="l" defTabSz="914400" rtl="0" eaLnBrk="1" latinLnBrk="0" hangingPunct="1">
+      </a:lvl4pPr>
+      <a:lvl5pPr marL="2743131" indent="-304792" algn="l" defTabSz="1219170" rtl="0" eaLnBrk="1" latinLnBrk="0" hangingPunct="1">
         <a:lnSpc>
           <a:spcPct val="90000"/>
         </a:lnSpc>
         <a:spcBef>
-          <a:spcPts val="500"/>
+          <a:spcPts val="667"/>
         </a:spcBef>
         <a:buFont typeface="Arial" panose="020B0604020202020204" pitchFamily="34" charset="0"/>
         <a:buChar char="•"/>
-        <a:defRPr sz="2000" kern="1200">
-          <a:solidFill>
-            <a:schemeClr val="tx1"/>
-          </a:solidFill>
-          <a:latin typeface="+mn-lt"/>
-          <a:ea typeface="+mn-ea"/>
-          <a:cs typeface="+mn-cs"/>
-        </a:defRPr>
-      </a:lvl3pPr>
-      <a:lvl4pPr marL="1600200" indent="-228600" algn="l" defTabSz="914400" rtl="0" eaLnBrk="1" latinLnBrk="0" hangingPunct="1">
-        <a:lnSpc>
-          <a:spcPct val="90000"/>
-        </a:lnSpc>
-        <a:spcBef>
-          <a:spcPts val="500"/>
-        </a:spcBef>
-        <a:buFont typeface="Arial" panose="020B0604020202020204" pitchFamily="34" charset="0"/>
-        <a:buChar char="•"/>
-        <a:defRPr sz="1800" kern="1200">
-          <a:solidFill>
-            <a:schemeClr val="tx1"/>
-          </a:solidFill>
-          <a:latin typeface="+mn-lt"/>
-          <a:ea typeface="+mn-ea"/>
-          <a:cs typeface="+mn-cs"/>
-        </a:defRPr>
-      </a:lvl4pPr>
-      <a:lvl5pPr marL="2057400" indent="-228600" algn="l" defTabSz="914400" rtl="0" eaLnBrk="1" latinLnBrk="0" hangingPunct="1">
-        <a:lnSpc>
-          <a:spcPct val="90000"/>
-        </a:lnSpc>
-        <a:spcBef>
-          <a:spcPts val="500"/>
-        </a:spcBef>
-        <a:buFont typeface="Arial" panose="020B0604020202020204" pitchFamily="34" charset="0"/>
-        <a:buChar char="•"/>
-        <a:defRPr sz="1800" kern="1200">
+        <a:defRPr sz="2400" kern="1200">
           <a:solidFill>
             <a:schemeClr val="tx1"/>
           </a:solidFill>
@@ -6822,16 +6446,16 @@
           <a:cs typeface="+mn-cs"/>
         </a:defRPr>
       </a:lvl5pPr>
-      <a:lvl6pPr marL="2514600" indent="-228600" algn="l" defTabSz="914400" rtl="0" eaLnBrk="1" latinLnBrk="0" hangingPunct="1">
+      <a:lvl6pPr marL="3352716" indent="-304792" algn="l" defTabSz="1219170" rtl="0" eaLnBrk="1" latinLnBrk="0" hangingPunct="1">
         <a:lnSpc>
           <a:spcPct val="90000"/>
         </a:lnSpc>
         <a:spcBef>
-          <a:spcPts val="500"/>
+          <a:spcPts val="667"/>
         </a:spcBef>
         <a:buFont typeface="Arial" panose="020B0604020202020204" pitchFamily="34" charset="0"/>
         <a:buChar char="•"/>
-        <a:defRPr sz="1800" kern="1200">
+        <a:defRPr sz="2400" kern="1200">
           <a:solidFill>
             <a:schemeClr val="tx1"/>
           </a:solidFill>
@@ -6840,16 +6464,16 @@
           <a:cs typeface="+mn-cs"/>
         </a:defRPr>
       </a:lvl6pPr>
-      <a:lvl7pPr marL="2971800" indent="-228600" algn="l" defTabSz="914400" rtl="0" eaLnBrk="1" latinLnBrk="0" hangingPunct="1">
+      <a:lvl7pPr marL="3962301" indent="-304792" algn="l" defTabSz="1219170" rtl="0" eaLnBrk="1" latinLnBrk="0" hangingPunct="1">
         <a:lnSpc>
           <a:spcPct val="90000"/>
         </a:lnSpc>
         <a:spcBef>
-          <a:spcPts val="500"/>
+          <a:spcPts val="667"/>
         </a:spcBef>
         <a:buFont typeface="Arial" panose="020B0604020202020204" pitchFamily="34" charset="0"/>
         <a:buChar char="•"/>
-        <a:defRPr sz="1800" kern="1200">
+        <a:defRPr sz="2400" kern="1200">
           <a:solidFill>
             <a:schemeClr val="tx1"/>
           </a:solidFill>
@@ -6858,16 +6482,16 @@
           <a:cs typeface="+mn-cs"/>
         </a:defRPr>
       </a:lvl7pPr>
-      <a:lvl8pPr marL="3429000" indent="-228600" algn="l" defTabSz="914400" rtl="0" eaLnBrk="1" latinLnBrk="0" hangingPunct="1">
+      <a:lvl8pPr marL="4571886" indent="-304792" algn="l" defTabSz="1219170" rtl="0" eaLnBrk="1" latinLnBrk="0" hangingPunct="1">
         <a:lnSpc>
           <a:spcPct val="90000"/>
         </a:lnSpc>
         <a:spcBef>
-          <a:spcPts val="500"/>
+          <a:spcPts val="667"/>
         </a:spcBef>
         <a:buFont typeface="Arial" panose="020B0604020202020204" pitchFamily="34" charset="0"/>
         <a:buChar char="•"/>
-        <a:defRPr sz="1800" kern="1200">
+        <a:defRPr sz="2400" kern="1200">
           <a:solidFill>
             <a:schemeClr val="tx1"/>
           </a:solidFill>
@@ -6876,16 +6500,16 @@
           <a:cs typeface="+mn-cs"/>
         </a:defRPr>
       </a:lvl8pPr>
-      <a:lvl9pPr marL="3886200" indent="-228600" algn="l" defTabSz="914400" rtl="0" eaLnBrk="1" latinLnBrk="0" hangingPunct="1">
+      <a:lvl9pPr marL="5181470" indent="-304792" algn="l" defTabSz="1219170" rtl="0" eaLnBrk="1" latinLnBrk="0" hangingPunct="1">
         <a:lnSpc>
           <a:spcPct val="90000"/>
         </a:lnSpc>
         <a:spcBef>
-          <a:spcPts val="500"/>
+          <a:spcPts val="667"/>
         </a:spcBef>
         <a:buFont typeface="Arial" panose="020B0604020202020204" pitchFamily="34" charset="0"/>
         <a:buChar char="•"/>
-        <a:defRPr sz="1800" kern="1200">
+        <a:defRPr sz="2400" kern="1200">
           <a:solidFill>
             <a:schemeClr val="tx1"/>
           </a:solidFill>
@@ -6899,8 +6523,8 @@
       <a:defPPr>
         <a:defRPr lang="en-US"/>
       </a:defPPr>
-      <a:lvl1pPr marL="0" algn="l" defTabSz="914400" rtl="0" eaLnBrk="1" latinLnBrk="0" hangingPunct="1">
-        <a:defRPr sz="1800" kern="1200">
+      <a:lvl1pPr marL="0" algn="l" defTabSz="1219170" rtl="0" eaLnBrk="1" latinLnBrk="0" hangingPunct="1">
+        <a:defRPr sz="2400" kern="1200">
           <a:solidFill>
             <a:schemeClr val="tx1"/>
           </a:solidFill>
@@ -6909,8 +6533,8 @@
           <a:cs typeface="+mn-cs"/>
         </a:defRPr>
       </a:lvl1pPr>
-      <a:lvl2pPr marL="457200" algn="l" defTabSz="914400" rtl="0" eaLnBrk="1" latinLnBrk="0" hangingPunct="1">
-        <a:defRPr sz="1800" kern="1200">
+      <a:lvl2pPr marL="609585" algn="l" defTabSz="1219170" rtl="0" eaLnBrk="1" latinLnBrk="0" hangingPunct="1">
+        <a:defRPr sz="2400" kern="1200">
           <a:solidFill>
             <a:schemeClr val="tx1"/>
           </a:solidFill>
@@ -6919,8 +6543,8 @@
           <a:cs typeface="+mn-cs"/>
         </a:defRPr>
       </a:lvl2pPr>
-      <a:lvl3pPr marL="914400" algn="l" defTabSz="914400" rtl="0" eaLnBrk="1" latinLnBrk="0" hangingPunct="1">
-        <a:defRPr sz="1800" kern="1200">
+      <a:lvl3pPr marL="1219170" algn="l" defTabSz="1219170" rtl="0" eaLnBrk="1" latinLnBrk="0" hangingPunct="1">
+        <a:defRPr sz="2400" kern="1200">
           <a:solidFill>
             <a:schemeClr val="tx1"/>
           </a:solidFill>
@@ -6929,8 +6553,8 @@
           <a:cs typeface="+mn-cs"/>
         </a:defRPr>
       </a:lvl3pPr>
-      <a:lvl4pPr marL="1371600" algn="l" defTabSz="914400" rtl="0" eaLnBrk="1" latinLnBrk="0" hangingPunct="1">
-        <a:defRPr sz="1800" kern="1200">
+      <a:lvl4pPr marL="1828754" algn="l" defTabSz="1219170" rtl="0" eaLnBrk="1" latinLnBrk="0" hangingPunct="1">
+        <a:defRPr sz="2400" kern="1200">
           <a:solidFill>
             <a:schemeClr val="tx1"/>
           </a:solidFill>
@@ -6939,8 +6563,8 @@
           <a:cs typeface="+mn-cs"/>
         </a:defRPr>
       </a:lvl4pPr>
-      <a:lvl5pPr marL="1828800" algn="l" defTabSz="914400" rtl="0" eaLnBrk="1" latinLnBrk="0" hangingPunct="1">
-        <a:defRPr sz="1800" kern="1200">
+      <a:lvl5pPr marL="2438339" algn="l" defTabSz="1219170" rtl="0" eaLnBrk="1" latinLnBrk="0" hangingPunct="1">
+        <a:defRPr sz="2400" kern="1200">
           <a:solidFill>
             <a:schemeClr val="tx1"/>
           </a:solidFill>
@@ -6949,8 +6573,8 @@
           <a:cs typeface="+mn-cs"/>
         </a:defRPr>
       </a:lvl5pPr>
-      <a:lvl6pPr marL="2286000" algn="l" defTabSz="914400" rtl="0" eaLnBrk="1" latinLnBrk="0" hangingPunct="1">
-        <a:defRPr sz="1800" kern="1200">
+      <a:lvl6pPr marL="3047924" algn="l" defTabSz="1219170" rtl="0" eaLnBrk="1" latinLnBrk="0" hangingPunct="1">
+        <a:defRPr sz="2400" kern="1200">
           <a:solidFill>
             <a:schemeClr val="tx1"/>
           </a:solidFill>
@@ -6959,8 +6583,8 @@
           <a:cs typeface="+mn-cs"/>
         </a:defRPr>
       </a:lvl6pPr>
-      <a:lvl7pPr marL="2743200" algn="l" defTabSz="914400" rtl="0" eaLnBrk="1" latinLnBrk="0" hangingPunct="1">
-        <a:defRPr sz="1800" kern="1200">
+      <a:lvl7pPr marL="3657509" algn="l" defTabSz="1219170" rtl="0" eaLnBrk="1" latinLnBrk="0" hangingPunct="1">
+        <a:defRPr sz="2400" kern="1200">
           <a:solidFill>
             <a:schemeClr val="tx1"/>
           </a:solidFill>
@@ -6969,8 +6593,8 @@
           <a:cs typeface="+mn-cs"/>
         </a:defRPr>
       </a:lvl7pPr>
-      <a:lvl8pPr marL="3200400" algn="l" defTabSz="914400" rtl="0" eaLnBrk="1" latinLnBrk="0" hangingPunct="1">
-        <a:defRPr sz="1800" kern="1200">
+      <a:lvl8pPr marL="4267093" algn="l" defTabSz="1219170" rtl="0" eaLnBrk="1" latinLnBrk="0" hangingPunct="1">
+        <a:defRPr sz="2400" kern="1200">
           <a:solidFill>
             <a:schemeClr val="tx1"/>
           </a:solidFill>
@@ -6979,8 +6603,8 @@
           <a:cs typeface="+mn-cs"/>
         </a:defRPr>
       </a:lvl8pPr>
-      <a:lvl9pPr marL="3657600" algn="l" defTabSz="914400" rtl="0" eaLnBrk="1" latinLnBrk="0" hangingPunct="1">
-        <a:defRPr sz="1800" kern="1200">
+      <a:lvl9pPr marL="4876678" algn="l" defTabSz="1219170" rtl="0" eaLnBrk="1" latinLnBrk="0" hangingPunct="1">
+        <a:defRPr sz="2400" kern="1200">
           <a:solidFill>
             <a:schemeClr val="tx1"/>
           </a:solidFill>
@@ -7027,8 +6651,8 @@
         </p:nvSpPr>
         <p:spPr bwMode="auto">
           <a:xfrm>
-            <a:off x="1514603" y="4863120"/>
-            <a:ext cx="8997794" cy="769441"/>
+            <a:off x="1514603" y="5921481"/>
+            <a:ext cx="8997794" cy="938719"/>
           </a:xfrm>
           <a:prstGeom prst="rect">
             <a:avLst/>
@@ -7076,60 +6700,341 @@
           </a:bodyPr>
           <a:lstStyle/>
           <a:p>
-            <a:pPr marL="0" marR="0" lvl="0" indent="0" algn="just" defTabSz="914400" rtl="0" eaLnBrk="0" fontAlgn="base" latinLnBrk="0" hangingPunct="0">
-              <a:lnSpc>
-                <a:spcPct val="100000"/>
-              </a:lnSpc>
-              <a:spcBef>
-                <a:spcPct val="0"/>
-              </a:spcBef>
-              <a:spcAft>
-                <a:spcPct val="0"/>
-              </a:spcAft>
-              <a:buClrTx/>
-              <a:buSzTx/>
-              <a:buFontTx/>
-              <a:buNone/>
-              <a:tabLst/>
-            </a:pPr>
-            <a:r>
-              <a:rPr kumimoji="0" lang="en-US" altLang="en-US" sz="1100" b="1" i="0" u="none" strike="noStrike" cap="none" normalizeH="0" baseline="0" dirty="0">
-                <a:ln>
-                  <a:noFill/>
-                </a:ln>
+            <a:pPr algn="just"/>
+            <a:r>
+              <a:rPr lang="en-US" sz="1100" b="1" dirty="0">
                 <a:solidFill>
                   <a:srgbClr val="000000"/>
                 </a:solidFill>
-                <a:effectLst/>
                 <a:latin typeface="Times New Roman" panose="02020603050405020304" pitchFamily="18" charset="0"/>
-                <a:cs typeface="Times New Roman" panose="02020603050405020304" pitchFamily="18" charset="0"/>
               </a:rPr>
-              <a:t>Figure 1: </a:t>
-            </a:r>
-            <a:r>
-              <a:rPr kumimoji="0" lang="en-US" altLang="en-US" sz="1100" i="0" u="none" strike="noStrike" cap="none" normalizeH="0" baseline="0" dirty="0">
-                <a:ln>
-                  <a:noFill/>
-                </a:ln>
+              <a:t>Figure 1:</a:t>
+            </a:r>
+            <a:r>
+              <a:rPr lang="en-US" sz="1100" dirty="0">
                 <a:solidFill>
                   <a:srgbClr val="000000"/>
                 </a:solidFill>
-                <a:effectLst/>
                 <a:latin typeface="Times New Roman" panose="02020603050405020304" pitchFamily="18" charset="0"/>
-                <a:cs typeface="Times New Roman" panose="02020603050405020304" pitchFamily="18" charset="0"/>
               </a:rPr>
-              <a:t>Example curves of assimilation (A) versus intercellular CO2 concentration (Ci), where the DAT method aligned with the steady-state traditional method (a), or showed overshoot (b). Curves with overshoot exhibited Rubisco-limited A rates similar to steady-state before peaking in the RuBP-limited region, often exceeding steady-state limitations. This was followed by a rapid decline in A and subsequent plateau at rates below steady-state rates and, in some cases, a subtle increase in A in the latter portions of the curve.</a:t>
-            </a:r>
-            <a:endParaRPr kumimoji="0" lang="en-US" altLang="en-US" sz="1800" i="0" u="none" strike="noStrike" cap="none" normalizeH="0" baseline="0" dirty="0">
-              <a:ln>
-                <a:noFill/>
-              </a:ln>
-              <a:solidFill>
-                <a:schemeClr val="tx1"/>
-              </a:solidFill>
-              <a:effectLst/>
-              <a:latin typeface="Arial" panose="020B0604020202020204" pitchFamily="34" charset="0"/>
-            </a:endParaRPr>
+              <a:t> Example curves of assimilation (</a:t>
+            </a:r>
+            <a:r>
+              <a:rPr lang="en-US" sz="1100" i="1" dirty="0">
+                <a:solidFill>
+                  <a:srgbClr val="000000"/>
+                </a:solidFill>
+                <a:latin typeface="Times New Roman" panose="02020603050405020304" pitchFamily="18" charset="0"/>
+              </a:rPr>
+              <a:t>A</a:t>
+            </a:r>
+            <a:r>
+              <a:rPr lang="en-US" sz="1100" i="1" baseline="-25000" dirty="0">
+                <a:solidFill>
+                  <a:srgbClr val="000000"/>
+                </a:solidFill>
+                <a:latin typeface="Times New Roman" panose="02020603050405020304" pitchFamily="18" charset="0"/>
+              </a:rPr>
+              <a:t>net</a:t>
+            </a:r>
+            <a:r>
+              <a:rPr lang="en-US" sz="1100" dirty="0">
+                <a:solidFill>
+                  <a:srgbClr val="000000"/>
+                </a:solidFill>
+                <a:latin typeface="Times New Roman" panose="02020603050405020304" pitchFamily="18" charset="0"/>
+              </a:rPr>
+              <a:t>; </a:t>
+            </a:r>
+            <a:r>
+              <a:rPr lang="en-US" sz="1100" dirty="0" err="1">
+                <a:solidFill>
+                  <a:srgbClr val="000000"/>
+                </a:solidFill>
+                <a:latin typeface="Times New Roman" panose="02020603050405020304" pitchFamily="18" charset="0"/>
+              </a:rPr>
+              <a:t>μmol</a:t>
+            </a:r>
+            <a:r>
+              <a:rPr lang="en-US" sz="1100" dirty="0">
+                <a:solidFill>
+                  <a:srgbClr val="000000"/>
+                </a:solidFill>
+                <a:latin typeface="Times New Roman" panose="02020603050405020304" pitchFamily="18" charset="0"/>
+              </a:rPr>
+              <a:t> m</a:t>
+            </a:r>
+            <a:r>
+              <a:rPr lang="en-US" sz="1100" baseline="30000" dirty="0">
+                <a:solidFill>
+                  <a:srgbClr val="000000"/>
+                </a:solidFill>
+                <a:latin typeface="Times New Roman" panose="02020603050405020304" pitchFamily="18" charset="0"/>
+              </a:rPr>
+              <a:t>-2</a:t>
+            </a:r>
+            <a:r>
+              <a:rPr lang="en-US" sz="1100" baseline="-25000" dirty="0">
+                <a:solidFill>
+                  <a:srgbClr val="000000"/>
+                </a:solidFill>
+                <a:latin typeface="Times New Roman" panose="02020603050405020304" pitchFamily="18" charset="0"/>
+              </a:rPr>
+              <a:t> </a:t>
+            </a:r>
+            <a:r>
+              <a:rPr lang="en-US" sz="1100" dirty="0">
+                <a:solidFill>
+                  <a:srgbClr val="000000"/>
+                </a:solidFill>
+                <a:latin typeface="Times New Roman" panose="02020603050405020304" pitchFamily="18" charset="0"/>
+              </a:rPr>
+              <a:t>s</a:t>
+            </a:r>
+            <a:r>
+              <a:rPr lang="en-US" sz="1100" baseline="30000" dirty="0">
+                <a:solidFill>
+                  <a:srgbClr val="000000"/>
+                </a:solidFill>
+                <a:latin typeface="Times New Roman" panose="02020603050405020304" pitchFamily="18" charset="0"/>
+              </a:rPr>
+              <a:t>-1</a:t>
+            </a:r>
+            <a:r>
+              <a:rPr lang="en-US" sz="1100" dirty="0">
+                <a:solidFill>
+                  <a:srgbClr val="000000"/>
+                </a:solidFill>
+                <a:latin typeface="Times New Roman" panose="02020603050405020304" pitchFamily="18" charset="0"/>
+              </a:rPr>
+              <a:t>) versus intercellular CO</a:t>
+            </a:r>
+            <a:r>
+              <a:rPr lang="en-US" sz="1100" baseline="-25000" dirty="0">
+                <a:solidFill>
+                  <a:srgbClr val="000000"/>
+                </a:solidFill>
+                <a:latin typeface="Times New Roman" panose="02020603050405020304" pitchFamily="18" charset="0"/>
+              </a:rPr>
+              <a:t>2</a:t>
+            </a:r>
+            <a:r>
+              <a:rPr lang="en-US" sz="1100" dirty="0">
+                <a:solidFill>
+                  <a:srgbClr val="000000"/>
+                </a:solidFill>
+                <a:latin typeface="Times New Roman" panose="02020603050405020304" pitchFamily="18" charset="0"/>
+              </a:rPr>
+              <a:t> concentration (</a:t>
+            </a:r>
+            <a:r>
+              <a:rPr lang="en-US" sz="1100" i="1" dirty="0">
+                <a:solidFill>
+                  <a:srgbClr val="000000"/>
+                </a:solidFill>
+                <a:latin typeface="Times New Roman" panose="02020603050405020304" pitchFamily="18" charset="0"/>
+              </a:rPr>
+              <a:t>C</a:t>
+            </a:r>
+            <a:r>
+              <a:rPr lang="en-US" sz="1100" i="1" baseline="-25000" dirty="0">
+                <a:solidFill>
+                  <a:srgbClr val="000000"/>
+                </a:solidFill>
+                <a:latin typeface="Times New Roman" panose="02020603050405020304" pitchFamily="18" charset="0"/>
+              </a:rPr>
+              <a:t>i</a:t>
+            </a:r>
+            <a:r>
+              <a:rPr lang="en-US" sz="1100" dirty="0">
+                <a:solidFill>
+                  <a:srgbClr val="000000"/>
+                </a:solidFill>
+                <a:latin typeface="Times New Roman" panose="02020603050405020304" pitchFamily="18" charset="0"/>
+              </a:rPr>
+              <a:t>; </a:t>
+            </a:r>
+            <a:r>
+              <a:rPr lang="en-US" sz="1100" dirty="0" err="1">
+                <a:solidFill>
+                  <a:srgbClr val="000000"/>
+                </a:solidFill>
+                <a:latin typeface="Times New Roman" panose="02020603050405020304" pitchFamily="18" charset="0"/>
+              </a:rPr>
+              <a:t>μmol</a:t>
+            </a:r>
+            <a:r>
+              <a:rPr lang="en-US" sz="1100" dirty="0">
+                <a:solidFill>
+                  <a:srgbClr val="000000"/>
+                </a:solidFill>
+                <a:latin typeface="Times New Roman" panose="02020603050405020304" pitchFamily="18" charset="0"/>
+              </a:rPr>
+              <a:t> mol</a:t>
+            </a:r>
+            <a:r>
+              <a:rPr lang="en-US" sz="1100" baseline="30000" dirty="0">
+                <a:solidFill>
+                  <a:srgbClr val="000000"/>
+                </a:solidFill>
+                <a:latin typeface="Times New Roman" panose="02020603050405020304" pitchFamily="18" charset="0"/>
+              </a:rPr>
+              <a:t>-1</a:t>
+            </a:r>
+            <a:r>
+              <a:rPr lang="en-US" sz="1100" dirty="0">
+                <a:solidFill>
+                  <a:srgbClr val="000000"/>
+                </a:solidFill>
+                <a:latin typeface="Times New Roman" panose="02020603050405020304" pitchFamily="18" charset="0"/>
+              </a:rPr>
+              <a:t>), where the DAT method (blue) aligned with the steady-state method (yellow) (a), or showed overshoot (b). Curves with overshoot exhibited Rubisco-limited </a:t>
+            </a:r>
+            <a:r>
+              <a:rPr lang="en-US" sz="1100" i="1" dirty="0">
+                <a:solidFill>
+                  <a:srgbClr val="000000"/>
+                </a:solidFill>
+                <a:latin typeface="Times New Roman" panose="02020603050405020304" pitchFamily="18" charset="0"/>
+              </a:rPr>
+              <a:t>A</a:t>
+            </a:r>
+            <a:r>
+              <a:rPr lang="en-US" sz="1100" i="1" baseline="-25000" dirty="0">
+                <a:solidFill>
+                  <a:srgbClr val="000000"/>
+                </a:solidFill>
+                <a:latin typeface="Times New Roman" panose="02020603050405020304" pitchFamily="18" charset="0"/>
+              </a:rPr>
+              <a:t>net</a:t>
+            </a:r>
+            <a:r>
+              <a:rPr lang="en-US" sz="1100" i="1" dirty="0">
+                <a:solidFill>
+                  <a:srgbClr val="000000"/>
+                </a:solidFill>
+                <a:latin typeface="Times New Roman" panose="02020603050405020304" pitchFamily="18" charset="0"/>
+              </a:rPr>
+              <a:t> </a:t>
+            </a:r>
+            <a:r>
+              <a:rPr lang="en-US" sz="1100" dirty="0">
+                <a:solidFill>
+                  <a:srgbClr val="000000"/>
+                </a:solidFill>
+                <a:latin typeface="Times New Roman" panose="02020603050405020304" pitchFamily="18" charset="0"/>
+              </a:rPr>
+              <a:t>rates similar to steady-state before peaking in the RuBP-limited region (here, approximately 300 - 550 </a:t>
+            </a:r>
+            <a:r>
+              <a:rPr lang="en-US" sz="1100" i="1" dirty="0">
+                <a:solidFill>
+                  <a:srgbClr val="000000"/>
+                </a:solidFill>
+                <a:latin typeface="Times New Roman" panose="02020603050405020304" pitchFamily="18" charset="0"/>
+              </a:rPr>
+              <a:t>C</a:t>
+            </a:r>
+            <a:r>
+              <a:rPr lang="en-US" sz="1100" i="1" baseline="-25000" dirty="0">
+                <a:solidFill>
+                  <a:srgbClr val="000000"/>
+                </a:solidFill>
+                <a:latin typeface="Times New Roman" panose="02020603050405020304" pitchFamily="18" charset="0"/>
+              </a:rPr>
+              <a:t>i</a:t>
+            </a:r>
+            <a:r>
+              <a:rPr lang="en-US" sz="1100" dirty="0">
+                <a:solidFill>
+                  <a:srgbClr val="000000"/>
+                </a:solidFill>
+                <a:latin typeface="Times New Roman" panose="02020603050405020304" pitchFamily="18" charset="0"/>
+              </a:rPr>
+              <a:t>, often exceeding steady-state limitations. This was followed by a rapid decline in </a:t>
+            </a:r>
+            <a:r>
+              <a:rPr lang="en-US" sz="1100" i="1" dirty="0">
+                <a:solidFill>
+                  <a:srgbClr val="000000"/>
+                </a:solidFill>
+                <a:latin typeface="Times New Roman" panose="02020603050405020304" pitchFamily="18" charset="0"/>
+              </a:rPr>
+              <a:t>A</a:t>
+            </a:r>
+            <a:r>
+              <a:rPr lang="en-US" sz="1100" i="1" baseline="-25000" dirty="0">
+                <a:solidFill>
+                  <a:srgbClr val="000000"/>
+                </a:solidFill>
+                <a:latin typeface="Times New Roman" panose="02020603050405020304" pitchFamily="18" charset="0"/>
+              </a:rPr>
+              <a:t>net</a:t>
+            </a:r>
+            <a:r>
+              <a:rPr lang="en-US" sz="1100" dirty="0">
+                <a:solidFill>
+                  <a:srgbClr val="000000"/>
+                </a:solidFill>
+                <a:latin typeface="Times New Roman" panose="02020603050405020304" pitchFamily="18" charset="0"/>
+              </a:rPr>
+              <a:t> and a subsequent plateau at rates below steady-state rates and, in some cases, a subtle increase in</a:t>
+            </a:r>
+            <a:r>
+              <a:rPr lang="en-US" sz="1100" i="1" dirty="0">
+                <a:solidFill>
+                  <a:srgbClr val="000000"/>
+                </a:solidFill>
+                <a:latin typeface="Times New Roman" panose="02020603050405020304" pitchFamily="18" charset="0"/>
+              </a:rPr>
+              <a:t> A</a:t>
+            </a:r>
+            <a:r>
+              <a:rPr lang="en-US" sz="1100" i="1" baseline="-25000" dirty="0">
+                <a:solidFill>
+                  <a:srgbClr val="000000"/>
+                </a:solidFill>
+                <a:latin typeface="Times New Roman" panose="02020603050405020304" pitchFamily="18" charset="0"/>
+              </a:rPr>
+              <a:t>net</a:t>
+            </a:r>
+            <a:r>
+              <a:rPr lang="en-US" sz="1100" dirty="0">
+                <a:solidFill>
+                  <a:srgbClr val="000000"/>
+                </a:solidFill>
+                <a:latin typeface="Times New Roman" panose="02020603050405020304" pitchFamily="18" charset="0"/>
+              </a:rPr>
+              <a:t> in the latter portions of the curve (here, approximately 550 - 1800</a:t>
+            </a:r>
+            <a:r>
+              <a:rPr lang="en-US" sz="1100" i="1" dirty="0">
+                <a:solidFill>
+                  <a:srgbClr val="000000"/>
+                </a:solidFill>
+                <a:latin typeface="Times New Roman" panose="02020603050405020304" pitchFamily="18" charset="0"/>
+              </a:rPr>
+              <a:t> C</a:t>
+            </a:r>
+            <a:r>
+              <a:rPr lang="en-US" sz="1100" i="1" baseline="-25000" dirty="0">
+                <a:solidFill>
+                  <a:srgbClr val="000000"/>
+                </a:solidFill>
+                <a:latin typeface="Times New Roman" panose="02020603050405020304" pitchFamily="18" charset="0"/>
+              </a:rPr>
+              <a:t>i</a:t>
+            </a:r>
+            <a:r>
+              <a:rPr lang="en-US" sz="1100" dirty="0">
+                <a:solidFill>
+                  <a:srgbClr val="000000"/>
+                </a:solidFill>
+                <a:latin typeface="Times New Roman" panose="02020603050405020304" pitchFamily="18" charset="0"/>
+              </a:rPr>
+              <a:t>).</a:t>
+            </a:r>
+            <a:endParaRPr lang="en-US" sz="1100" dirty="0"/>
           </a:p>
         </p:txBody>
       </p:sp>
@@ -7162,7 +7067,7 @@
         </p:blipFill>
         <p:spPr bwMode="auto">
           <a:xfrm>
-            <a:off x="1514603" y="1293412"/>
+            <a:off x="1514603" y="2436413"/>
             <a:ext cx="5238594" cy="3431209"/>
           </a:xfrm>
           <a:prstGeom prst="rect">
@@ -7202,7 +7107,7 @@
         </p:blipFill>
         <p:spPr>
           <a:xfrm>
-            <a:off x="5258789" y="1302963"/>
+            <a:off x="5258790" y="2445964"/>
             <a:ext cx="5116763" cy="3421657"/>
           </a:xfrm>
           <a:prstGeom prst="rect">
@@ -7224,7 +7129,7 @@
         </p:nvSpPr>
         <p:spPr>
           <a:xfrm>
-            <a:off x="1514603" y="1180278"/>
+            <a:off x="1514603" y="2323278"/>
             <a:ext cx="1974032" cy="369332"/>
           </a:xfrm>
           <a:prstGeom prst="rect">
@@ -7264,7 +7169,7 @@
         </p:nvSpPr>
         <p:spPr>
           <a:xfrm>
-            <a:off x="5333437" y="1180278"/>
+            <a:off x="5333437" y="2323278"/>
             <a:ext cx="1974032" cy="369332"/>
           </a:xfrm>
           <a:prstGeom prst="rect">
@@ -7304,7 +7209,7 @@
         </p:nvSpPr>
         <p:spPr>
           <a:xfrm rot="16200000">
-            <a:off x="718688" y="2855127"/>
+            <a:off x="718689" y="3998128"/>
             <a:ext cx="1769165" cy="307777"/>
           </a:xfrm>
           <a:prstGeom prst="rect">
@@ -7326,7 +7231,21 @@
                 <a:latin typeface="Arial" panose="020B0604020202020204" pitchFamily="34" charset="0"/>
                 <a:cs typeface="Arial" panose="020B0604020202020204" pitchFamily="34" charset="0"/>
               </a:rPr>
-              <a:t>A (</a:t>
+              <a:t>A</a:t>
+            </a:r>
+            <a:r>
+              <a:rPr lang="en-US" sz="1400" baseline="-25000" dirty="0">
+                <a:latin typeface="Arial" panose="020B0604020202020204" pitchFamily="34" charset="0"/>
+                <a:cs typeface="Arial" panose="020B0604020202020204" pitchFamily="34" charset="0"/>
+              </a:rPr>
+              <a:t>net</a:t>
+            </a:r>
+            <a:r>
+              <a:rPr lang="en-US" sz="1400" dirty="0">
+                <a:latin typeface="Arial" panose="020B0604020202020204" pitchFamily="34" charset="0"/>
+                <a:cs typeface="Arial" panose="020B0604020202020204" pitchFamily="34" charset="0"/>
+              </a:rPr>
+              <a:t> (</a:t>
             </a:r>
             <a:r>
               <a:rPr lang="el-GR" sz="1400" dirty="0">
@@ -7336,55 +7255,50 @@
               <a:t>μ</a:t>
             </a:r>
             <a:r>
-              <a:rPr lang="en-US" sz="1400" b="0" i="0" u="none" strike="noStrike" dirty="0">
+              <a:rPr lang="en-US" sz="1400" dirty="0">
                 <a:solidFill>
                   <a:srgbClr val="000000"/>
                 </a:solidFill>
-                <a:effectLst/>
                 <a:latin typeface="Arial" panose="020B0604020202020204" pitchFamily="34" charset="0"/>
                 <a:cs typeface="Arial" panose="020B0604020202020204" pitchFamily="34" charset="0"/>
               </a:rPr>
               <a:t>mol m</a:t>
             </a:r>
             <a:r>
-              <a:rPr lang="en-US" sz="1400" b="0" i="0" u="none" strike="noStrike" baseline="30000" dirty="0">
+              <a:rPr lang="en-US" sz="1400" baseline="30000" dirty="0">
                 <a:solidFill>
                   <a:srgbClr val="000000"/>
                 </a:solidFill>
-                <a:effectLst/>
                 <a:latin typeface="Arial" panose="020B0604020202020204" pitchFamily="34" charset="0"/>
                 <a:cs typeface="Arial" panose="020B0604020202020204" pitchFamily="34" charset="0"/>
               </a:rPr>
               <a:t>-2</a:t>
             </a:r>
             <a:r>
-              <a:rPr lang="en-US" sz="1400" b="0" i="0" u="none" strike="noStrike" dirty="0">
+              <a:rPr lang="en-US" sz="1400" dirty="0">
                 <a:solidFill>
                   <a:srgbClr val="000000"/>
                 </a:solidFill>
-                <a:effectLst/>
                 <a:latin typeface="Arial" panose="020B0604020202020204" pitchFamily="34" charset="0"/>
                 <a:cs typeface="Arial" panose="020B0604020202020204" pitchFamily="34" charset="0"/>
               </a:rPr>
               <a:t> s</a:t>
             </a:r>
             <a:r>
-              <a:rPr lang="en-US" sz="1400" b="0" i="0" u="none" strike="noStrike" baseline="30000" dirty="0">
+              <a:rPr lang="en-US" sz="1400" baseline="30000" dirty="0">
                 <a:solidFill>
                   <a:srgbClr val="000000"/>
                 </a:solidFill>
-                <a:effectLst/>
                 <a:latin typeface="Arial" panose="020B0604020202020204" pitchFamily="34" charset="0"/>
                 <a:cs typeface="Arial" panose="020B0604020202020204" pitchFamily="34" charset="0"/>
               </a:rPr>
               <a:t>-1</a:t>
             </a:r>
             <a:r>
-              <a:rPr lang="en-US" sz="1400" b="0" i="0" u="none" strike="noStrike" dirty="0">
+              <a:rPr lang="en-US" sz="1400" dirty="0">
                 <a:solidFill>
                   <a:srgbClr val="000000"/>
                 </a:solidFill>
-                <a:effectLst/>
                 <a:latin typeface="Arial" panose="020B0604020202020204" pitchFamily="34" charset="0"/>
                 <a:cs typeface="Arial" panose="020B0604020202020204" pitchFamily="34" charset="0"/>
               </a:rPr>
@@ -7399,10 +7313,10 @@
       </p:sp>
       <p:sp>
         <p:nvSpPr>
-          <p:cNvPr id="7" name="TextBox 6">
+          <p:cNvPr id="8" name="TextBox 7">
             <a:extLst>
               <a:ext uri="{FF2B5EF4-FFF2-40B4-BE49-F238E27FC236}">
-                <a16:creationId xmlns:a16="http://schemas.microsoft.com/office/drawing/2014/main" id="{00A1217C-3145-3EA7-9A7A-2BC7C91456CA}"/>
+                <a16:creationId xmlns:a16="http://schemas.microsoft.com/office/drawing/2014/main" id="{D56254E9-B638-3AD4-2FED-D1B1259280F8}"/>
               </a:ext>
             </a:extLst>
           </p:cNvPr>
@@ -7410,8 +7324,298 @@
           <p:nvPr/>
         </p:nvSpPr>
         <p:spPr>
+          <a:xfrm>
+            <a:off x="2545499" y="5597169"/>
+            <a:ext cx="2174033" cy="307777"/>
+          </a:xfrm>
+          <a:prstGeom prst="rect">
+            <a:avLst/>
+          </a:prstGeom>
+          <a:solidFill>
+            <a:schemeClr val="bg1"/>
+          </a:solidFill>
+        </p:spPr>
+        <p:txBody>
+          <a:bodyPr wrap="square" rtlCol="0">
+            <a:spAutoFit/>
+          </a:bodyPr>
+          <a:lstStyle/>
+          <a:p>
+            <a:pPr algn="ctr"/>
+            <a:r>
+              <a:rPr lang="en-US" sz="1400" dirty="0">
+                <a:latin typeface="Arial" panose="020B0604020202020204" pitchFamily="34" charset="0"/>
+                <a:cs typeface="Arial" panose="020B0604020202020204" pitchFamily="34" charset="0"/>
+              </a:rPr>
+              <a:t>C</a:t>
+            </a:r>
+            <a:r>
+              <a:rPr lang="en-US" sz="1400" baseline="-25000" dirty="0">
+                <a:latin typeface="Arial" panose="020B0604020202020204" pitchFamily="34" charset="0"/>
+                <a:cs typeface="Arial" panose="020B0604020202020204" pitchFamily="34" charset="0"/>
+              </a:rPr>
+              <a:t>i</a:t>
+            </a:r>
+            <a:r>
+              <a:rPr lang="en-US" sz="1400" dirty="0">
+                <a:latin typeface="Arial" panose="020B0604020202020204" pitchFamily="34" charset="0"/>
+                <a:cs typeface="Arial" panose="020B0604020202020204" pitchFamily="34" charset="0"/>
+              </a:rPr>
+              <a:t> (</a:t>
+            </a:r>
+            <a:r>
+              <a:rPr lang="en-US" sz="1400" dirty="0" err="1">
+                <a:latin typeface="Arial" panose="020B0604020202020204" pitchFamily="34" charset="0"/>
+                <a:cs typeface="Arial" panose="020B0604020202020204" pitchFamily="34" charset="0"/>
+              </a:rPr>
+              <a:t>μmol</a:t>
+            </a:r>
+            <a:r>
+              <a:rPr lang="en-US" sz="1400" dirty="0">
+                <a:latin typeface="Arial" panose="020B0604020202020204" pitchFamily="34" charset="0"/>
+                <a:cs typeface="Arial" panose="020B0604020202020204" pitchFamily="34" charset="0"/>
+              </a:rPr>
+              <a:t> mol</a:t>
+            </a:r>
+            <a:r>
+              <a:rPr lang="en-US" sz="1400" baseline="30000" dirty="0">
+                <a:latin typeface="Arial" panose="020B0604020202020204" pitchFamily="34" charset="0"/>
+                <a:cs typeface="Arial" panose="020B0604020202020204" pitchFamily="34" charset="0"/>
+              </a:rPr>
+              <a:t>-1</a:t>
+            </a:r>
+            <a:r>
+              <a:rPr lang="en-US" sz="1400" dirty="0">
+                <a:latin typeface="Arial" panose="020B0604020202020204" pitchFamily="34" charset="0"/>
+                <a:cs typeface="Arial" panose="020B0604020202020204" pitchFamily="34" charset="0"/>
+              </a:rPr>
+              <a:t>)</a:t>
+            </a:r>
+          </a:p>
+        </p:txBody>
+      </p:sp>
+      <p:sp>
+        <p:nvSpPr>
+          <p:cNvPr id="9" name="TextBox 8">
+            <a:extLst>
+              <a:ext uri="{FF2B5EF4-FFF2-40B4-BE49-F238E27FC236}">
+                <a16:creationId xmlns:a16="http://schemas.microsoft.com/office/drawing/2014/main" id="{FB864498-56E9-B1C2-90C5-59CB34C144B2}"/>
+              </a:ext>
+            </a:extLst>
+          </p:cNvPr>
+          <p:cNvSpPr txBox="1"/>
+          <p:nvPr/>
+        </p:nvSpPr>
+        <p:spPr>
+          <a:xfrm>
+            <a:off x="6220453" y="5597169"/>
+            <a:ext cx="2174033" cy="307777"/>
+          </a:xfrm>
+          <a:prstGeom prst="rect">
+            <a:avLst/>
+          </a:prstGeom>
+          <a:solidFill>
+            <a:schemeClr val="bg1"/>
+          </a:solidFill>
+        </p:spPr>
+        <p:txBody>
+          <a:bodyPr wrap="square" rtlCol="0">
+            <a:spAutoFit/>
+          </a:bodyPr>
+          <a:lstStyle/>
+          <a:p>
+            <a:pPr algn="ctr"/>
+            <a:r>
+              <a:rPr lang="en-US" sz="1400" dirty="0">
+                <a:latin typeface="Arial" panose="020B0604020202020204" pitchFamily="34" charset="0"/>
+                <a:cs typeface="Arial" panose="020B0604020202020204" pitchFamily="34" charset="0"/>
+              </a:rPr>
+              <a:t>C</a:t>
+            </a:r>
+            <a:r>
+              <a:rPr lang="en-US" sz="1400" baseline="-25000" dirty="0">
+                <a:latin typeface="Arial" panose="020B0604020202020204" pitchFamily="34" charset="0"/>
+                <a:cs typeface="Arial" panose="020B0604020202020204" pitchFamily="34" charset="0"/>
+              </a:rPr>
+              <a:t>i</a:t>
+            </a:r>
+            <a:r>
+              <a:rPr lang="en-US" sz="1400" dirty="0">
+                <a:latin typeface="Arial" panose="020B0604020202020204" pitchFamily="34" charset="0"/>
+                <a:cs typeface="Arial" panose="020B0604020202020204" pitchFamily="34" charset="0"/>
+              </a:rPr>
+              <a:t> (</a:t>
+            </a:r>
+            <a:r>
+              <a:rPr lang="en-US" sz="1400" dirty="0" err="1">
+                <a:latin typeface="Arial" panose="020B0604020202020204" pitchFamily="34" charset="0"/>
+                <a:cs typeface="Arial" panose="020B0604020202020204" pitchFamily="34" charset="0"/>
+              </a:rPr>
+              <a:t>μmol</a:t>
+            </a:r>
+            <a:r>
+              <a:rPr lang="en-US" sz="1400" dirty="0">
+                <a:latin typeface="Arial" panose="020B0604020202020204" pitchFamily="34" charset="0"/>
+                <a:cs typeface="Arial" panose="020B0604020202020204" pitchFamily="34" charset="0"/>
+              </a:rPr>
+              <a:t> mol</a:t>
+            </a:r>
+            <a:r>
+              <a:rPr lang="en-US" sz="1400" baseline="30000" dirty="0">
+                <a:latin typeface="Arial" panose="020B0604020202020204" pitchFamily="34" charset="0"/>
+                <a:cs typeface="Arial" panose="020B0604020202020204" pitchFamily="34" charset="0"/>
+              </a:rPr>
+              <a:t>-1</a:t>
+            </a:r>
+            <a:r>
+              <a:rPr lang="en-US" sz="1400" dirty="0">
+                <a:latin typeface="Arial" panose="020B0604020202020204" pitchFamily="34" charset="0"/>
+                <a:cs typeface="Arial" panose="020B0604020202020204" pitchFamily="34" charset="0"/>
+              </a:rPr>
+              <a:t>)</a:t>
+            </a:r>
+          </a:p>
+        </p:txBody>
+      </p:sp>
+      <p:sp>
+        <p:nvSpPr>
+          <p:cNvPr id="10" name="TextBox 9">
+            <a:extLst>
+              <a:ext uri="{FF2B5EF4-FFF2-40B4-BE49-F238E27FC236}">
+                <a16:creationId xmlns:a16="http://schemas.microsoft.com/office/drawing/2014/main" id="{9750AD9B-8083-C3CB-64E6-BE77EFC0465D}"/>
+              </a:ext>
+            </a:extLst>
+          </p:cNvPr>
+          <p:cNvSpPr txBox="1"/>
+          <p:nvPr/>
+        </p:nvSpPr>
+        <p:spPr>
+          <a:xfrm>
+            <a:off x="2419886" y="2436411"/>
+            <a:ext cx="6097554" cy="307777"/>
+          </a:xfrm>
+          <a:prstGeom prst="rect">
+            <a:avLst/>
+          </a:prstGeom>
+          <a:noFill/>
+        </p:spPr>
+        <p:txBody>
+          <a:bodyPr wrap="square">
+            <a:spAutoFit/>
+          </a:bodyPr>
+          <a:lstStyle/>
+          <a:p>
+            <a:r>
+              <a:rPr lang="en-US" sz="1400" i="1" dirty="0" err="1">
+                <a:latin typeface="Times New Roman" panose="02020603050405020304" pitchFamily="18" charset="0"/>
+                <a:cs typeface="Times New Roman" panose="02020603050405020304" pitchFamily="18" charset="0"/>
+              </a:rPr>
+              <a:t>Aparisthmium</a:t>
+            </a:r>
+            <a:r>
+              <a:rPr lang="en-US" sz="1400" i="1" dirty="0">
+                <a:latin typeface="Times New Roman" panose="02020603050405020304" pitchFamily="18" charset="0"/>
+                <a:cs typeface="Times New Roman" panose="02020603050405020304" pitchFamily="18" charset="0"/>
+              </a:rPr>
+              <a:t> </a:t>
+            </a:r>
+            <a:r>
+              <a:rPr lang="en-US" sz="1400" i="1" dirty="0" err="1">
+                <a:latin typeface="Times New Roman" panose="02020603050405020304" pitchFamily="18" charset="0"/>
+                <a:cs typeface="Times New Roman" panose="02020603050405020304" pitchFamily="18" charset="0"/>
+              </a:rPr>
+              <a:t>cordatum</a:t>
+            </a:r>
+            <a:r>
+              <a:rPr lang="en-US" sz="1400" dirty="0">
+                <a:latin typeface="Times New Roman" panose="02020603050405020304" pitchFamily="18" charset="0"/>
+                <a:cs typeface="Times New Roman" panose="02020603050405020304" pitchFamily="18" charset="0"/>
+              </a:rPr>
+              <a:t>, Leaf 1</a:t>
+            </a:r>
+          </a:p>
+        </p:txBody>
+      </p:sp>
+      <p:sp>
+        <p:nvSpPr>
+          <p:cNvPr id="12" name="TextBox 11">
+            <a:extLst>
+              <a:ext uri="{FF2B5EF4-FFF2-40B4-BE49-F238E27FC236}">
+                <a16:creationId xmlns:a16="http://schemas.microsoft.com/office/drawing/2014/main" id="{AF86E5D3-8CA1-7839-BBED-9FCE2675C55F}"/>
+              </a:ext>
+            </a:extLst>
+          </p:cNvPr>
+          <p:cNvSpPr txBox="1"/>
+          <p:nvPr/>
+        </p:nvSpPr>
+        <p:spPr>
+          <a:xfrm>
+            <a:off x="6312048" y="2440551"/>
+            <a:ext cx="2412075" cy="523220"/>
+          </a:xfrm>
+          <a:prstGeom prst="rect">
+            <a:avLst/>
+          </a:prstGeom>
+          <a:noFill/>
+        </p:spPr>
+        <p:txBody>
+          <a:bodyPr wrap="square">
+            <a:spAutoFit/>
+          </a:bodyPr>
+          <a:lstStyle/>
+          <a:p>
+            <a:r>
+              <a:rPr lang="en-US" sz="1400" i="1" dirty="0" err="1">
+                <a:latin typeface="Times New Roman" panose="02020603050405020304" pitchFamily="18" charset="0"/>
+                <a:cs typeface="Times New Roman" panose="02020603050405020304" pitchFamily="18" charset="0"/>
+              </a:rPr>
+              <a:t>Tachigali</a:t>
+            </a:r>
+            <a:r>
+              <a:rPr lang="en-US" sz="1400" i="1" dirty="0">
+                <a:latin typeface="Times New Roman" panose="02020603050405020304" pitchFamily="18" charset="0"/>
+                <a:cs typeface="Times New Roman" panose="02020603050405020304" pitchFamily="18" charset="0"/>
+              </a:rPr>
+              <a:t> </a:t>
+            </a:r>
+            <a:r>
+              <a:rPr lang="en-US" sz="1400" i="1" dirty="0" err="1">
+                <a:latin typeface="Times New Roman" panose="02020603050405020304" pitchFamily="18" charset="0"/>
+                <a:cs typeface="Times New Roman" panose="02020603050405020304" pitchFamily="18" charset="0"/>
+              </a:rPr>
+              <a:t>chrysophylla</a:t>
+            </a:r>
+            <a:r>
+              <a:rPr lang="en-US" sz="1400" dirty="0">
+                <a:latin typeface="Times New Roman" panose="02020603050405020304" pitchFamily="18" charset="0"/>
+                <a:cs typeface="Times New Roman" panose="02020603050405020304" pitchFamily="18" charset="0"/>
+              </a:rPr>
+              <a:t>, Leaf 2</a:t>
+            </a:r>
+          </a:p>
+          <a:p>
+            <a:endParaRPr lang="en-US" sz="1400" dirty="0">
+              <a:latin typeface="Times New Roman" panose="02020603050405020304" pitchFamily="18" charset="0"/>
+              <a:cs typeface="Times New Roman" panose="02020603050405020304" pitchFamily="18" charset="0"/>
+            </a:endParaRPr>
+          </a:p>
+        </p:txBody>
+      </p:sp>
+      <p:sp>
+        <p:nvSpPr>
+          <p:cNvPr id="5" name="TextBox 4">
+            <a:extLst>
+              <a:ext uri="{FF2B5EF4-FFF2-40B4-BE49-F238E27FC236}">
+                <a16:creationId xmlns:a16="http://schemas.microsoft.com/office/drawing/2014/main" id="{87E395E3-11F1-806C-705D-A3553826AE4C}"/>
+              </a:ext>
+            </a:extLst>
+          </p:cNvPr>
+          <p:cNvSpPr txBox="1"/>
+          <p:nvPr/>
+        </p:nvSpPr>
+        <p:spPr>
           <a:xfrm rot="16200000">
-            <a:off x="4430192" y="2855127"/>
+            <a:off x="4479943" y="3998127"/>
             <a:ext cx="1769165" cy="307777"/>
           </a:xfrm>
           <a:prstGeom prst="rect">
@@ -7433,114 +7637,14 @@
                 <a:latin typeface="Arial" panose="020B0604020202020204" pitchFamily="34" charset="0"/>
                 <a:cs typeface="Arial" panose="020B0604020202020204" pitchFamily="34" charset="0"/>
               </a:rPr>
-              <a:t>A (</a:t>
-            </a:r>
-            <a:r>
-              <a:rPr lang="en-US" sz="1400" b="0" i="0" u="none" strike="noStrike" dirty="0">
-                <a:solidFill>
-                  <a:srgbClr val="000000"/>
-                </a:solidFill>
-                <a:effectLst/>
-                <a:latin typeface="Arial" panose="020B0604020202020204" pitchFamily="34" charset="0"/>
-                <a:cs typeface="Arial" panose="020B0604020202020204" pitchFamily="34" charset="0"/>
-              </a:rPr>
-              <a:t>mol m</a:t>
-            </a:r>
-            <a:r>
-              <a:rPr lang="en-US" sz="1400" b="0" i="0" u="none" strike="noStrike" baseline="30000" dirty="0">
-                <a:solidFill>
-                  <a:srgbClr val="000000"/>
-                </a:solidFill>
-                <a:effectLst/>
-                <a:latin typeface="Arial" panose="020B0604020202020204" pitchFamily="34" charset="0"/>
-                <a:cs typeface="Arial" panose="020B0604020202020204" pitchFamily="34" charset="0"/>
-              </a:rPr>
-              <a:t>-2</a:t>
-            </a:r>
-            <a:r>
-              <a:rPr lang="en-US" sz="1400" b="0" i="0" u="none" strike="noStrike" dirty="0">
-                <a:solidFill>
-                  <a:srgbClr val="000000"/>
-                </a:solidFill>
-                <a:effectLst/>
-                <a:latin typeface="Arial" panose="020B0604020202020204" pitchFamily="34" charset="0"/>
-                <a:cs typeface="Arial" panose="020B0604020202020204" pitchFamily="34" charset="0"/>
-              </a:rPr>
-              <a:t> s</a:t>
-            </a:r>
-            <a:r>
-              <a:rPr lang="en-US" sz="1400" b="0" i="0" u="none" strike="noStrike" baseline="30000" dirty="0">
-                <a:solidFill>
-                  <a:srgbClr val="000000"/>
-                </a:solidFill>
-                <a:effectLst/>
-                <a:latin typeface="Arial" panose="020B0604020202020204" pitchFamily="34" charset="0"/>
-                <a:cs typeface="Arial" panose="020B0604020202020204" pitchFamily="34" charset="0"/>
-              </a:rPr>
-              <a:t>-1</a:t>
-            </a:r>
-            <a:r>
-              <a:rPr lang="en-US" sz="1400" b="0" i="0" u="none" strike="noStrike" dirty="0">
-                <a:solidFill>
-                  <a:srgbClr val="000000"/>
-                </a:solidFill>
-                <a:effectLst/>
-                <a:latin typeface="Arial" panose="020B0604020202020204" pitchFamily="34" charset="0"/>
-                <a:cs typeface="Arial" panose="020B0604020202020204" pitchFamily="34" charset="0"/>
-              </a:rPr>
-              <a:t>)</a:t>
-            </a:r>
-            <a:endParaRPr lang="en-US" sz="1400" dirty="0">
-              <a:latin typeface="Arial" panose="020B0604020202020204" pitchFamily="34" charset="0"/>
-              <a:cs typeface="Arial" panose="020B0604020202020204" pitchFamily="34" charset="0"/>
-            </a:endParaRPr>
-          </a:p>
-        </p:txBody>
-      </p:sp>
-      <p:sp>
-        <p:nvSpPr>
-          <p:cNvPr id="8" name="TextBox 7">
-            <a:extLst>
-              <a:ext uri="{FF2B5EF4-FFF2-40B4-BE49-F238E27FC236}">
-                <a16:creationId xmlns:a16="http://schemas.microsoft.com/office/drawing/2014/main" id="{D56254E9-B638-3AD4-2FED-D1B1259280F8}"/>
-              </a:ext>
-            </a:extLst>
-          </p:cNvPr>
-          <p:cNvSpPr txBox="1"/>
-          <p:nvPr/>
-        </p:nvSpPr>
-        <p:spPr>
-          <a:xfrm>
-            <a:off x="2545498" y="4454168"/>
-            <a:ext cx="2174033" cy="307777"/>
-          </a:xfrm>
-          <a:prstGeom prst="rect">
-            <a:avLst/>
-          </a:prstGeom>
-          <a:solidFill>
-            <a:schemeClr val="bg1"/>
-          </a:solidFill>
-        </p:spPr>
-        <p:txBody>
-          <a:bodyPr wrap="square" rtlCol="0">
-            <a:spAutoFit/>
-          </a:bodyPr>
-          <a:lstStyle/>
-          <a:p>
-            <a:pPr algn="ctr"/>
-            <a:r>
-              <a:rPr lang="en-US" sz="1400" dirty="0">
-                <a:latin typeface="Arial" panose="020B0604020202020204" pitchFamily="34" charset="0"/>
-                <a:cs typeface="Arial" panose="020B0604020202020204" pitchFamily="34" charset="0"/>
-              </a:rPr>
-              <a:t>C</a:t>
+              <a:t>A</a:t>
             </a:r>
             <a:r>
               <a:rPr lang="en-US" sz="1400" baseline="-25000" dirty="0">
                 <a:latin typeface="Arial" panose="020B0604020202020204" pitchFamily="34" charset="0"/>
                 <a:cs typeface="Arial" panose="020B0604020202020204" pitchFamily="34" charset="0"/>
               </a:rPr>
-              <a:t>i</a:t>
+              <a:t>net</a:t>
             </a:r>
             <a:r>
               <a:rPr lang="en-US" sz="1400" dirty="0">
@@ -7550,21 +7654,47 @@
               <a:t> (</a:t>
             </a:r>
             <a:r>
-              <a:rPr lang="en-US" sz="1400" dirty="0" err="1">
+              <a:rPr lang="el-GR" sz="1400" dirty="0">
                 <a:latin typeface="Arial" panose="020B0604020202020204" pitchFamily="34" charset="0"/>
                 <a:cs typeface="Arial" panose="020B0604020202020204" pitchFamily="34" charset="0"/>
               </a:rPr>
-              <a:t>μmol</a:t>
+              <a:t>μ</a:t>
             </a:r>
             <a:r>
               <a:rPr lang="en-US" sz="1400" dirty="0">
+                <a:solidFill>
+                  <a:srgbClr val="000000"/>
+                </a:solidFill>
                 <a:latin typeface="Arial" panose="020B0604020202020204" pitchFamily="34" charset="0"/>
                 <a:cs typeface="Arial" panose="020B0604020202020204" pitchFamily="34" charset="0"/>
               </a:rPr>
-              <a:t> mol</a:t>
+              <a:t>mol m</a:t>
             </a:r>
             <a:r>
               <a:rPr lang="en-US" sz="1400" baseline="30000" dirty="0">
+                <a:solidFill>
+                  <a:srgbClr val="000000"/>
+                </a:solidFill>
+                <a:latin typeface="Arial" panose="020B0604020202020204" pitchFamily="34" charset="0"/>
+                <a:cs typeface="Arial" panose="020B0604020202020204" pitchFamily="34" charset="0"/>
+              </a:rPr>
+              <a:t>-2</a:t>
+            </a:r>
+            <a:r>
+              <a:rPr lang="en-US" sz="1400" dirty="0">
+                <a:solidFill>
+                  <a:srgbClr val="000000"/>
+                </a:solidFill>
+                <a:latin typeface="Arial" panose="020B0604020202020204" pitchFamily="34" charset="0"/>
+                <a:cs typeface="Arial" panose="020B0604020202020204" pitchFamily="34" charset="0"/>
+              </a:rPr>
+              <a:t> s</a:t>
+            </a:r>
+            <a:r>
+              <a:rPr lang="en-US" sz="1400" baseline="30000" dirty="0">
+                <a:solidFill>
+                  <a:srgbClr val="000000"/>
+                </a:solidFill>
                 <a:latin typeface="Arial" panose="020B0604020202020204" pitchFamily="34" charset="0"/>
                 <a:cs typeface="Arial" panose="020B0604020202020204" pitchFamily="34" charset="0"/>
               </a:rPr>
@@ -7572,217 +7702,17 @@
             </a:r>
             <a:r>
               <a:rPr lang="en-US" sz="1400" dirty="0">
+                <a:solidFill>
+                  <a:srgbClr val="000000"/>
+                </a:solidFill>
                 <a:latin typeface="Arial" panose="020B0604020202020204" pitchFamily="34" charset="0"/>
                 <a:cs typeface="Arial" panose="020B0604020202020204" pitchFamily="34" charset="0"/>
               </a:rPr>
               <a:t>)</a:t>
             </a:r>
-          </a:p>
-        </p:txBody>
-      </p:sp>
-      <p:sp>
-        <p:nvSpPr>
-          <p:cNvPr id="9" name="TextBox 8">
-            <a:extLst>
-              <a:ext uri="{FF2B5EF4-FFF2-40B4-BE49-F238E27FC236}">
-                <a16:creationId xmlns:a16="http://schemas.microsoft.com/office/drawing/2014/main" id="{FB864498-56E9-B1C2-90C5-59CB34C144B2}"/>
-              </a:ext>
-            </a:extLst>
-          </p:cNvPr>
-          <p:cNvSpPr txBox="1"/>
-          <p:nvPr/>
-        </p:nvSpPr>
-        <p:spPr>
-          <a:xfrm>
-            <a:off x="6220452" y="4454168"/>
-            <a:ext cx="2174033" cy="307777"/>
-          </a:xfrm>
-          <a:prstGeom prst="rect">
-            <a:avLst/>
-          </a:prstGeom>
-          <a:solidFill>
-            <a:schemeClr val="bg1"/>
-          </a:solidFill>
-        </p:spPr>
-        <p:txBody>
-          <a:bodyPr wrap="square" rtlCol="0">
-            <a:spAutoFit/>
-          </a:bodyPr>
-          <a:lstStyle/>
-          <a:p>
-            <a:pPr algn="ctr"/>
-            <a:r>
-              <a:rPr lang="en-US" sz="1400" dirty="0">
-                <a:latin typeface="Arial" panose="020B0604020202020204" pitchFamily="34" charset="0"/>
-                <a:cs typeface="Arial" panose="020B0604020202020204" pitchFamily="34" charset="0"/>
-              </a:rPr>
-              <a:t>C</a:t>
-            </a:r>
-            <a:r>
-              <a:rPr lang="en-US" sz="1400" baseline="-25000" dirty="0">
-                <a:latin typeface="Arial" panose="020B0604020202020204" pitchFamily="34" charset="0"/>
-                <a:cs typeface="Arial" panose="020B0604020202020204" pitchFamily="34" charset="0"/>
-              </a:rPr>
-              <a:t>i</a:t>
-            </a:r>
-            <a:r>
-              <a:rPr lang="en-US" sz="1400" dirty="0">
-                <a:latin typeface="Arial" panose="020B0604020202020204" pitchFamily="34" charset="0"/>
-                <a:cs typeface="Arial" panose="020B0604020202020204" pitchFamily="34" charset="0"/>
-              </a:rPr>
-              <a:t> (</a:t>
-            </a:r>
-            <a:r>
-              <a:rPr lang="en-US" sz="1400" dirty="0" err="1">
-                <a:latin typeface="Arial" panose="020B0604020202020204" pitchFamily="34" charset="0"/>
-                <a:cs typeface="Arial" panose="020B0604020202020204" pitchFamily="34" charset="0"/>
-              </a:rPr>
-              <a:t>μmol</a:t>
-            </a:r>
-            <a:r>
-              <a:rPr lang="en-US" sz="1400" dirty="0">
-                <a:latin typeface="Arial" panose="020B0604020202020204" pitchFamily="34" charset="0"/>
-                <a:cs typeface="Arial" panose="020B0604020202020204" pitchFamily="34" charset="0"/>
-              </a:rPr>
-              <a:t> mol</a:t>
-            </a:r>
-            <a:r>
-              <a:rPr lang="en-US" sz="1400" baseline="30000" dirty="0">
-                <a:latin typeface="Arial" panose="020B0604020202020204" pitchFamily="34" charset="0"/>
-                <a:cs typeface="Arial" panose="020B0604020202020204" pitchFamily="34" charset="0"/>
-              </a:rPr>
-              <a:t>-1</a:t>
-            </a:r>
-            <a:r>
-              <a:rPr lang="en-US" sz="1400" dirty="0">
-                <a:latin typeface="Arial" panose="020B0604020202020204" pitchFamily="34" charset="0"/>
-                <a:cs typeface="Arial" panose="020B0604020202020204" pitchFamily="34" charset="0"/>
-              </a:rPr>
-              <a:t>)</a:t>
-            </a:r>
-          </a:p>
-        </p:txBody>
-      </p:sp>
-      <p:sp>
-        <p:nvSpPr>
-          <p:cNvPr id="10" name="TextBox 9">
-            <a:extLst>
-              <a:ext uri="{FF2B5EF4-FFF2-40B4-BE49-F238E27FC236}">
-                <a16:creationId xmlns:a16="http://schemas.microsoft.com/office/drawing/2014/main" id="{9750AD9B-8083-C3CB-64E6-BE77EFC0465D}"/>
-              </a:ext>
-            </a:extLst>
-          </p:cNvPr>
-          <p:cNvSpPr txBox="1"/>
-          <p:nvPr/>
-        </p:nvSpPr>
-        <p:spPr>
-          <a:xfrm>
-            <a:off x="2419886" y="1293410"/>
-            <a:ext cx="6097554" cy="307777"/>
-          </a:xfrm>
-          <a:prstGeom prst="rect">
-            <a:avLst/>
-          </a:prstGeom>
-          <a:noFill/>
-        </p:spPr>
-        <p:txBody>
-          <a:bodyPr wrap="square">
-            <a:spAutoFit/>
-          </a:bodyPr>
-          <a:lstStyle/>
-          <a:p>
-            <a:r>
-              <a:rPr lang="en-US" sz="1400" i="1" dirty="0" err="1">
-                <a:latin typeface="Times New Roman" panose="02020603050405020304" pitchFamily="18" charset="0"/>
-                <a:cs typeface="Times New Roman" panose="02020603050405020304" pitchFamily="18" charset="0"/>
-              </a:rPr>
-              <a:t>Aparisthmium</a:t>
-            </a:r>
-            <a:r>
-              <a:rPr lang="en-US" sz="1400" i="1" dirty="0">
-                <a:latin typeface="Times New Roman" panose="02020603050405020304" pitchFamily="18" charset="0"/>
-                <a:cs typeface="Times New Roman" panose="02020603050405020304" pitchFamily="18" charset="0"/>
-              </a:rPr>
-              <a:t> </a:t>
-            </a:r>
-            <a:r>
-              <a:rPr lang="en-US" sz="1400" i="1" dirty="0" err="1">
-                <a:latin typeface="Times New Roman" panose="02020603050405020304" pitchFamily="18" charset="0"/>
-                <a:cs typeface="Times New Roman" panose="02020603050405020304" pitchFamily="18" charset="0"/>
-              </a:rPr>
-              <a:t>cordatum</a:t>
-            </a:r>
-            <a:r>
-              <a:rPr lang="en-US" sz="1400" dirty="0">
-                <a:latin typeface="Times New Roman" panose="02020603050405020304" pitchFamily="18" charset="0"/>
-                <a:cs typeface="Times New Roman" panose="02020603050405020304" pitchFamily="18" charset="0"/>
-              </a:rPr>
-              <a:t>, Leaf 1</a:t>
-            </a:r>
-          </a:p>
-        </p:txBody>
-      </p:sp>
-      <p:sp>
-        <p:nvSpPr>
-          <p:cNvPr id="12" name="TextBox 11">
-            <a:extLst>
-              <a:ext uri="{FF2B5EF4-FFF2-40B4-BE49-F238E27FC236}">
-                <a16:creationId xmlns:a16="http://schemas.microsoft.com/office/drawing/2014/main" id="{AF86E5D3-8CA1-7839-BBED-9FCE2675C55F}"/>
-              </a:ext>
-            </a:extLst>
-          </p:cNvPr>
-          <p:cNvSpPr txBox="1"/>
-          <p:nvPr/>
-        </p:nvSpPr>
-        <p:spPr>
-          <a:xfrm>
-            <a:off x="6312047" y="1297551"/>
-            <a:ext cx="2412075" cy="523220"/>
-          </a:xfrm>
-          <a:prstGeom prst="rect">
-            <a:avLst/>
-          </a:prstGeom>
-          <a:noFill/>
-        </p:spPr>
-        <p:txBody>
-          <a:bodyPr wrap="square">
-            <a:spAutoFit/>
-          </a:bodyPr>
-          <a:lstStyle/>
-          <a:p>
-            <a:r>
-              <a:rPr lang="en-US" sz="1400" i="1" dirty="0" err="1">
-                <a:latin typeface="Times New Roman" panose="02020603050405020304" pitchFamily="18" charset="0"/>
-                <a:cs typeface="Times New Roman" panose="02020603050405020304" pitchFamily="18" charset="0"/>
-              </a:rPr>
-              <a:t>Tachigali</a:t>
-            </a:r>
-            <a:r>
-              <a:rPr lang="en-US" sz="1400" i="1" dirty="0">
-                <a:latin typeface="Times New Roman" panose="02020603050405020304" pitchFamily="18" charset="0"/>
-                <a:cs typeface="Times New Roman" panose="02020603050405020304" pitchFamily="18" charset="0"/>
-              </a:rPr>
-              <a:t> </a:t>
-            </a:r>
-            <a:r>
-              <a:rPr lang="en-US" sz="1400" i="1" dirty="0" err="1">
-                <a:latin typeface="Times New Roman" panose="02020603050405020304" pitchFamily="18" charset="0"/>
-                <a:cs typeface="Times New Roman" panose="02020603050405020304" pitchFamily="18" charset="0"/>
-              </a:rPr>
-              <a:t>chrysophylla</a:t>
-            </a:r>
-            <a:r>
-              <a:rPr lang="en-US" sz="1400" dirty="0">
-                <a:latin typeface="Times New Roman" panose="02020603050405020304" pitchFamily="18" charset="0"/>
-                <a:cs typeface="Times New Roman" panose="02020603050405020304" pitchFamily="18" charset="0"/>
-              </a:rPr>
-              <a:t>, Leaf 2</a:t>
-            </a:r>
-          </a:p>
-          <a:p>
             <a:endParaRPr lang="en-US" sz="1400" dirty="0">
-              <a:latin typeface="Times New Roman" panose="02020603050405020304" pitchFamily="18" charset="0"/>
-              <a:cs typeface="Times New Roman" panose="02020603050405020304" pitchFamily="18" charset="0"/>
+              <a:latin typeface="Arial" panose="020B0604020202020204" pitchFamily="34" charset="0"/>
+              <a:cs typeface="Arial" panose="020B0604020202020204" pitchFamily="34" charset="0"/>
             </a:endParaRPr>
           </a:p>
         </p:txBody>
@@ -7800,150 +7730,7 @@
 </p:sld>
 </file>
 
-<file path=ppt/slides/slide10.xml><?xml version="1.0" encoding="utf-8"?>
-<p:sld xmlns:a="http://schemas.openxmlformats.org/drawingml/2006/main" xmlns:r="http://schemas.openxmlformats.org/officeDocument/2006/relationships" xmlns:p="http://schemas.openxmlformats.org/presentationml/2006/main">
-  <p:cSld>
-    <p:spTree>
-      <p:nvGrpSpPr>
-        <p:cNvPr id="1" name=""/>
-        <p:cNvGrpSpPr/>
-        <p:nvPr/>
-      </p:nvGrpSpPr>
-      <p:grpSpPr>
-        <a:xfrm>
-          <a:off x="0" y="0"/>
-          <a:ext cx="0" cy="0"/>
-          <a:chOff x="0" y="0"/>
-          <a:chExt cx="0" cy="0"/>
-        </a:xfrm>
-      </p:grpSpPr>
-    </p:spTree>
-    <p:extLst>
-      <p:ext uri="{BB962C8B-B14F-4D97-AF65-F5344CB8AC3E}">
-        <p14:creationId xmlns:p14="http://schemas.microsoft.com/office/powerpoint/2010/main" val="2125615224"/>
-      </p:ext>
-    </p:extLst>
-  </p:cSld>
-  <p:clrMapOvr>
-    <a:masterClrMapping/>
-  </p:clrMapOvr>
-</p:sld>
-</file>
-
 <file path=ppt/slides/slide2.xml><?xml version="1.0" encoding="utf-8"?>
-<p:sld xmlns:a="http://schemas.openxmlformats.org/drawingml/2006/main" xmlns:r="http://schemas.openxmlformats.org/officeDocument/2006/relationships" xmlns:p="http://schemas.openxmlformats.org/presentationml/2006/main">
-  <p:cSld>
-    <p:spTree>
-      <p:nvGrpSpPr>
-        <p:cNvPr id="1" name=""/>
-        <p:cNvGrpSpPr/>
-        <p:nvPr/>
-      </p:nvGrpSpPr>
-      <p:grpSpPr>
-        <a:xfrm>
-          <a:off x="0" y="0"/>
-          <a:ext cx="0" cy="0"/>
-          <a:chOff x="0" y="0"/>
-          <a:chExt cx="0" cy="0"/>
-        </a:xfrm>
-      </p:grpSpPr>
-      <p:pic>
-        <p:nvPicPr>
-          <p:cNvPr id="1026" name="Picture 2">
-            <a:extLst>
-              <a:ext uri="{FF2B5EF4-FFF2-40B4-BE49-F238E27FC236}">
-                <a16:creationId xmlns:a16="http://schemas.microsoft.com/office/drawing/2014/main" id="{91784FDC-E75D-A453-0F0A-2DAB77AA3837}"/>
-              </a:ext>
-            </a:extLst>
-          </p:cNvPr>
-          <p:cNvPicPr>
-            <a:picLocks noChangeAspect="1" noChangeArrowheads="1"/>
-          </p:cNvPicPr>
-          <p:nvPr/>
-        </p:nvPicPr>
-        <p:blipFill>
-          <a:blip r:embed="rId2">
-            <a:extLst>
-              <a:ext uri="{28A0092B-C50C-407E-A947-70E740481C1C}">
-                <a14:useLocalDpi xmlns:a14="http://schemas.microsoft.com/office/drawing/2010/main" val="0"/>
-              </a:ext>
-            </a:extLst>
-          </a:blip>
-          <a:srcRect/>
-          <a:stretch>
-            <a:fillRect/>
-          </a:stretch>
-        </p:blipFill>
-        <p:spPr bwMode="auto">
-          <a:xfrm>
-            <a:off x="2592389" y="0"/>
-            <a:ext cx="6243702" cy="6110737"/>
-          </a:xfrm>
-          <a:prstGeom prst="rect">
-            <a:avLst/>
-          </a:prstGeom>
-          <a:noFill/>
-          <a:extLst>
-            <a:ext uri="{909E8E84-426E-40DD-AFC4-6F175D3DCCD1}">
-              <a14:hiddenFill xmlns:a14="http://schemas.microsoft.com/office/drawing/2010/main">
-                <a:solidFill>
-                  <a:srgbClr val="FFFFFF"/>
-                </a:solidFill>
-              </a14:hiddenFill>
-            </a:ext>
-          </a:extLst>
-        </p:spPr>
-      </p:pic>
-      <p:sp>
-        <p:nvSpPr>
-          <p:cNvPr id="9" name="TextBox 8">
-            <a:extLst>
-              <a:ext uri="{FF2B5EF4-FFF2-40B4-BE49-F238E27FC236}">
-                <a16:creationId xmlns:a16="http://schemas.microsoft.com/office/drawing/2014/main" id="{EA7A0563-1DD7-CE56-67A7-F4C78560F18D}"/>
-              </a:ext>
-            </a:extLst>
-          </p:cNvPr>
-          <p:cNvSpPr txBox="1"/>
-          <p:nvPr/>
-        </p:nvSpPr>
-        <p:spPr>
-          <a:xfrm>
-            <a:off x="2592389" y="6110737"/>
-            <a:ext cx="6243702" cy="430887"/>
-          </a:xfrm>
-          <a:prstGeom prst="rect">
-            <a:avLst/>
-          </a:prstGeom>
-          <a:noFill/>
-        </p:spPr>
-        <p:txBody>
-          <a:bodyPr wrap="square">
-            <a:spAutoFit/>
-          </a:bodyPr>
-          <a:lstStyle/>
-          <a:p>
-            <a:pPr algn="just"/>
-            <a:r>
-              <a:rPr lang="en-US" sz="1050" dirty="0"/>
-              <a:t>Figure 2: Example steady-state and DAT curve fits, both with and without TPU fitting enabled. The full set of curve fits is provided in Figure S2.</a:t>
-            </a:r>
-          </a:p>
-        </p:txBody>
-      </p:sp>
-    </p:spTree>
-    <p:extLst>
-      <p:ext uri="{BB962C8B-B14F-4D97-AF65-F5344CB8AC3E}">
-        <p14:creationId xmlns:p14="http://schemas.microsoft.com/office/powerpoint/2010/main" val="3557524338"/>
-      </p:ext>
-    </p:extLst>
-  </p:cSld>
-  <p:clrMapOvr>
-    <a:masterClrMapping/>
-  </p:clrMapOvr>
-</p:sld>
-</file>
-
-<file path=ppt/slides/slide3.xml><?xml version="1.0" encoding="utf-8"?>
 <p:sld xmlns:a="http://schemas.openxmlformats.org/drawingml/2006/main" xmlns:r="http://schemas.openxmlformats.org/officeDocument/2006/relationships" xmlns:p="http://schemas.openxmlformats.org/presentationml/2006/main">
   <p:cSld>
     <p:spTree>
@@ -7988,7 +7775,7 @@
         </p:blipFill>
         <p:spPr>
           <a:xfrm>
-            <a:off x="689579" y="480546"/>
+            <a:off x="689580" y="1623547"/>
             <a:ext cx="8830187" cy="6200171"/>
           </a:xfrm>
           <a:prstGeom prst="rect">
@@ -8010,7 +7797,7 @@
         </p:nvSpPr>
         <p:spPr>
           <a:xfrm>
-            <a:off x="10700954" y="111214"/>
+            <a:off x="10700954" y="1254214"/>
             <a:ext cx="1932414" cy="369332"/>
           </a:xfrm>
           <a:prstGeom prst="rect">
@@ -8024,37 +7811,15 @@
           </a:bodyPr>
           <a:lstStyle/>
           <a:p>
-            <a:pPr marL="0" marR="0" lvl="0" indent="0" algn="l" defTabSz="457142" rtl="0" eaLnBrk="1" fontAlgn="auto" latinLnBrk="0" hangingPunct="1">
-              <a:lnSpc>
-                <a:spcPct val="100000"/>
-              </a:lnSpc>
-              <a:spcBef>
-                <a:spcPts val="0"/>
-              </a:spcBef>
-              <a:spcAft>
-                <a:spcPts val="0"/>
-              </a:spcAft>
-              <a:buClrTx/>
-              <a:buSzTx/>
-              <a:buFontTx/>
-              <a:buNone/>
-              <a:tabLst/>
+            <a:pPr defTabSz="457142">
               <a:defRPr/>
             </a:pPr>
             <a:r>
-              <a:rPr kumimoji="0" lang="en-US" sz="1800" b="0" i="0" u="none" strike="noStrike" kern="1200" cap="none" spc="0" normalizeH="0" baseline="0" noProof="0" dirty="0">
-                <a:ln>
-                  <a:noFill/>
-                </a:ln>
+              <a:rPr lang="en-US" dirty="0">
                 <a:solidFill>
                   <a:prstClr val="black"/>
                 </a:solidFill>
-                <a:effectLst/>
-                <a:uLnTx/>
-                <a:uFillTx/>
                 <a:latin typeface="Calibri" panose="020F0502020204030204"/>
-                <a:ea typeface="+mn-ea"/>
-                <a:cs typeface="+mn-cs"/>
               </a:rPr>
               <a:t>Without TPU</a:t>
             </a:r>
@@ -8098,7 +7863,7 @@
         </p:blipFill>
         <p:spPr>
           <a:xfrm>
-            <a:off x="5673012" y="3403951"/>
+            <a:off x="5673013" y="4546952"/>
             <a:ext cx="2500865" cy="2397285"/>
           </a:xfrm>
           <a:prstGeom prst="rect">
@@ -8134,53 +7899,8 @@
         </p:blipFill>
         <p:spPr>
           <a:xfrm>
-            <a:off x="717570" y="480546"/>
+            <a:off x="717571" y="1623547"/>
             <a:ext cx="8830187" cy="6200171"/>
-          </a:xfrm>
-          <a:prstGeom prst="rect">
-            <a:avLst/>
-          </a:prstGeom>
-        </p:spPr>
-      </p:pic>
-      <p:pic>
-        <p:nvPicPr>
-          <p:cNvPr id="5" name="Picture 4">
-            <a:extLst>
-              <a:ext uri="{FF2B5EF4-FFF2-40B4-BE49-F238E27FC236}">
-                <a16:creationId xmlns:a16="http://schemas.microsoft.com/office/drawing/2014/main" id="{790E62C9-D7A0-705D-3315-1A47C3333AFE}"/>
-              </a:ext>
-            </a:extLst>
-          </p:cNvPr>
-          <p:cNvPicPr>
-            <a:picLocks noChangeAspect="1"/>
-          </p:cNvPicPr>
-          <p:nvPr/>
-        </p:nvPicPr>
-        <p:blipFill rotWithShape="1">
-          <a:blip r:embed="rId4">
-            <a:clrChange>
-              <a:clrFrom>
-                <a:srgbClr val="FFFFFF"/>
-              </a:clrFrom>
-              <a:clrTo>
-                <a:srgbClr val="FFFFFF">
-                  <a:alpha val="0"/>
-                </a:srgbClr>
-              </a:clrTo>
-            </a:clrChange>
-            <a:extLst>
-              <a:ext uri="{28A0092B-C50C-407E-A947-70E740481C1C}">
-                <a14:useLocalDpi xmlns:a14="http://schemas.microsoft.com/office/drawing/2010/main" val="0"/>
-              </a:ext>
-            </a:extLst>
-          </a:blip>
-          <a:srcRect l="16984" r="16545"/>
-          <a:stretch/>
-        </p:blipFill>
-        <p:spPr>
-          <a:xfrm>
-            <a:off x="5701003" y="3403951"/>
-            <a:ext cx="2500865" cy="2397285"/>
           </a:xfrm>
           <a:prstGeom prst="rect">
             <a:avLst/>
@@ -8200,7 +7920,7 @@
 </p:sld>
 </file>
 
-<file path=ppt/slides/slide4.xml><?xml version="1.0" encoding="utf-8"?>
+<file path=ppt/slides/slide3.xml><?xml version="1.0" encoding="utf-8"?>
 <p:sld xmlns:a="http://schemas.openxmlformats.org/drawingml/2006/main" xmlns:r="http://schemas.openxmlformats.org/officeDocument/2006/relationships" xmlns:p="http://schemas.openxmlformats.org/presentationml/2006/main">
   <p:cSld>
     <p:spTree>
@@ -8245,54 +7965,8 @@
         </p:blipFill>
         <p:spPr>
           <a:xfrm>
-            <a:off x="442998" y="253064"/>
+            <a:off x="442999" y="1396065"/>
             <a:ext cx="9046235" cy="6351871"/>
-          </a:xfrm>
-          <a:prstGeom prst="rect">
-            <a:avLst/>
-          </a:prstGeom>
-        </p:spPr>
-      </p:pic>
-      <p:pic>
-        <p:nvPicPr>
-          <p:cNvPr id="7" name="Picture 6">
-            <a:extLst>
-              <a:ext uri="{FF2B5EF4-FFF2-40B4-BE49-F238E27FC236}">
-                <a16:creationId xmlns:a16="http://schemas.microsoft.com/office/drawing/2014/main" id="{4EDCAFE8-ADE6-CB93-2A07-B9A5557BDC9F}"/>
-              </a:ext>
-            </a:extLst>
-          </p:cNvPr>
-          <p:cNvPicPr>
-            <a:picLocks noChangeAspect="1"/>
-          </p:cNvPicPr>
-          <p:nvPr/>
-        </p:nvPicPr>
-        <p:blipFill>
-          <a:blip r:embed="rId4">
-            <a:clrChange>
-              <a:clrFrom>
-                <a:srgbClr val="FFFFFF"/>
-              </a:clrFrom>
-              <a:clrTo>
-                <a:srgbClr val="FFFFFF">
-                  <a:alpha val="0"/>
-                </a:srgbClr>
-              </a:clrTo>
-            </a:clrChange>
-            <a:extLst>
-              <a:ext uri="{28A0092B-C50C-407E-A947-70E740481C1C}">
-                <a14:useLocalDpi xmlns:a14="http://schemas.microsoft.com/office/drawing/2010/main" val="0"/>
-              </a:ext>
-            </a:extLst>
-          </a:blip>
-          <a:stretch>
-            <a:fillRect/>
-          </a:stretch>
-        </p:blipFill>
-        <p:spPr>
-          <a:xfrm>
-            <a:off x="4670608" y="3150470"/>
-            <a:ext cx="3884553" cy="2544330"/>
           </a:xfrm>
           <a:prstGeom prst="rect">
             <a:avLst/>
@@ -8313,7 +7987,7 @@
         </p:nvSpPr>
         <p:spPr>
           <a:xfrm>
-            <a:off x="10552673" y="370706"/>
+            <a:off x="10552673" y="1513706"/>
             <a:ext cx="1285104" cy="369332"/>
           </a:xfrm>
           <a:prstGeom prst="rect">
@@ -8327,37 +8001,15 @@
           </a:bodyPr>
           <a:lstStyle/>
           <a:p>
-            <a:pPr marL="0" marR="0" lvl="0" indent="0" algn="l" defTabSz="457142" rtl="0" eaLnBrk="1" fontAlgn="auto" latinLnBrk="0" hangingPunct="1">
-              <a:lnSpc>
-                <a:spcPct val="100000"/>
-              </a:lnSpc>
-              <a:spcBef>
-                <a:spcPts val="0"/>
-              </a:spcBef>
-              <a:spcAft>
-                <a:spcPts val="0"/>
-              </a:spcAft>
-              <a:buClrTx/>
-              <a:buSzTx/>
-              <a:buFontTx/>
-              <a:buNone/>
-              <a:tabLst/>
+            <a:pPr defTabSz="457142">
               <a:defRPr/>
             </a:pPr>
             <a:r>
-              <a:rPr kumimoji="0" lang="en-US" sz="1800" b="0" i="0" u="none" strike="noStrike" kern="1200" cap="none" spc="0" normalizeH="0" baseline="0" noProof="0" dirty="0">
-                <a:ln>
-                  <a:noFill/>
-                </a:ln>
+              <a:rPr lang="en-US" dirty="0">
                 <a:solidFill>
                   <a:prstClr val="black"/>
                 </a:solidFill>
-                <a:effectLst/>
-                <a:uLnTx/>
-                <a:uFillTx/>
                 <a:latin typeface="Calibri" panose="020F0502020204030204"/>
-                <a:ea typeface="+mn-ea"/>
-                <a:cs typeface="+mn-cs"/>
               </a:rPr>
               <a:t>With TPU</a:t>
             </a:r>
@@ -8377,7 +8029,7 @@
 </p:sld>
 </file>
 
-<file path=ppt/slides/slide5.xml><?xml version="1.0" encoding="utf-8"?>
+<file path=ppt/slides/slide4.xml><?xml version="1.0" encoding="utf-8"?>
 <p:sld xmlns:a="http://schemas.openxmlformats.org/drawingml/2006/main" xmlns:r="http://schemas.openxmlformats.org/officeDocument/2006/relationships" xmlns:p="http://schemas.openxmlformats.org/presentationml/2006/main">
   <p:cSld>
     <p:spTree>
@@ -8394,66 +8046,6 @@
           <a:chExt cx="0" cy="0"/>
         </a:xfrm>
       </p:grpSpPr>
-      <p:pic>
-        <p:nvPicPr>
-          <p:cNvPr id="4" name="Picture 3">
-            <a:extLst>
-              <a:ext uri="{FF2B5EF4-FFF2-40B4-BE49-F238E27FC236}">
-                <a16:creationId xmlns:a16="http://schemas.microsoft.com/office/drawing/2014/main" id="{3E5B21AF-3D86-05F6-A544-B96CB7290BDC}"/>
-              </a:ext>
-            </a:extLst>
-          </p:cNvPr>
-          <p:cNvPicPr>
-            <a:picLocks noChangeAspect="1"/>
-          </p:cNvPicPr>
-          <p:nvPr/>
-        </p:nvPicPr>
-        <p:blipFill>
-          <a:blip r:embed="rId2"/>
-          <a:stretch>
-            <a:fillRect/>
-          </a:stretch>
-        </p:blipFill>
-        <p:spPr>
-          <a:xfrm rot="16200000">
-            <a:off x="-342630" y="1585326"/>
-            <a:ext cx="5978319" cy="4198861"/>
-          </a:xfrm>
-          <a:prstGeom prst="rect">
-            <a:avLst/>
-          </a:prstGeom>
-        </p:spPr>
-      </p:pic>
-      <p:pic>
-        <p:nvPicPr>
-          <p:cNvPr id="3" name="Picture 2">
-            <a:extLst>
-              <a:ext uri="{FF2B5EF4-FFF2-40B4-BE49-F238E27FC236}">
-                <a16:creationId xmlns:a16="http://schemas.microsoft.com/office/drawing/2014/main" id="{22E19BB7-F9E5-2F87-9088-37CCA6611DF6}"/>
-              </a:ext>
-            </a:extLst>
-          </p:cNvPr>
-          <p:cNvPicPr>
-            <a:picLocks noChangeAspect="1"/>
-          </p:cNvPicPr>
-          <p:nvPr/>
-        </p:nvPicPr>
-        <p:blipFill>
-          <a:blip r:embed="rId3"/>
-          <a:stretch>
-            <a:fillRect/>
-          </a:stretch>
-        </p:blipFill>
-        <p:spPr>
-          <a:xfrm rot="16200000">
-            <a:off x="3465790" y="1527854"/>
-            <a:ext cx="6076337" cy="4262444"/>
-          </a:xfrm>
-          <a:prstGeom prst="rect">
-            <a:avLst/>
-          </a:prstGeom>
-        </p:spPr>
-      </p:pic>
       <p:sp>
         <p:nvSpPr>
           <p:cNvPr id="6" name="TextBox 5">
@@ -8467,8 +8059,8 @@
           <p:nvPr/>
         </p:nvSpPr>
         <p:spPr>
-          <a:xfrm rot="16200000">
-            <a:off x="7084105" y="3105078"/>
+          <a:xfrm>
+            <a:off x="7743491" y="6751406"/>
             <a:ext cx="4315738" cy="1107996"/>
           </a:xfrm>
           <a:prstGeom prst="rect">
@@ -8506,6 +8098,157 @@
           </a:p>
         </p:txBody>
       </p:sp>
+      <p:sp>
+        <p:nvSpPr>
+          <p:cNvPr id="8" name="TextBox 7">
+            <a:extLst>
+              <a:ext uri="{FF2B5EF4-FFF2-40B4-BE49-F238E27FC236}">
+                <a16:creationId xmlns:a16="http://schemas.microsoft.com/office/drawing/2014/main" id="{ED049BFF-5D0D-659F-5DB3-337FAC18DDF9}"/>
+              </a:ext>
+            </a:extLst>
+          </p:cNvPr>
+          <p:cNvSpPr txBox="1"/>
+          <p:nvPr/>
+        </p:nvSpPr>
+        <p:spPr>
+          <a:xfrm>
+            <a:off x="599211" y="4375002"/>
+            <a:ext cx="306494" cy="369332"/>
+          </a:xfrm>
+          <a:prstGeom prst="rect">
+            <a:avLst/>
+          </a:prstGeom>
+          <a:noFill/>
+        </p:spPr>
+        <p:txBody>
+          <a:bodyPr wrap="none" rtlCol="0">
+            <a:spAutoFit/>
+          </a:bodyPr>
+          <a:lstStyle/>
+          <a:p>
+            <a:r>
+              <a:rPr lang="en-US" dirty="0">
+                <a:latin typeface="Times New Roman" panose="02020603050405020304" pitchFamily="18" charset="0"/>
+                <a:cs typeface="Times New Roman" panose="02020603050405020304" pitchFamily="18" charset="0"/>
+              </a:rPr>
+              <a:t>b</a:t>
+            </a:r>
+          </a:p>
+        </p:txBody>
+      </p:sp>
+      <p:sp>
+        <p:nvSpPr>
+          <p:cNvPr id="9" name="TextBox 8">
+            <a:extLst>
+              <a:ext uri="{FF2B5EF4-FFF2-40B4-BE49-F238E27FC236}">
+                <a16:creationId xmlns:a16="http://schemas.microsoft.com/office/drawing/2014/main" id="{73BB276C-0EE8-AC07-AEA5-2CDC400F20AF}"/>
+              </a:ext>
+            </a:extLst>
+          </p:cNvPr>
+          <p:cNvSpPr txBox="1"/>
+          <p:nvPr/>
+        </p:nvSpPr>
+        <p:spPr>
+          <a:xfrm rot="16200000">
+            <a:off x="926648" y="6063106"/>
+            <a:ext cx="1709619" cy="338554"/>
+          </a:xfrm>
+          <a:prstGeom prst="rect">
+            <a:avLst/>
+          </a:prstGeom>
+          <a:noFill/>
+        </p:spPr>
+        <p:txBody>
+          <a:bodyPr wrap="square" rtlCol="0">
+            <a:spAutoFit/>
+          </a:bodyPr>
+          <a:lstStyle/>
+          <a:p>
+            <a:pPr algn="ctr"/>
+            <a:r>
+              <a:rPr lang="en-US" sz="1600" b="1" dirty="0">
+                <a:latin typeface="Times New Roman" panose="02020603050405020304" pitchFamily="18" charset="0"/>
+                <a:cs typeface="Times New Roman" panose="02020603050405020304" pitchFamily="18" charset="0"/>
+              </a:rPr>
+              <a:t>Without TPU</a:t>
+            </a:r>
+          </a:p>
+        </p:txBody>
+      </p:sp>
+      <p:sp>
+        <p:nvSpPr>
+          <p:cNvPr id="10" name="TextBox 9">
+            <a:extLst>
+              <a:ext uri="{FF2B5EF4-FFF2-40B4-BE49-F238E27FC236}">
+                <a16:creationId xmlns:a16="http://schemas.microsoft.com/office/drawing/2014/main" id="{B01296B2-64D6-454F-A3F0-5ED1157DA469}"/>
+              </a:ext>
+            </a:extLst>
+          </p:cNvPr>
+          <p:cNvSpPr txBox="1"/>
+          <p:nvPr/>
+        </p:nvSpPr>
+        <p:spPr>
+          <a:xfrm rot="16200000">
+            <a:off x="926648" y="2844460"/>
+            <a:ext cx="1709619" cy="338554"/>
+          </a:xfrm>
+          <a:prstGeom prst="rect">
+            <a:avLst/>
+          </a:prstGeom>
+          <a:noFill/>
+        </p:spPr>
+        <p:txBody>
+          <a:bodyPr wrap="square" rtlCol="0">
+            <a:spAutoFit/>
+          </a:bodyPr>
+          <a:lstStyle/>
+          <a:p>
+            <a:pPr algn="ctr"/>
+            <a:r>
+              <a:rPr lang="en-US" sz="1600" b="1" dirty="0">
+                <a:latin typeface="Times New Roman" panose="02020603050405020304" pitchFamily="18" charset="0"/>
+                <a:cs typeface="Times New Roman" panose="02020603050405020304" pitchFamily="18" charset="0"/>
+              </a:rPr>
+              <a:t>With TPU</a:t>
+            </a:r>
+          </a:p>
+        </p:txBody>
+      </p:sp>
+      <p:pic>
+        <p:nvPicPr>
+          <p:cNvPr id="11" name="Picture 10">
+            <a:extLst>
+              <a:ext uri="{FF2B5EF4-FFF2-40B4-BE49-F238E27FC236}">
+                <a16:creationId xmlns:a16="http://schemas.microsoft.com/office/drawing/2014/main" id="{1725CCCB-AECB-DA3F-A22B-38A97AAC452E}"/>
+              </a:ext>
+            </a:extLst>
+          </p:cNvPr>
+          <p:cNvPicPr>
+            <a:picLocks noChangeAspect="1"/>
+          </p:cNvPicPr>
+          <p:nvPr/>
+        </p:nvPicPr>
+        <p:blipFill rotWithShape="1">
+          <a:blip r:embed="rId2">
+            <a:extLst>
+              <a:ext uri="{28A0092B-C50C-407E-A947-70E740481C1C}">
+                <a14:useLocalDpi xmlns:a14="http://schemas.microsoft.com/office/drawing/2010/main" val="0"/>
+              </a:ext>
+            </a:extLst>
+          </a:blip>
+          <a:srcRect l="19611" r="18635"/>
+          <a:stretch/>
+        </p:blipFill>
+        <p:spPr>
+          <a:xfrm>
+            <a:off x="1950734" y="1150752"/>
+            <a:ext cx="3871568" cy="3576675"/>
+          </a:xfrm>
+          <a:prstGeom prst="rect">
+            <a:avLst/>
+          </a:prstGeom>
+        </p:spPr>
+      </p:pic>
       <p:sp>
         <p:nvSpPr>
           <p:cNvPr id="7" name="TextBox 6">
@@ -8519,8 +8262,8 @@
           <p:nvPr/>
         </p:nvSpPr>
         <p:spPr>
-          <a:xfrm rot="16200000">
-            <a:off x="214795" y="5484642"/>
+          <a:xfrm>
+            <a:off x="2784458" y="1150751"/>
             <a:ext cx="295274" cy="369332"/>
           </a:xfrm>
           <a:prstGeom prst="rect">
@@ -8544,122 +8287,76 @@
           </a:p>
         </p:txBody>
       </p:sp>
-      <p:sp>
-        <p:nvSpPr>
-          <p:cNvPr id="8" name="TextBox 7">
+      <p:pic>
+        <p:nvPicPr>
+          <p:cNvPr id="13" name="Picture 12">
             <a:extLst>
               <a:ext uri="{FF2B5EF4-FFF2-40B4-BE49-F238E27FC236}">
-                <a16:creationId xmlns:a16="http://schemas.microsoft.com/office/drawing/2014/main" id="{ED049BFF-5D0D-659F-5DB3-337FAC18DDF9}"/>
+                <a16:creationId xmlns:a16="http://schemas.microsoft.com/office/drawing/2014/main" id="{C512E948-5D5D-8C61-7101-DECE3F9D16C3}"/>
               </a:ext>
             </a:extLst>
           </p:cNvPr>
-          <p:cNvSpPr txBox="1"/>
+          <p:cNvPicPr>
+            <a:picLocks noChangeAspect="1"/>
+          </p:cNvPicPr>
           <p:nvPr/>
-        </p:nvSpPr>
+        </p:nvPicPr>
+        <p:blipFill rotWithShape="1">
+          <a:blip r:embed="rId3">
+            <a:extLst>
+              <a:ext uri="{28A0092B-C50C-407E-A947-70E740481C1C}">
+                <a14:useLocalDpi xmlns:a14="http://schemas.microsoft.com/office/drawing/2010/main" val="0"/>
+              </a:ext>
+            </a:extLst>
+          </a:blip>
+          <a:srcRect l="19598" r="18112"/>
+          <a:stretch/>
+        </p:blipFill>
         <p:spPr>
-          <a:xfrm rot="16200000">
-            <a:off x="4219489" y="5490252"/>
-            <a:ext cx="306494" cy="369332"/>
+          <a:xfrm>
+            <a:off x="1950734" y="4727426"/>
+            <a:ext cx="3871568" cy="3545878"/>
           </a:xfrm>
           <a:prstGeom prst="rect">
             <a:avLst/>
           </a:prstGeom>
-          <a:noFill/>
         </p:spPr>
-        <p:txBody>
-          <a:bodyPr wrap="none" rtlCol="0">
-            <a:spAutoFit/>
-          </a:bodyPr>
-          <a:lstStyle/>
-          <a:p>
-            <a:r>
-              <a:rPr lang="en-US" dirty="0">
-                <a:latin typeface="Times New Roman" panose="02020603050405020304" pitchFamily="18" charset="0"/>
-                <a:cs typeface="Times New Roman" panose="02020603050405020304" pitchFamily="18" charset="0"/>
-              </a:rPr>
-              <a:t>b</a:t>
-            </a:r>
-          </a:p>
-        </p:txBody>
-      </p:sp>
-      <p:sp>
-        <p:nvSpPr>
-          <p:cNvPr id="9" name="TextBox 8">
+      </p:pic>
+      <p:pic>
+        <p:nvPicPr>
+          <p:cNvPr id="15" name="Picture 14">
             <a:extLst>
               <a:ext uri="{FF2B5EF4-FFF2-40B4-BE49-F238E27FC236}">
-                <a16:creationId xmlns:a16="http://schemas.microsoft.com/office/drawing/2014/main" id="{73BB276C-0EE8-AC07-AEA5-2CDC400F20AF}"/>
+                <a16:creationId xmlns:a16="http://schemas.microsoft.com/office/drawing/2014/main" id="{2041EF72-7F6D-B06B-E004-6A492E003083}"/>
               </a:ext>
             </a:extLst>
           </p:cNvPr>
-          <p:cNvSpPr txBox="1"/>
+          <p:cNvPicPr>
+            <a:picLocks noChangeAspect="1"/>
+          </p:cNvPicPr>
           <p:nvPr/>
-        </p:nvSpPr>
+        </p:nvPicPr>
+        <p:blipFill rotWithShape="1">
+          <a:blip r:embed="rId4">
+            <a:extLst>
+              <a:ext uri="{28A0092B-C50C-407E-A947-70E740481C1C}">
+                <a14:useLocalDpi xmlns:a14="http://schemas.microsoft.com/office/drawing/2010/main" val="0"/>
+              </a:ext>
+            </a:extLst>
+          </a:blip>
+          <a:srcRect l="49428" b="50287"/>
+          <a:stretch/>
+        </p:blipFill>
         <p:spPr>
-          <a:xfrm rot="10800000">
-            <a:off x="1605108" y="5993127"/>
-            <a:ext cx="1709619" cy="338554"/>
+          <a:xfrm>
+            <a:off x="5902351" y="1150751"/>
+            <a:ext cx="4752387" cy="3593583"/>
           </a:xfrm>
           <a:prstGeom prst="rect">
             <a:avLst/>
           </a:prstGeom>
-          <a:noFill/>
         </p:spPr>
-        <p:txBody>
-          <a:bodyPr wrap="square" rtlCol="0">
-            <a:spAutoFit/>
-          </a:bodyPr>
-          <a:lstStyle/>
-          <a:p>
-            <a:pPr algn="ctr"/>
-            <a:r>
-              <a:rPr lang="en-US" sz="1600" b="1" dirty="0">
-                <a:latin typeface="Times New Roman" panose="02020603050405020304" pitchFamily="18" charset="0"/>
-                <a:cs typeface="Times New Roman" panose="02020603050405020304" pitchFamily="18" charset="0"/>
-              </a:rPr>
-              <a:t>Without TPU</a:t>
-            </a:r>
-          </a:p>
-        </p:txBody>
-      </p:sp>
-      <p:sp>
-        <p:nvSpPr>
-          <p:cNvPr id="10" name="TextBox 9">
-            <a:extLst>
-              <a:ext uri="{FF2B5EF4-FFF2-40B4-BE49-F238E27FC236}">
-                <a16:creationId xmlns:a16="http://schemas.microsoft.com/office/drawing/2014/main" id="{B01296B2-64D6-454F-A3F0-5ED1157DA469}"/>
-              </a:ext>
-            </a:extLst>
-          </p:cNvPr>
-          <p:cNvSpPr txBox="1"/>
-          <p:nvPr/>
-        </p:nvSpPr>
-        <p:spPr>
-          <a:xfrm rot="10800000">
-            <a:off x="5241190" y="5993127"/>
-            <a:ext cx="1709619" cy="338554"/>
-          </a:xfrm>
-          <a:prstGeom prst="rect">
-            <a:avLst/>
-          </a:prstGeom>
-          <a:noFill/>
-        </p:spPr>
-        <p:txBody>
-          <a:bodyPr wrap="square" rtlCol="0">
-            <a:spAutoFit/>
-          </a:bodyPr>
-          <a:lstStyle/>
-          <a:p>
-            <a:pPr algn="ctr"/>
-            <a:r>
-              <a:rPr lang="en-US" sz="1600" b="1" dirty="0">
-                <a:latin typeface="Times New Roman" panose="02020603050405020304" pitchFamily="18" charset="0"/>
-                <a:cs typeface="Times New Roman" panose="02020603050405020304" pitchFamily="18" charset="0"/>
-              </a:rPr>
-              <a:t>With TPU</a:t>
-            </a:r>
-          </a:p>
-        </p:txBody>
-      </p:sp>
+      </p:pic>
     </p:spTree>
     <p:extLst>
       <p:ext uri="{BB962C8B-B14F-4D97-AF65-F5344CB8AC3E}">
@@ -8673,7 +8370,7 @@
 </p:sld>
 </file>
 
-<file path=ppt/slides/slide6.xml><?xml version="1.0" encoding="utf-8"?>
+<file path=ppt/slides/slide5.xml><?xml version="1.0" encoding="utf-8"?>
 <p:sld xmlns:a="http://schemas.openxmlformats.org/drawingml/2006/main" xmlns:r="http://schemas.openxmlformats.org/officeDocument/2006/relationships" xmlns:p="http://schemas.openxmlformats.org/presentationml/2006/main">
   <p:cSld>
     <p:spTree>
@@ -8718,7 +8415,7 @@
         </p:blipFill>
         <p:spPr>
           <a:xfrm>
-            <a:off x="667265" y="350821"/>
+            <a:off x="667265" y="1493821"/>
             <a:ext cx="9934832" cy="6507182"/>
           </a:xfrm>
           <a:prstGeom prst="rect">
@@ -8740,7 +8437,7 @@
         </p:nvSpPr>
         <p:spPr>
           <a:xfrm>
-            <a:off x="197711" y="354558"/>
+            <a:off x="197711" y="1497558"/>
             <a:ext cx="1470454" cy="369332"/>
           </a:xfrm>
           <a:prstGeom prst="rect">
@@ -8799,7 +8496,7 @@
         </p:blipFill>
         <p:spPr>
           <a:xfrm>
-            <a:off x="2870555" y="437320"/>
+            <a:off x="2870555" y="1580320"/>
             <a:ext cx="4222226" cy="2765502"/>
           </a:xfrm>
           <a:prstGeom prst="rect">
@@ -8820,7 +8517,7 @@
 </p:sld>
 </file>
 
-<file path=ppt/slides/slide7.xml><?xml version="1.0" encoding="utf-8"?>
+<file path=ppt/slides/slide6.xml><?xml version="1.0" encoding="utf-8"?>
 <p:sld xmlns:a="http://schemas.openxmlformats.org/drawingml/2006/main" xmlns:r="http://schemas.openxmlformats.org/officeDocument/2006/relationships" xmlns:p="http://schemas.openxmlformats.org/presentationml/2006/main">
   <p:cSld>
     <p:spTree>
@@ -8865,7 +8562,7 @@
         </p:blipFill>
         <p:spPr>
           <a:xfrm>
-            <a:off x="3" y="434476"/>
+            <a:off x="3" y="1577477"/>
             <a:ext cx="9700054" cy="6353405"/>
           </a:xfrm>
           <a:prstGeom prst="rect">
@@ -8887,7 +8584,7 @@
         </p:nvSpPr>
         <p:spPr>
           <a:xfrm>
-            <a:off x="469563" y="185354"/>
+            <a:off x="469564" y="1328354"/>
             <a:ext cx="1173893" cy="369332"/>
           </a:xfrm>
           <a:prstGeom prst="rect">
@@ -8946,7 +8643,7 @@
         </p:blipFill>
         <p:spPr>
           <a:xfrm>
-            <a:off x="2178575" y="519669"/>
+            <a:off x="2178575" y="1662670"/>
             <a:ext cx="4049234" cy="2652193"/>
           </a:xfrm>
           <a:prstGeom prst="rect">
@@ -8967,7 +8664,7 @@
 </p:sld>
 </file>
 
-<file path=ppt/slides/slide8.xml><?xml version="1.0" encoding="utf-8"?>
+<file path=ppt/slides/slide7.xml><?xml version="1.0" encoding="utf-8"?>
 <p:sld xmlns:a="http://schemas.openxmlformats.org/drawingml/2006/main" xmlns:r="http://schemas.openxmlformats.org/officeDocument/2006/relationships" xmlns:p="http://schemas.openxmlformats.org/presentationml/2006/main">
   <p:cSld>
     <p:spTree>
@@ -9006,7 +8703,7 @@
         </p:blipFill>
         <p:spPr>
           <a:xfrm rot="16200000">
-            <a:off x="3278605" y="1630306"/>
+            <a:off x="3278606" y="2773307"/>
             <a:ext cx="6317707" cy="4137681"/>
           </a:xfrm>
           <a:prstGeom prst="rect">
@@ -9036,7 +8733,7 @@
         </p:blipFill>
         <p:spPr>
           <a:xfrm rot="16200000">
-            <a:off x="-858024" y="1617382"/>
+            <a:off x="-858024" y="2760382"/>
             <a:ext cx="6317706" cy="4135578"/>
           </a:xfrm>
           <a:prstGeom prst="rect">
@@ -9058,7 +8755,7 @@
         </p:nvSpPr>
         <p:spPr>
           <a:xfrm rot="16200000">
-            <a:off x="7084105" y="3105078"/>
+            <a:off x="7084105" y="4248078"/>
             <a:ext cx="4315738" cy="1107996"/>
           </a:xfrm>
           <a:prstGeom prst="rect">
@@ -9110,7 +8807,7 @@
         </p:nvSpPr>
         <p:spPr>
           <a:xfrm rot="16200000">
-            <a:off x="214795" y="5484642"/>
+            <a:off x="214795" y="6627642"/>
             <a:ext cx="295274" cy="369332"/>
           </a:xfrm>
           <a:prstGeom prst="rect">
@@ -9148,7 +8845,7 @@
         </p:nvSpPr>
         <p:spPr>
           <a:xfrm rot="16200000">
-            <a:off x="4219489" y="5490252"/>
+            <a:off x="4219489" y="6633252"/>
             <a:ext cx="306494" cy="369332"/>
           </a:xfrm>
           <a:prstGeom prst="rect">
@@ -9186,7 +8883,7 @@
         </p:nvSpPr>
         <p:spPr>
           <a:xfrm rot="10800000">
-            <a:off x="1605108" y="5993127"/>
+            <a:off x="1605109" y="7136127"/>
             <a:ext cx="1709619" cy="338554"/>
           </a:xfrm>
           <a:prstGeom prst="rect">
@@ -9225,7 +8922,7 @@
         </p:nvSpPr>
         <p:spPr>
           <a:xfrm rot="10800000">
-            <a:off x="5241190" y="5993127"/>
+            <a:off x="5241191" y="7136127"/>
             <a:ext cx="1709619" cy="338554"/>
           </a:xfrm>
           <a:prstGeom prst="rect">
@@ -9263,7 +8960,7 @@
 </p:sld>
 </file>
 
-<file path=ppt/slides/slide9.xml><?xml version="1.0" encoding="utf-8"?>
+<file path=ppt/slides/slide8.xml><?xml version="1.0" encoding="utf-8"?>
 <p:sld xmlns:a="http://schemas.openxmlformats.org/drawingml/2006/main" xmlns:r="http://schemas.openxmlformats.org/officeDocument/2006/relationships" xmlns:p="http://schemas.openxmlformats.org/presentationml/2006/main">
   <p:cSld>
     <p:spTree>
@@ -9309,7 +9006,7 @@
         </p:blipFill>
         <p:spPr bwMode="auto">
           <a:xfrm>
-            <a:off x="515191" y="1088139"/>
+            <a:off x="515191" y="2231140"/>
             <a:ext cx="5238594" cy="3431209"/>
           </a:xfrm>
           <a:prstGeom prst="rect">
@@ -9340,10 +9037,40 @@
 </p:sld>
 </file>
 
+<file path=ppt/slides/slide9.xml><?xml version="1.0" encoding="utf-8"?>
+<p:sld xmlns:a="http://schemas.openxmlformats.org/drawingml/2006/main" xmlns:r="http://schemas.openxmlformats.org/officeDocument/2006/relationships" xmlns:p="http://schemas.openxmlformats.org/presentationml/2006/main">
+  <p:cSld>
+    <p:spTree>
+      <p:nvGrpSpPr>
+        <p:cNvPr id="1" name=""/>
+        <p:cNvGrpSpPr/>
+        <p:nvPr/>
+      </p:nvGrpSpPr>
+      <p:grpSpPr>
+        <a:xfrm>
+          <a:off x="0" y="0"/>
+          <a:ext cx="0" cy="0"/>
+          <a:chOff x="0" y="0"/>
+          <a:chExt cx="0" cy="0"/>
+        </a:xfrm>
+      </p:grpSpPr>
+    </p:spTree>
+    <p:extLst>
+      <p:ext uri="{BB962C8B-B14F-4D97-AF65-F5344CB8AC3E}">
+        <p14:creationId xmlns:p14="http://schemas.microsoft.com/office/powerpoint/2010/main" val="2125615224"/>
+      </p:ext>
+    </p:extLst>
+  </p:cSld>
+  <p:clrMapOvr>
+    <a:masterClrMapping/>
+  </p:clrMapOvr>
+</p:sld>
+</file>
+
 <file path=ppt/theme/theme1.xml><?xml version="1.0" encoding="utf-8"?>
 <a:theme xmlns:a="http://schemas.openxmlformats.org/drawingml/2006/main" name="Office Theme">
   <a:themeElements>
-    <a:clrScheme name="Office">
+    <a:clrScheme name="Office Theme">
       <a:dk1>
         <a:sysClr val="windowText" lastClr="000000"/>
       </a:dk1>
@@ -9381,7 +9108,7 @@
         <a:srgbClr val="954F72"/>
       </a:folHlink>
     </a:clrScheme>
-    <a:fontScheme name="Office">
+    <a:fontScheme name="Office Theme">
       <a:majorFont>
         <a:latin typeface="Calibri Light" panose="020F0302020204030204"/>
         <a:ea typeface=""/>
@@ -9416,23 +9143,6 @@
         <a:font script="Viet" typeface="Times New Roman"/>
         <a:font script="Uigh" typeface="Microsoft Uighur"/>
         <a:font script="Geor" typeface="Sylfaen"/>
-        <a:font script="Armn" typeface="Arial"/>
-        <a:font script="Bugi" typeface="Leelawadee UI"/>
-        <a:font script="Bopo" typeface="Microsoft JhengHei"/>
-        <a:font script="Java" typeface="Javanese Text"/>
-        <a:font script="Lisu" typeface="Segoe UI"/>
-        <a:font script="Mymr" typeface="Myanmar Text"/>
-        <a:font script="Nkoo" typeface="Ebrima"/>
-        <a:font script="Olck" typeface="Nirmala UI"/>
-        <a:font script="Osma" typeface="Ebrima"/>
-        <a:font script="Phag" typeface="Phagspa"/>
-        <a:font script="Syrn" typeface="Estrangelo Edessa"/>
-        <a:font script="Syrj" typeface="Estrangelo Edessa"/>
-        <a:font script="Syre" typeface="Estrangelo Edessa"/>
-        <a:font script="Sora" typeface="Nirmala UI"/>
-        <a:font script="Tale" typeface="Microsoft Tai Le"/>
-        <a:font script="Talu" typeface="Microsoft New Tai Lue"/>
-        <a:font script="Tfng" typeface="Ebrima"/>
       </a:majorFont>
       <a:minorFont>
         <a:latin typeface="Calibri" panose="020F0502020204030204"/>
@@ -9468,26 +9178,9 @@
         <a:font script="Viet" typeface="Arial"/>
         <a:font script="Uigh" typeface="Microsoft Uighur"/>
         <a:font script="Geor" typeface="Sylfaen"/>
-        <a:font script="Armn" typeface="Arial"/>
-        <a:font script="Bugi" typeface="Leelawadee UI"/>
-        <a:font script="Bopo" typeface="Microsoft JhengHei"/>
-        <a:font script="Java" typeface="Javanese Text"/>
-        <a:font script="Lisu" typeface="Segoe UI"/>
-        <a:font script="Mymr" typeface="Myanmar Text"/>
-        <a:font script="Nkoo" typeface="Ebrima"/>
-        <a:font script="Olck" typeface="Nirmala UI"/>
-        <a:font script="Osma" typeface="Ebrima"/>
-        <a:font script="Phag" typeface="Phagspa"/>
-        <a:font script="Syrn" typeface="Estrangelo Edessa"/>
-        <a:font script="Syrj" typeface="Estrangelo Edessa"/>
-        <a:font script="Syre" typeface="Estrangelo Edessa"/>
-        <a:font script="Sora" typeface="Nirmala UI"/>
-        <a:font script="Tale" typeface="Microsoft Tai Le"/>
-        <a:font script="Talu" typeface="Microsoft New Tai Lue"/>
-        <a:font script="Tfng" typeface="Ebrima"/>
       </a:minorFont>
     </a:fontScheme>
-    <a:fmtScheme name="Office">
+    <a:fmtScheme name="Office Theme">
       <a:fillStyleLst>
         <a:solidFill>
           <a:schemeClr val="phClr"/>
@@ -9629,7 +9322,7 @@
   <a:extraClrSchemeLst/>
   <a:extLst>
     <a:ext uri="{05A4C25C-085E-4340-85A3-A5531E510DB2}">
-      <thm15:themeFamily xmlns:thm15="http://schemas.microsoft.com/office/thememl/2012/main" name="Office Theme" id="{62F939B6-93AF-4DB8-9C6B-D6C7DFDC589F}" vid="{4A3C46E8-61CC-4603-A589-7422A47A8E4A}"/>
+      <thm15:themeFamily xmlns:thm15="http://schemas.microsoft.com/office/thememl/2012/main" name="Office 2013 - 2022 Theme" id="{62F939B6-93AF-4DB8-9C6B-D6C7DFDC589F}" vid="{4A3C46E8-61CC-4603-A589-7422A47A8E4A}"/>
     </a:ext>
   </a:extLst>
 </a:theme>
@@ -9890,7 +9583,7 @@
   <a:extraClrSchemeLst/>
   <a:extLst>
     <a:ext uri="{05A4C25C-085E-4340-85A3-A5531E510DB2}">
-      <thm15:themeFamily xmlns:thm15="http://schemas.microsoft.com/office/thememl/2012/main" name="Office Theme 2013 - 2022" id="{62F939B6-93AF-4DB8-9C6B-D6C7DFDC589F}" vid="{4A3C46E8-61CC-4603-A589-7422A47A8E4A}"/>
+      <thm15:themeFamily xmlns:thm15="http://schemas.microsoft.com/office/thememl/2012/main" name="Office 2013 - 2022 Theme" id="{62F939B6-93AF-4DB8-9C6B-D6C7DFDC589F}" vid="{4A3C46E8-61CC-4603-A589-7422A47A8E4A}"/>
     </a:ext>
   </a:extLst>
 </a:theme>

--- a/Figures/All_figs_in_text.pptx
+++ b/Figures/All_figs_in_text.pptx
@@ -206,7 +206,7 @@
           <a:p>
             <a:fld id="{8AE731BB-F939-4C66-9F0B-C29D2DEABF15}" type="datetimeFigureOut">
               <a:rPr lang="en-US" smtClean="0"/>
-              <a:t>10/9/2023</a:t>
+              <a:t>1/9/2024</a:t>
             </a:fld>
             <a:endParaRPr lang="en-US"/>
           </a:p>
@@ -1065,7 +1065,7 @@
           <a:p>
             <a:fld id="{6FA08D01-D69F-4A5A-AB38-D270A191E98A}" type="datetimeFigureOut">
               <a:rPr lang="en-US" smtClean="0"/>
-              <a:t>10/9/2023</a:t>
+              <a:t>1/9/2024</a:t>
             </a:fld>
             <a:endParaRPr lang="en-US"/>
           </a:p>
@@ -1235,7 +1235,7 @@
           <a:p>
             <a:fld id="{6FA08D01-D69F-4A5A-AB38-D270A191E98A}" type="datetimeFigureOut">
               <a:rPr lang="en-US" smtClean="0"/>
-              <a:t>10/9/2023</a:t>
+              <a:t>1/9/2024</a:t>
             </a:fld>
             <a:endParaRPr lang="en-US"/>
           </a:p>
@@ -1415,7 +1415,7 @@
           <a:p>
             <a:fld id="{6FA08D01-D69F-4A5A-AB38-D270A191E98A}" type="datetimeFigureOut">
               <a:rPr lang="en-US" smtClean="0"/>
-              <a:t>10/9/2023</a:t>
+              <a:t>1/9/2024</a:t>
             </a:fld>
             <a:endParaRPr lang="en-US"/>
           </a:p>
@@ -1607,7 +1607,7 @@
           <a:p>
             <a:fld id="{A8B27BE4-E27A-41D6-9DF3-963E3EE331C4}" type="datetimeFigureOut">
               <a:rPr lang="en-US" smtClean="0"/>
-              <a:t>10/9/2023</a:t>
+              <a:t>1/9/2024</a:t>
             </a:fld>
             <a:endParaRPr lang="en-US"/>
           </a:p>
@@ -1777,7 +1777,7 @@
           <a:p>
             <a:fld id="{A8B27BE4-E27A-41D6-9DF3-963E3EE331C4}" type="datetimeFigureOut">
               <a:rPr lang="en-US" smtClean="0"/>
-              <a:t>10/9/2023</a:t>
+              <a:t>1/9/2024</a:t>
             </a:fld>
             <a:endParaRPr lang="en-US"/>
           </a:p>
@@ -2021,7 +2021,7 @@
           <a:p>
             <a:fld id="{A8B27BE4-E27A-41D6-9DF3-963E3EE331C4}" type="datetimeFigureOut">
               <a:rPr lang="en-US" smtClean="0"/>
-              <a:t>10/9/2023</a:t>
+              <a:t>1/9/2024</a:t>
             </a:fld>
             <a:endParaRPr lang="en-US"/>
           </a:p>
@@ -2253,7 +2253,7 @@
           <a:p>
             <a:fld id="{A8B27BE4-E27A-41D6-9DF3-963E3EE331C4}" type="datetimeFigureOut">
               <a:rPr lang="en-US" smtClean="0"/>
-              <a:t>10/9/2023</a:t>
+              <a:t>1/9/2024</a:t>
             </a:fld>
             <a:endParaRPr lang="en-US"/>
           </a:p>
@@ -2620,7 +2620,7 @@
           <a:p>
             <a:fld id="{A8B27BE4-E27A-41D6-9DF3-963E3EE331C4}" type="datetimeFigureOut">
               <a:rPr lang="en-US" smtClean="0"/>
-              <a:t>10/9/2023</a:t>
+              <a:t>1/9/2024</a:t>
             </a:fld>
             <a:endParaRPr lang="en-US"/>
           </a:p>
@@ -2738,7 +2738,7 @@
           <a:p>
             <a:fld id="{A8B27BE4-E27A-41D6-9DF3-963E3EE331C4}" type="datetimeFigureOut">
               <a:rPr lang="en-US" smtClean="0"/>
-              <a:t>10/9/2023</a:t>
+              <a:t>1/9/2024</a:t>
             </a:fld>
             <a:endParaRPr lang="en-US"/>
           </a:p>
@@ -2833,7 +2833,7 @@
           <a:p>
             <a:fld id="{A8B27BE4-E27A-41D6-9DF3-963E3EE331C4}" type="datetimeFigureOut">
               <a:rPr lang="en-US" smtClean="0"/>
-              <a:t>10/9/2023</a:t>
+              <a:t>1/9/2024</a:t>
             </a:fld>
             <a:endParaRPr lang="en-US"/>
           </a:p>
@@ -3110,7 +3110,7 @@
           <a:p>
             <a:fld id="{A8B27BE4-E27A-41D6-9DF3-963E3EE331C4}" type="datetimeFigureOut">
               <a:rPr lang="en-US" smtClean="0"/>
-              <a:t>10/9/2023</a:t>
+              <a:t>1/9/2024</a:t>
             </a:fld>
             <a:endParaRPr lang="en-US"/>
           </a:p>
@@ -3280,7 +3280,7 @@
           <a:p>
             <a:fld id="{6FA08D01-D69F-4A5A-AB38-D270A191E98A}" type="datetimeFigureOut">
               <a:rPr lang="en-US" smtClean="0"/>
-              <a:t>10/9/2023</a:t>
+              <a:t>1/9/2024</a:t>
             </a:fld>
             <a:endParaRPr lang="en-US"/>
           </a:p>
@@ -3537,7 +3537,7 @@
           <a:p>
             <a:fld id="{A8B27BE4-E27A-41D6-9DF3-963E3EE331C4}" type="datetimeFigureOut">
               <a:rPr lang="en-US" smtClean="0"/>
-              <a:t>10/9/2023</a:t>
+              <a:t>1/9/2024</a:t>
             </a:fld>
             <a:endParaRPr lang="en-US"/>
           </a:p>
@@ -3707,7 +3707,7 @@
           <a:p>
             <a:fld id="{A8B27BE4-E27A-41D6-9DF3-963E3EE331C4}" type="datetimeFigureOut">
               <a:rPr lang="en-US" smtClean="0"/>
-              <a:t>10/9/2023</a:t>
+              <a:t>1/9/2024</a:t>
             </a:fld>
             <a:endParaRPr lang="en-US"/>
           </a:p>
@@ -3887,7 +3887,7 @@
           <a:p>
             <a:fld id="{A8B27BE4-E27A-41D6-9DF3-963E3EE331C4}" type="datetimeFigureOut">
               <a:rPr lang="en-US" smtClean="0"/>
-              <a:t>10/9/2023</a:t>
+              <a:t>1/9/2024</a:t>
             </a:fld>
             <a:endParaRPr lang="en-US"/>
           </a:p>
@@ -4131,7 +4131,7 @@
           <a:p>
             <a:fld id="{6FA08D01-D69F-4A5A-AB38-D270A191E98A}" type="datetimeFigureOut">
               <a:rPr lang="en-US" smtClean="0"/>
-              <a:t>10/9/2023</a:t>
+              <a:t>1/9/2024</a:t>
             </a:fld>
             <a:endParaRPr lang="en-US"/>
           </a:p>
@@ -4363,7 +4363,7 @@
           <a:p>
             <a:fld id="{6FA08D01-D69F-4A5A-AB38-D270A191E98A}" type="datetimeFigureOut">
               <a:rPr lang="en-US" smtClean="0"/>
-              <a:t>10/9/2023</a:t>
+              <a:t>1/9/2024</a:t>
             </a:fld>
             <a:endParaRPr lang="en-US"/>
           </a:p>
@@ -4730,7 +4730,7 @@
           <a:p>
             <a:fld id="{6FA08D01-D69F-4A5A-AB38-D270A191E98A}" type="datetimeFigureOut">
               <a:rPr lang="en-US" smtClean="0"/>
-              <a:t>10/9/2023</a:t>
+              <a:t>1/9/2024</a:t>
             </a:fld>
             <a:endParaRPr lang="en-US"/>
           </a:p>
@@ -4848,7 +4848,7 @@
           <a:p>
             <a:fld id="{6FA08D01-D69F-4A5A-AB38-D270A191E98A}" type="datetimeFigureOut">
               <a:rPr lang="en-US" smtClean="0"/>
-              <a:t>10/9/2023</a:t>
+              <a:t>1/9/2024</a:t>
             </a:fld>
             <a:endParaRPr lang="en-US"/>
           </a:p>
@@ -4943,7 +4943,7 @@
           <a:p>
             <a:fld id="{6FA08D01-D69F-4A5A-AB38-D270A191E98A}" type="datetimeFigureOut">
               <a:rPr lang="en-US" smtClean="0"/>
-              <a:t>10/9/2023</a:t>
+              <a:t>1/9/2024</a:t>
             </a:fld>
             <a:endParaRPr lang="en-US"/>
           </a:p>
@@ -5220,7 +5220,7 @@
           <a:p>
             <a:fld id="{6FA08D01-D69F-4A5A-AB38-D270A191E98A}" type="datetimeFigureOut">
               <a:rPr lang="en-US" smtClean="0"/>
-              <a:t>10/9/2023</a:t>
+              <a:t>1/9/2024</a:t>
             </a:fld>
             <a:endParaRPr lang="en-US"/>
           </a:p>
@@ -5477,7 +5477,7 @@
           <a:p>
             <a:fld id="{6FA08D01-D69F-4A5A-AB38-D270A191E98A}" type="datetimeFigureOut">
               <a:rPr lang="en-US" smtClean="0"/>
-              <a:t>10/9/2023</a:t>
+              <a:t>1/9/2024</a:t>
             </a:fld>
             <a:endParaRPr lang="en-US"/>
           </a:p>
@@ -5690,7 +5690,7 @@
           <a:p>
             <a:fld id="{6FA08D01-D69F-4A5A-AB38-D270A191E98A}" type="datetimeFigureOut">
               <a:rPr lang="en-US" smtClean="0"/>
-              <a:t>10/9/2023</a:t>
+              <a:t>1/9/2024</a:t>
             </a:fld>
             <a:endParaRPr lang="en-US"/>
           </a:p>
@@ -6230,7 +6230,7 @@
           <a:p>
             <a:fld id="{A8B27BE4-E27A-41D6-9DF3-963E3EE331C4}" type="datetimeFigureOut">
               <a:rPr lang="en-US" smtClean="0"/>
-              <a:t>10/9/2023</a:t>
+              <a:t>1/9/2024</a:t>
             </a:fld>
             <a:endParaRPr lang="en-US"/>
           </a:p>
@@ -7099,16 +7099,15 @@
           </p:cNvPicPr>
           <p:nvPr/>
         </p:nvPicPr>
-        <p:blipFill>
+        <p:blipFill rotWithShape="1">
           <a:blip r:embed="rId3"/>
-          <a:stretch>
-            <a:fillRect/>
-          </a:stretch>
+          <a:srcRect l="4567"/>
+          <a:stretch/>
         </p:blipFill>
         <p:spPr>
           <a:xfrm>
-            <a:off x="5258790" y="2445964"/>
-            <a:ext cx="5116763" cy="3421657"/>
+            <a:off x="5376672" y="2445964"/>
+            <a:ext cx="4883057" cy="3421657"/>
           </a:xfrm>
           <a:prstGeom prst="rect">
             <a:avLst/>
@@ -7227,14 +7226,14 @@
           <a:p>
             <a:pPr algn="ctr"/>
             <a:r>
-              <a:rPr lang="en-US" sz="1400" dirty="0">
+              <a:rPr lang="en-US" sz="1400" i="1" dirty="0">
                 <a:latin typeface="Arial" panose="020B0604020202020204" pitchFamily="34" charset="0"/>
                 <a:cs typeface="Arial" panose="020B0604020202020204" pitchFamily="34" charset="0"/>
               </a:rPr>
               <a:t>A</a:t>
             </a:r>
             <a:r>
-              <a:rPr lang="en-US" sz="1400" baseline="-25000" dirty="0">
+              <a:rPr lang="en-US" sz="1400" i="1" baseline="-25000" dirty="0">
                 <a:latin typeface="Arial" panose="020B0604020202020204" pitchFamily="34" charset="0"/>
                 <a:cs typeface="Arial" panose="020B0604020202020204" pitchFamily="34" charset="0"/>
               </a:rPr>
@@ -7343,14 +7342,14 @@
           <a:p>
             <a:pPr algn="ctr"/>
             <a:r>
-              <a:rPr lang="en-US" sz="1400" dirty="0">
+              <a:rPr lang="en-US" sz="1400" i="1" dirty="0">
                 <a:latin typeface="Arial" panose="020B0604020202020204" pitchFamily="34" charset="0"/>
                 <a:cs typeface="Arial" panose="020B0604020202020204" pitchFamily="34" charset="0"/>
               </a:rPr>
               <a:t>C</a:t>
             </a:r>
             <a:r>
-              <a:rPr lang="en-US" sz="1400" baseline="-25000" dirty="0">
+              <a:rPr lang="en-US" sz="1400" i="1" baseline="-25000" dirty="0">
                 <a:latin typeface="Arial" panose="020B0604020202020204" pitchFamily="34" charset="0"/>
                 <a:cs typeface="Arial" panose="020B0604020202020204" pitchFamily="34" charset="0"/>
               </a:rPr>
@@ -7408,7 +7407,7 @@
         </p:nvSpPr>
         <p:spPr>
           <a:xfrm>
-            <a:off x="6220453" y="5597169"/>
+            <a:off x="6104629" y="5597169"/>
             <a:ext cx="2174033" cy="307777"/>
           </a:xfrm>
           <a:prstGeom prst="rect">
@@ -7426,14 +7425,14 @@
           <a:p>
             <a:pPr algn="ctr"/>
             <a:r>
-              <a:rPr lang="en-US" sz="1400" dirty="0">
+              <a:rPr lang="en-US" sz="1400" i="1" dirty="0">
                 <a:latin typeface="Arial" panose="020B0604020202020204" pitchFamily="34" charset="0"/>
                 <a:cs typeface="Arial" panose="020B0604020202020204" pitchFamily="34" charset="0"/>
               </a:rPr>
               <a:t>C</a:t>
             </a:r>
             <a:r>
-              <a:rPr lang="en-US" sz="1400" baseline="-25000" dirty="0">
+              <a:rPr lang="en-US" sz="1400" i="1" baseline="-25000" dirty="0">
                 <a:latin typeface="Arial" panose="020B0604020202020204" pitchFamily="34" charset="0"/>
                 <a:cs typeface="Arial" panose="020B0604020202020204" pitchFamily="34" charset="0"/>
               </a:rPr>
@@ -7550,7 +7549,7 @@
         </p:nvSpPr>
         <p:spPr>
           <a:xfrm>
-            <a:off x="6312048" y="2440551"/>
+            <a:off x="6196224" y="2440551"/>
             <a:ext cx="2412075" cy="523220"/>
           </a:xfrm>
           <a:prstGeom prst="rect">
@@ -7597,122 +7596,6 @@
             <a:endParaRPr lang="en-US" sz="1400" dirty="0">
               <a:latin typeface="Times New Roman" panose="02020603050405020304" pitchFamily="18" charset="0"/>
               <a:cs typeface="Times New Roman" panose="02020603050405020304" pitchFamily="18" charset="0"/>
-            </a:endParaRPr>
-          </a:p>
-        </p:txBody>
-      </p:sp>
-      <p:sp>
-        <p:nvSpPr>
-          <p:cNvPr id="5" name="TextBox 4">
-            <a:extLst>
-              <a:ext uri="{FF2B5EF4-FFF2-40B4-BE49-F238E27FC236}">
-                <a16:creationId xmlns:a16="http://schemas.microsoft.com/office/drawing/2014/main" id="{87E395E3-11F1-806C-705D-A3553826AE4C}"/>
-              </a:ext>
-            </a:extLst>
-          </p:cNvPr>
-          <p:cNvSpPr txBox="1"/>
-          <p:nvPr/>
-        </p:nvSpPr>
-        <p:spPr>
-          <a:xfrm rot="16200000">
-            <a:off x="4479943" y="3998127"/>
-            <a:ext cx="1769165" cy="307777"/>
-          </a:xfrm>
-          <a:prstGeom prst="rect">
-            <a:avLst/>
-          </a:prstGeom>
-          <a:solidFill>
-            <a:schemeClr val="bg1"/>
-          </a:solidFill>
-        </p:spPr>
-        <p:txBody>
-          <a:bodyPr wrap="square" rtlCol="0">
-            <a:spAutoFit/>
-          </a:bodyPr>
-          <a:lstStyle/>
-          <a:p>
-            <a:pPr algn="ctr"/>
-            <a:r>
-              <a:rPr lang="en-US" sz="1400" dirty="0">
-                <a:latin typeface="Arial" panose="020B0604020202020204" pitchFamily="34" charset="0"/>
-                <a:cs typeface="Arial" panose="020B0604020202020204" pitchFamily="34" charset="0"/>
-              </a:rPr>
-              <a:t>A</a:t>
-            </a:r>
-            <a:r>
-              <a:rPr lang="en-US" sz="1400" baseline="-25000" dirty="0">
-                <a:latin typeface="Arial" panose="020B0604020202020204" pitchFamily="34" charset="0"/>
-                <a:cs typeface="Arial" panose="020B0604020202020204" pitchFamily="34" charset="0"/>
-              </a:rPr>
-              <a:t>net</a:t>
-            </a:r>
-            <a:r>
-              <a:rPr lang="en-US" sz="1400" dirty="0">
-                <a:latin typeface="Arial" panose="020B0604020202020204" pitchFamily="34" charset="0"/>
-                <a:cs typeface="Arial" panose="020B0604020202020204" pitchFamily="34" charset="0"/>
-              </a:rPr>
-              <a:t> (</a:t>
-            </a:r>
-            <a:r>
-              <a:rPr lang="el-GR" sz="1400" dirty="0">
-                <a:latin typeface="Arial" panose="020B0604020202020204" pitchFamily="34" charset="0"/>
-                <a:cs typeface="Arial" panose="020B0604020202020204" pitchFamily="34" charset="0"/>
-              </a:rPr>
-              <a:t>μ</a:t>
-            </a:r>
-            <a:r>
-              <a:rPr lang="en-US" sz="1400" dirty="0">
-                <a:solidFill>
-                  <a:srgbClr val="000000"/>
-                </a:solidFill>
-                <a:latin typeface="Arial" panose="020B0604020202020204" pitchFamily="34" charset="0"/>
-                <a:cs typeface="Arial" panose="020B0604020202020204" pitchFamily="34" charset="0"/>
-              </a:rPr>
-              <a:t>mol m</a:t>
-            </a:r>
-            <a:r>
-              <a:rPr lang="en-US" sz="1400" baseline="30000" dirty="0">
-                <a:solidFill>
-                  <a:srgbClr val="000000"/>
-                </a:solidFill>
-                <a:latin typeface="Arial" panose="020B0604020202020204" pitchFamily="34" charset="0"/>
-                <a:cs typeface="Arial" panose="020B0604020202020204" pitchFamily="34" charset="0"/>
-              </a:rPr>
-              <a:t>-2</a:t>
-            </a:r>
-            <a:r>
-              <a:rPr lang="en-US" sz="1400" dirty="0">
-                <a:solidFill>
-                  <a:srgbClr val="000000"/>
-                </a:solidFill>
-                <a:latin typeface="Arial" panose="020B0604020202020204" pitchFamily="34" charset="0"/>
-                <a:cs typeface="Arial" panose="020B0604020202020204" pitchFamily="34" charset="0"/>
-              </a:rPr>
-              <a:t> s</a:t>
-            </a:r>
-            <a:r>
-              <a:rPr lang="en-US" sz="1400" baseline="30000" dirty="0">
-                <a:solidFill>
-                  <a:srgbClr val="000000"/>
-                </a:solidFill>
-                <a:latin typeface="Arial" panose="020B0604020202020204" pitchFamily="34" charset="0"/>
-                <a:cs typeface="Arial" panose="020B0604020202020204" pitchFamily="34" charset="0"/>
-              </a:rPr>
-              <a:t>-1</a:t>
-            </a:r>
-            <a:r>
-              <a:rPr lang="en-US" sz="1400" dirty="0">
-                <a:solidFill>
-                  <a:srgbClr val="000000"/>
-                </a:solidFill>
-                <a:latin typeface="Arial" panose="020B0604020202020204" pitchFamily="34" charset="0"/>
-                <a:cs typeface="Arial" panose="020B0604020202020204" pitchFamily="34" charset="0"/>
-              </a:rPr>
-              <a:t>)</a:t>
-            </a:r>
-            <a:endParaRPr lang="en-US" sz="1400" dirty="0">
-              <a:latin typeface="Arial" panose="020B0604020202020204" pitchFamily="34" charset="0"/>
-              <a:cs typeface="Arial" panose="020B0604020202020204" pitchFamily="34" charset="0"/>
             </a:endParaRPr>
           </a:p>
         </p:txBody>
